--- a/slides/slides.pptx
+++ b/slides/slides.pptx
@@ -27,6 +27,16 @@
     <p:sldId id="272" r:id="rId22"/>
     <p:sldId id="273" r:id="rId23"/>
     <p:sldId id="274" r:id="rId24"/>
+    <p:sldId id="275" r:id="rId25"/>
+    <p:sldId id="276" r:id="rId26"/>
+    <p:sldId id="277" r:id="rId27"/>
+    <p:sldId id="278" r:id="rId28"/>
+    <p:sldId id="279" r:id="rId29"/>
+    <p:sldId id="280" r:id="rId30"/>
+    <p:sldId id="281" r:id="rId31"/>
+    <p:sldId id="282" r:id="rId32"/>
+    <p:sldId id="283" r:id="rId33"/>
+    <p:sldId id="284" r:id="rId34"/>
   </p:sldIdLst>
   <p:sldSz cy="5143500" cx="9144000"/>
   <p:notesSz cx="6858000" cy="9144000"/>
@@ -503,7 +513,7 @@
   <p:cSld>
     <p:spTree>
       <p:nvGrpSpPr>
-        <p:cNvPr id="108" name="Shape 108"/>
+        <p:cNvPr id="107" name="Shape 107"/>
         <p:cNvGrpSpPr/>
         <p:nvPr/>
       </p:nvGrpSpPr>
@@ -517,7 +527,7 @@
       </p:grpSpPr>
       <p:sp>
         <p:nvSpPr>
-          <p:cNvPr id="109" name="Shape 109"/>
+          <p:cNvPr id="108" name="Shape 108"/>
           <p:cNvSpPr/>
           <p:nvPr>
             <p:ph idx="2" type="sldImg"/>
@@ -561,7 +571,7 @@
       </p:sp>
       <p:sp>
         <p:nvSpPr>
-          <p:cNvPr id="110" name="Shape 110"/>
+          <p:cNvPr id="109" name="Shape 109"/>
           <p:cNvSpPr txBox="1"/>
           <p:nvPr>
             <p:ph idx="1" type="body"/>
@@ -608,7 +618,7 @@
   <p:cSld>
     <p:spTree>
       <p:nvGrpSpPr>
-        <p:cNvPr id="114" name="Shape 114"/>
+        <p:cNvPr id="113" name="Shape 113"/>
         <p:cNvGrpSpPr/>
         <p:nvPr/>
       </p:nvGrpSpPr>
@@ -622,7 +632,7 @@
       </p:grpSpPr>
       <p:sp>
         <p:nvSpPr>
-          <p:cNvPr id="115" name="Shape 115"/>
+          <p:cNvPr id="114" name="Shape 114"/>
           <p:cNvSpPr/>
           <p:nvPr>
             <p:ph idx="2" type="sldImg"/>
@@ -666,7 +676,7 @@
       </p:sp>
       <p:sp>
         <p:nvSpPr>
-          <p:cNvPr id="116" name="Shape 116"/>
+          <p:cNvPr id="115" name="Shape 115"/>
           <p:cNvSpPr txBox="1"/>
           <p:nvPr>
             <p:ph idx="1" type="body"/>
@@ -713,7 +723,7 @@
   <p:cSld>
     <p:spTree>
       <p:nvGrpSpPr>
-        <p:cNvPr id="120" name="Shape 120"/>
+        <p:cNvPr id="119" name="Shape 119"/>
         <p:cNvGrpSpPr/>
         <p:nvPr/>
       </p:nvGrpSpPr>
@@ -727,7 +737,7 @@
       </p:grpSpPr>
       <p:sp>
         <p:nvSpPr>
-          <p:cNvPr id="121" name="Shape 121"/>
+          <p:cNvPr id="120" name="Shape 120"/>
           <p:cNvSpPr/>
           <p:nvPr>
             <p:ph idx="2" type="sldImg"/>
@@ -771,7 +781,7 @@
       </p:sp>
       <p:sp>
         <p:nvSpPr>
-          <p:cNvPr id="122" name="Shape 122"/>
+          <p:cNvPr id="121" name="Shape 121"/>
           <p:cNvSpPr txBox="1"/>
           <p:nvPr>
             <p:ph idx="1" type="body"/>
@@ -818,7 +828,7 @@
   <p:cSld>
     <p:spTree>
       <p:nvGrpSpPr>
-        <p:cNvPr id="126" name="Shape 126"/>
+        <p:cNvPr id="125" name="Shape 125"/>
         <p:cNvGrpSpPr/>
         <p:nvPr/>
       </p:nvGrpSpPr>
@@ -832,7 +842,7 @@
       </p:grpSpPr>
       <p:sp>
         <p:nvSpPr>
-          <p:cNvPr id="127" name="Shape 127"/>
+          <p:cNvPr id="126" name="Shape 126"/>
           <p:cNvSpPr/>
           <p:nvPr>
             <p:ph idx="2" type="sldImg"/>
@@ -876,7 +886,7 @@
       </p:sp>
       <p:sp>
         <p:nvSpPr>
-          <p:cNvPr id="128" name="Shape 128"/>
+          <p:cNvPr id="127" name="Shape 127"/>
           <p:cNvSpPr txBox="1"/>
           <p:nvPr>
             <p:ph idx="1" type="body"/>
@@ -923,7 +933,7 @@
   <p:cSld>
     <p:spTree>
       <p:nvGrpSpPr>
-        <p:cNvPr id="165" name="Shape 165"/>
+        <p:cNvPr id="133" name="Shape 133"/>
         <p:cNvGrpSpPr/>
         <p:nvPr/>
       </p:nvGrpSpPr>
@@ -937,7 +947,7 @@
       </p:grpSpPr>
       <p:sp>
         <p:nvSpPr>
-          <p:cNvPr id="166" name="Shape 166"/>
+          <p:cNvPr id="134" name="Shape 134"/>
           <p:cNvSpPr/>
           <p:nvPr>
             <p:ph idx="2" type="sldImg"/>
@@ -981,7 +991,7 @@
       </p:sp>
       <p:sp>
         <p:nvSpPr>
-          <p:cNvPr id="167" name="Shape 167"/>
+          <p:cNvPr id="135" name="Shape 135"/>
           <p:cNvSpPr txBox="1"/>
           <p:nvPr>
             <p:ph idx="1" type="body"/>
@@ -1001,42 +1011,6 @@
             <a:noAutofit/>
           </a:bodyPr>
           <a:lstStyle/>
-          <a:p>
-            <a:pPr rtl="0">
-              <a:spcBef>
-                <a:spcPts val="0"/>
-              </a:spcBef>
-              <a:buNone/>
-            </a:pPr>
-            <a:r>
-              <a:rPr lang="en"/>
-              <a:t>1024 vb =&gt; 4 nodes. Each node will hold 1024 / 4 = 256 vbuckets active copies and 1024*2/4=512 replicates.</a:t>
-            </a:r>
-          </a:p>
-          <a:p>
-            <a:pPr rtl="0">
-              <a:spcBef>
-                <a:spcPts val="0"/>
-              </a:spcBef>
-              <a:buNone/>
-            </a:pPr>
-            <a:r>
-              <a:rPr lang="en"/>
-              <a:t>table is build with mapping</a:t>
-            </a:r>
-          </a:p>
-          <a:p>
-            <a:pPr rtl="0">
-              <a:spcBef>
-                <a:spcPts val="0"/>
-              </a:spcBef>
-              <a:buNone/>
-            </a:pPr>
-            <a:r>
-              <a:rPr lang="en"/>
-              <a:t>Each client connects directly to the active node</a:t>
-            </a:r>
-          </a:p>
           <a:p>
             <a:pPr>
               <a:spcBef>
@@ -1064,7 +1038,7 @@
   <p:cSld>
     <p:spTree>
       <p:nvGrpSpPr>
-        <p:cNvPr id="171" name="Shape 171"/>
+        <p:cNvPr id="139" name="Shape 139"/>
         <p:cNvGrpSpPr/>
         <p:nvPr/>
       </p:nvGrpSpPr>
@@ -1078,7 +1052,7 @@
       </p:grpSpPr>
       <p:sp>
         <p:nvSpPr>
-          <p:cNvPr id="172" name="Shape 172"/>
+          <p:cNvPr id="140" name="Shape 140"/>
           <p:cNvSpPr/>
           <p:nvPr>
             <p:ph idx="2" type="sldImg"/>
@@ -1122,7 +1096,7 @@
       </p:sp>
       <p:sp>
         <p:nvSpPr>
-          <p:cNvPr id="173" name="Shape 173"/>
+          <p:cNvPr id="141" name="Shape 141"/>
           <p:cNvSpPr txBox="1"/>
           <p:nvPr>
             <p:ph idx="1" type="body"/>
@@ -1169,7 +1143,7 @@
   <p:cSld>
     <p:spTree>
       <p:nvGrpSpPr>
-        <p:cNvPr id="177" name="Shape 177"/>
+        <p:cNvPr id="145" name="Shape 145"/>
         <p:cNvGrpSpPr/>
         <p:nvPr/>
       </p:nvGrpSpPr>
@@ -1183,7 +1157,7 @@
       </p:grpSpPr>
       <p:sp>
         <p:nvSpPr>
-          <p:cNvPr id="178" name="Shape 178"/>
+          <p:cNvPr id="146" name="Shape 146"/>
           <p:cNvSpPr/>
           <p:nvPr>
             <p:ph idx="2" type="sldImg"/>
@@ -1227,7 +1201,7 @@
       </p:sp>
       <p:sp>
         <p:nvSpPr>
-          <p:cNvPr id="179" name="Shape 179"/>
+          <p:cNvPr id="147" name="Shape 147"/>
           <p:cNvSpPr txBox="1"/>
           <p:nvPr>
             <p:ph idx="1" type="body"/>
@@ -1274,7 +1248,7 @@
   <p:cSld>
     <p:spTree>
       <p:nvGrpSpPr>
-        <p:cNvPr id="183" name="Shape 183"/>
+        <p:cNvPr id="151" name="Shape 151"/>
         <p:cNvGrpSpPr/>
         <p:nvPr/>
       </p:nvGrpSpPr>
@@ -1288,7 +1262,7 @@
       </p:grpSpPr>
       <p:sp>
         <p:nvSpPr>
-          <p:cNvPr id="184" name="Shape 184"/>
+          <p:cNvPr id="152" name="Shape 152"/>
           <p:cNvSpPr/>
           <p:nvPr>
             <p:ph idx="2" type="sldImg"/>
@@ -1332,7 +1306,7 @@
       </p:sp>
       <p:sp>
         <p:nvSpPr>
-          <p:cNvPr id="185" name="Shape 185"/>
+          <p:cNvPr id="153" name="Shape 153"/>
           <p:cNvSpPr txBox="1"/>
           <p:nvPr>
             <p:ph idx="1" type="body"/>
@@ -1379,7 +1353,7 @@
   <p:cSld>
     <p:spTree>
       <p:nvGrpSpPr>
-        <p:cNvPr id="189" name="Shape 189"/>
+        <p:cNvPr id="190" name="Shape 190"/>
         <p:cNvGrpSpPr/>
         <p:nvPr/>
       </p:nvGrpSpPr>
@@ -1393,7 +1367,7 @@
       </p:grpSpPr>
       <p:sp>
         <p:nvSpPr>
-          <p:cNvPr id="190" name="Shape 190"/>
+          <p:cNvPr id="191" name="Shape 191"/>
           <p:cNvSpPr/>
           <p:nvPr>
             <p:ph idx="2" type="sldImg"/>
@@ -1437,7 +1411,7 @@
       </p:sp>
       <p:sp>
         <p:nvSpPr>
-          <p:cNvPr id="191" name="Shape 191"/>
+          <p:cNvPr id="192" name="Shape 192"/>
           <p:cNvSpPr txBox="1"/>
           <p:nvPr>
             <p:ph idx="1" type="body"/>
@@ -1457,6 +1431,42 @@
             <a:noAutofit/>
           </a:bodyPr>
           <a:lstStyle/>
+          <a:p>
+            <a:pPr rtl="0">
+              <a:spcBef>
+                <a:spcPts val="0"/>
+              </a:spcBef>
+              <a:buNone/>
+            </a:pPr>
+            <a:r>
+              <a:rPr lang="en"/>
+              <a:t>1024 vb =&gt; 4 nodes. Each node will hold 1024 / 4 = 256 vbuckets active copies and 1024*2/4=512 replicates.</a:t>
+            </a:r>
+          </a:p>
+          <a:p>
+            <a:pPr rtl="0">
+              <a:spcBef>
+                <a:spcPts val="0"/>
+              </a:spcBef>
+              <a:buNone/>
+            </a:pPr>
+            <a:r>
+              <a:rPr lang="en"/>
+              <a:t>table is build with mapping</a:t>
+            </a:r>
+          </a:p>
+          <a:p>
+            <a:pPr rtl="0">
+              <a:spcBef>
+                <a:spcPts val="0"/>
+              </a:spcBef>
+              <a:buNone/>
+            </a:pPr>
+            <a:r>
+              <a:rPr lang="en"/>
+              <a:t>Each client connects directly to the active node</a:t>
+            </a:r>
+          </a:p>
           <a:p>
             <a:pPr>
               <a:spcBef>
@@ -1484,7 +1494,7 @@
   <p:cSld>
     <p:spTree>
       <p:nvGrpSpPr>
-        <p:cNvPr id="194" name="Shape 194"/>
+        <p:cNvPr id="196" name="Shape 196"/>
         <p:cNvGrpSpPr/>
         <p:nvPr/>
       </p:nvGrpSpPr>
@@ -1498,7 +1508,7 @@
       </p:grpSpPr>
       <p:sp>
         <p:nvSpPr>
-          <p:cNvPr id="195" name="Shape 195"/>
+          <p:cNvPr id="197" name="Shape 197"/>
           <p:cNvSpPr/>
           <p:nvPr>
             <p:ph idx="2" type="sldImg"/>
@@ -1542,7 +1552,7 @@
       </p:sp>
       <p:sp>
         <p:nvSpPr>
-          <p:cNvPr id="196" name="Shape 196"/>
+          <p:cNvPr id="198" name="Shape 198"/>
           <p:cNvSpPr txBox="1"/>
           <p:nvPr>
             <p:ph idx="1" type="body"/>
@@ -1689,12 +1699,12 @@
 </p:notes>
 </file>
 
-<file path=ppt/notesSlides/notesSlide3.xml><?xml version="1.0" encoding="utf-8"?>
+<file path=ppt/notesSlides/notesSlide20.xml><?xml version="1.0" encoding="utf-8"?>
 <p:notes xmlns:a="http://schemas.openxmlformats.org/drawingml/2006/main" xmlns:r="http://schemas.openxmlformats.org/officeDocument/2006/relationships" xmlns:mc="http://schemas.openxmlformats.org/markup-compatibility/2006" xmlns:mv="urn:schemas-microsoft-com:mac:vml" xmlns:p="http://schemas.openxmlformats.org/presentationml/2006/main" xmlns:c="http://schemas.openxmlformats.org/drawingml/2006/chart" xmlns:dgm="http://schemas.openxmlformats.org/drawingml/2006/diagram" xmlns:o="urn:schemas-microsoft-com:office:office" xmlns:v="urn:schemas-microsoft-com:vml" xmlns:pvml="urn:schemas-microsoft-com:office:powerpoint" xmlns:com="http://schemas.openxmlformats.org/drawingml/2006/compatibility" xmlns:p14="http://schemas.microsoft.com/office/powerpoint/2010/main" showMasterPhAnim="0" showMasterSp="0">
   <p:cSld>
     <p:spTree>
       <p:nvGrpSpPr>
-        <p:cNvPr id="50" name="Shape 50"/>
+        <p:cNvPr id="202" name="Shape 202"/>
         <p:cNvGrpSpPr/>
         <p:nvPr/>
       </p:nvGrpSpPr>
@@ -1708,7 +1718,7 @@
       </p:grpSpPr>
       <p:sp>
         <p:nvSpPr>
-          <p:cNvPr id="51" name="Shape 51"/>
+          <p:cNvPr id="203" name="Shape 203"/>
           <p:cNvSpPr/>
           <p:nvPr>
             <p:ph idx="2" type="sldImg"/>
@@ -1752,7 +1762,7 @@
       </p:sp>
       <p:sp>
         <p:nvSpPr>
-          <p:cNvPr id="52" name="Shape 52"/>
+          <p:cNvPr id="204" name="Shape 204"/>
           <p:cNvSpPr txBox="1"/>
           <p:nvPr>
             <p:ph idx="1" type="body"/>
@@ -1794,12 +1804,12 @@
 </p:notes>
 </file>
 
-<file path=ppt/notesSlides/notesSlide4.xml><?xml version="1.0" encoding="utf-8"?>
+<file path=ppt/notesSlides/notesSlide21.xml><?xml version="1.0" encoding="utf-8"?>
 <p:notes xmlns:a="http://schemas.openxmlformats.org/drawingml/2006/main" xmlns:r="http://schemas.openxmlformats.org/officeDocument/2006/relationships" xmlns:mc="http://schemas.openxmlformats.org/markup-compatibility/2006" xmlns:mv="urn:schemas-microsoft-com:mac:vml" xmlns:p="http://schemas.openxmlformats.org/presentationml/2006/main" xmlns:c="http://schemas.openxmlformats.org/drawingml/2006/chart" xmlns:dgm="http://schemas.openxmlformats.org/drawingml/2006/diagram" xmlns:o="urn:schemas-microsoft-com:office:office" xmlns:v="urn:schemas-microsoft-com:vml" xmlns:pvml="urn:schemas-microsoft-com:office:powerpoint" xmlns:com="http://schemas.openxmlformats.org/drawingml/2006/compatibility" xmlns:p14="http://schemas.microsoft.com/office/powerpoint/2010/main" showMasterPhAnim="0" showMasterSp="0">
   <p:cSld>
     <p:spTree>
       <p:nvGrpSpPr>
-        <p:cNvPr id="57" name="Shape 57"/>
+        <p:cNvPr id="208" name="Shape 208"/>
         <p:cNvGrpSpPr/>
         <p:nvPr/>
       </p:nvGrpSpPr>
@@ -1813,7 +1823,7 @@
       </p:grpSpPr>
       <p:sp>
         <p:nvSpPr>
-          <p:cNvPr id="58" name="Shape 58"/>
+          <p:cNvPr id="209" name="Shape 209"/>
           <p:cNvSpPr/>
           <p:nvPr>
             <p:ph idx="2" type="sldImg"/>
@@ -1857,7 +1867,7 @@
       </p:sp>
       <p:sp>
         <p:nvSpPr>
-          <p:cNvPr id="59" name="Shape 59"/>
+          <p:cNvPr id="210" name="Shape 210"/>
           <p:cNvSpPr txBox="1"/>
           <p:nvPr>
             <p:ph idx="1" type="body"/>
@@ -1899,12 +1909,12 @@
 </p:notes>
 </file>
 
-<file path=ppt/notesSlides/notesSlide5.xml><?xml version="1.0" encoding="utf-8"?>
+<file path=ppt/notesSlides/notesSlide22.xml><?xml version="1.0" encoding="utf-8"?>
 <p:notes xmlns:a="http://schemas.openxmlformats.org/drawingml/2006/main" xmlns:r="http://schemas.openxmlformats.org/officeDocument/2006/relationships" xmlns:mc="http://schemas.openxmlformats.org/markup-compatibility/2006" xmlns:mv="urn:schemas-microsoft-com:mac:vml" xmlns:p="http://schemas.openxmlformats.org/presentationml/2006/main" xmlns:c="http://schemas.openxmlformats.org/drawingml/2006/chart" xmlns:dgm="http://schemas.openxmlformats.org/drawingml/2006/diagram" xmlns:o="urn:schemas-microsoft-com:office:office" xmlns:v="urn:schemas-microsoft-com:vml" xmlns:pvml="urn:schemas-microsoft-com:office:powerpoint" xmlns:com="http://schemas.openxmlformats.org/drawingml/2006/compatibility" xmlns:p14="http://schemas.microsoft.com/office/powerpoint/2010/main" showMasterPhAnim="0" showMasterSp="0">
   <p:cSld>
     <p:spTree>
       <p:nvGrpSpPr>
-        <p:cNvPr id="64" name="Shape 64"/>
+        <p:cNvPr id="214" name="Shape 214"/>
         <p:cNvGrpSpPr/>
         <p:nvPr/>
       </p:nvGrpSpPr>
@@ -1918,7 +1928,7 @@
       </p:grpSpPr>
       <p:sp>
         <p:nvSpPr>
-          <p:cNvPr id="65" name="Shape 65"/>
+          <p:cNvPr id="215" name="Shape 215"/>
           <p:cNvSpPr/>
           <p:nvPr>
             <p:ph idx="2" type="sldImg"/>
@@ -1962,7 +1972,7 @@
       </p:sp>
       <p:sp>
         <p:nvSpPr>
-          <p:cNvPr id="66" name="Shape 66"/>
+          <p:cNvPr id="216" name="Shape 216"/>
           <p:cNvSpPr txBox="1"/>
           <p:nvPr>
             <p:ph idx="1" type="body"/>
@@ -2004,12 +2014,12 @@
 </p:notes>
 </file>
 
-<file path=ppt/notesSlides/notesSlide6.xml><?xml version="1.0" encoding="utf-8"?>
+<file path=ppt/notesSlides/notesSlide23.xml><?xml version="1.0" encoding="utf-8"?>
 <p:notes xmlns:a="http://schemas.openxmlformats.org/drawingml/2006/main" xmlns:r="http://schemas.openxmlformats.org/officeDocument/2006/relationships" xmlns:mc="http://schemas.openxmlformats.org/markup-compatibility/2006" xmlns:mv="urn:schemas-microsoft-com:mac:vml" xmlns:p="http://schemas.openxmlformats.org/presentationml/2006/main" xmlns:c="http://schemas.openxmlformats.org/drawingml/2006/chart" xmlns:dgm="http://schemas.openxmlformats.org/drawingml/2006/diagram" xmlns:o="urn:schemas-microsoft-com:office:office" xmlns:v="urn:schemas-microsoft-com:vml" xmlns:pvml="urn:schemas-microsoft-com:office:powerpoint" xmlns:com="http://schemas.openxmlformats.org/drawingml/2006/compatibility" xmlns:p14="http://schemas.microsoft.com/office/powerpoint/2010/main" showMasterPhAnim="0" showMasterSp="0">
   <p:cSld>
     <p:spTree>
       <p:nvGrpSpPr>
-        <p:cNvPr id="72" name="Shape 72"/>
+        <p:cNvPr id="220" name="Shape 220"/>
         <p:cNvGrpSpPr/>
         <p:nvPr/>
       </p:nvGrpSpPr>
@@ -2023,7 +2033,7 @@
       </p:grpSpPr>
       <p:sp>
         <p:nvSpPr>
-          <p:cNvPr id="73" name="Shape 73"/>
+          <p:cNvPr id="221" name="Shape 221"/>
           <p:cNvSpPr/>
           <p:nvPr>
             <p:ph idx="2" type="sldImg"/>
@@ -2067,7 +2077,1057 @@
       </p:sp>
       <p:sp>
         <p:nvSpPr>
-          <p:cNvPr id="74" name="Shape 74"/>
+          <p:cNvPr id="222" name="Shape 222"/>
+          <p:cNvSpPr txBox="1"/>
+          <p:nvPr>
+            <p:ph idx="1" type="body"/>
+          </p:nvPr>
+        </p:nvSpPr>
+        <p:spPr>
+          <a:xfrm>
+            <a:off x="685800" y="4343400"/>
+            <a:ext cx="5486399" cy="4114800"/>
+          </a:xfrm>
+          <a:prstGeom prst="rect">
+            <a:avLst/>
+          </a:prstGeom>
+        </p:spPr>
+        <p:txBody>
+          <a:bodyPr anchorCtr="0" anchor="t" bIns="91425" lIns="91425" rIns="91425" tIns="91425">
+            <a:noAutofit/>
+          </a:bodyPr>
+          <a:lstStyle/>
+          <a:p>
+            <a:pPr>
+              <a:spcBef>
+                <a:spcPts val="0"/>
+              </a:spcBef>
+              <a:buNone/>
+            </a:pPr>
+            <a:r>
+              <a:t/>
+            </a:r>
+            <a:endParaRPr/>
+          </a:p>
+        </p:txBody>
+      </p:sp>
+    </p:spTree>
+  </p:cSld>
+  <p:clrMapOvr>
+    <a:masterClrMapping/>
+  </p:clrMapOvr>
+</p:notes>
+</file>
+
+<file path=ppt/notesSlides/notesSlide24.xml><?xml version="1.0" encoding="utf-8"?>
+<p:notes xmlns:a="http://schemas.openxmlformats.org/drawingml/2006/main" xmlns:r="http://schemas.openxmlformats.org/officeDocument/2006/relationships" xmlns:mc="http://schemas.openxmlformats.org/markup-compatibility/2006" xmlns:mv="urn:schemas-microsoft-com:mac:vml" xmlns:p="http://schemas.openxmlformats.org/presentationml/2006/main" xmlns:c="http://schemas.openxmlformats.org/drawingml/2006/chart" xmlns:dgm="http://schemas.openxmlformats.org/drawingml/2006/diagram" xmlns:o="urn:schemas-microsoft-com:office:office" xmlns:v="urn:schemas-microsoft-com:vml" xmlns:pvml="urn:schemas-microsoft-com:office:powerpoint" xmlns:com="http://schemas.openxmlformats.org/drawingml/2006/compatibility" xmlns:p14="http://schemas.microsoft.com/office/powerpoint/2010/main" showMasterPhAnim="0" showMasterSp="0">
+  <p:cSld>
+    <p:spTree>
+      <p:nvGrpSpPr>
+        <p:cNvPr id="226" name="Shape 226"/>
+        <p:cNvGrpSpPr/>
+        <p:nvPr/>
+      </p:nvGrpSpPr>
+      <p:grpSpPr>
+        <a:xfrm>
+          <a:off x="0" y="0"/>
+          <a:ext cx="0" cy="0"/>
+          <a:chOff x="0" y="0"/>
+          <a:chExt cx="0" cy="0"/>
+        </a:xfrm>
+      </p:grpSpPr>
+      <p:sp>
+        <p:nvSpPr>
+          <p:cNvPr id="227" name="Shape 227"/>
+          <p:cNvSpPr/>
+          <p:nvPr>
+            <p:ph idx="2" type="sldImg"/>
+          </p:nvPr>
+        </p:nvSpPr>
+        <p:spPr>
+          <a:xfrm>
+            <a:off x="381300" y="685800"/>
+            <a:ext cx="6096000" cy="3429000"/>
+          </a:xfrm>
+          <a:custGeom>
+            <a:pathLst>
+              <a:path extrusionOk="0" h="120000" w="120000">
+                <a:moveTo>
+                  <a:pt x="0" y="0"/>
+                </a:moveTo>
+                <a:lnTo>
+                  <a:pt x="120000" y="0"/>
+                </a:lnTo>
+                <a:lnTo>
+                  <a:pt x="120000" y="120000"/>
+                </a:lnTo>
+                <a:lnTo>
+                  <a:pt x="0" y="120000"/>
+                </a:lnTo>
+                <a:close/>
+              </a:path>
+            </a:pathLst>
+          </a:custGeom>
+          <a:noFill/>
+          <a:ln cap="flat" cmpd="sng" w="9525">
+            <a:solidFill>
+              <a:srgbClr val="000000"/>
+            </a:solidFill>
+            <a:prstDash val="solid"/>
+            <a:round/>
+            <a:headEnd len="med" w="med" type="none"/>
+            <a:tailEnd len="med" w="med" type="none"/>
+          </a:ln>
+        </p:spPr>
+      </p:sp>
+      <p:sp>
+        <p:nvSpPr>
+          <p:cNvPr id="228" name="Shape 228"/>
+          <p:cNvSpPr txBox="1"/>
+          <p:nvPr>
+            <p:ph idx="1" type="body"/>
+          </p:nvPr>
+        </p:nvSpPr>
+        <p:spPr>
+          <a:xfrm>
+            <a:off x="685800" y="4343400"/>
+            <a:ext cx="5486399" cy="4114800"/>
+          </a:xfrm>
+          <a:prstGeom prst="rect">
+            <a:avLst/>
+          </a:prstGeom>
+        </p:spPr>
+        <p:txBody>
+          <a:bodyPr anchorCtr="0" anchor="t" bIns="91425" lIns="91425" rIns="91425" tIns="91425">
+            <a:noAutofit/>
+          </a:bodyPr>
+          <a:lstStyle/>
+          <a:p>
+            <a:pPr>
+              <a:spcBef>
+                <a:spcPts val="0"/>
+              </a:spcBef>
+              <a:buNone/>
+            </a:pPr>
+            <a:r>
+              <a:t/>
+            </a:r>
+            <a:endParaRPr/>
+          </a:p>
+        </p:txBody>
+      </p:sp>
+    </p:spTree>
+  </p:cSld>
+  <p:clrMapOvr>
+    <a:masterClrMapping/>
+  </p:clrMapOvr>
+</p:notes>
+</file>
+
+<file path=ppt/notesSlides/notesSlide25.xml><?xml version="1.0" encoding="utf-8"?>
+<p:notes xmlns:a="http://schemas.openxmlformats.org/drawingml/2006/main" xmlns:r="http://schemas.openxmlformats.org/officeDocument/2006/relationships" xmlns:mc="http://schemas.openxmlformats.org/markup-compatibility/2006" xmlns:mv="urn:schemas-microsoft-com:mac:vml" xmlns:p="http://schemas.openxmlformats.org/presentationml/2006/main" xmlns:c="http://schemas.openxmlformats.org/drawingml/2006/chart" xmlns:dgm="http://schemas.openxmlformats.org/drawingml/2006/diagram" xmlns:o="urn:schemas-microsoft-com:office:office" xmlns:v="urn:schemas-microsoft-com:vml" xmlns:pvml="urn:schemas-microsoft-com:office:powerpoint" xmlns:com="http://schemas.openxmlformats.org/drawingml/2006/compatibility" xmlns:p14="http://schemas.microsoft.com/office/powerpoint/2010/main" showMasterPhAnim="0" showMasterSp="0">
+  <p:cSld>
+    <p:spTree>
+      <p:nvGrpSpPr>
+        <p:cNvPr id="232" name="Shape 232"/>
+        <p:cNvGrpSpPr/>
+        <p:nvPr/>
+      </p:nvGrpSpPr>
+      <p:grpSpPr>
+        <a:xfrm>
+          <a:off x="0" y="0"/>
+          <a:ext cx="0" cy="0"/>
+          <a:chOff x="0" y="0"/>
+          <a:chExt cx="0" cy="0"/>
+        </a:xfrm>
+      </p:grpSpPr>
+      <p:sp>
+        <p:nvSpPr>
+          <p:cNvPr id="233" name="Shape 233"/>
+          <p:cNvSpPr/>
+          <p:nvPr>
+            <p:ph idx="2" type="sldImg"/>
+          </p:nvPr>
+        </p:nvSpPr>
+        <p:spPr>
+          <a:xfrm>
+            <a:off x="381300" y="685800"/>
+            <a:ext cx="6096000" cy="3429000"/>
+          </a:xfrm>
+          <a:custGeom>
+            <a:pathLst>
+              <a:path extrusionOk="0" h="120000" w="120000">
+                <a:moveTo>
+                  <a:pt x="0" y="0"/>
+                </a:moveTo>
+                <a:lnTo>
+                  <a:pt x="120000" y="0"/>
+                </a:lnTo>
+                <a:lnTo>
+                  <a:pt x="120000" y="120000"/>
+                </a:lnTo>
+                <a:lnTo>
+                  <a:pt x="0" y="120000"/>
+                </a:lnTo>
+                <a:close/>
+              </a:path>
+            </a:pathLst>
+          </a:custGeom>
+          <a:noFill/>
+          <a:ln cap="flat" cmpd="sng" w="9525">
+            <a:solidFill>
+              <a:srgbClr val="000000"/>
+            </a:solidFill>
+            <a:prstDash val="solid"/>
+            <a:round/>
+            <a:headEnd len="med" w="med" type="none"/>
+            <a:tailEnd len="med" w="med" type="none"/>
+          </a:ln>
+        </p:spPr>
+      </p:sp>
+      <p:sp>
+        <p:nvSpPr>
+          <p:cNvPr id="234" name="Shape 234"/>
+          <p:cNvSpPr txBox="1"/>
+          <p:nvPr>
+            <p:ph idx="1" type="body"/>
+          </p:nvPr>
+        </p:nvSpPr>
+        <p:spPr>
+          <a:xfrm>
+            <a:off x="685800" y="4343400"/>
+            <a:ext cx="5486399" cy="4114800"/>
+          </a:xfrm>
+          <a:prstGeom prst="rect">
+            <a:avLst/>
+          </a:prstGeom>
+        </p:spPr>
+        <p:txBody>
+          <a:bodyPr anchorCtr="0" anchor="t" bIns="91425" lIns="91425" rIns="91425" tIns="91425">
+            <a:noAutofit/>
+          </a:bodyPr>
+          <a:lstStyle/>
+          <a:p>
+            <a:pPr>
+              <a:spcBef>
+                <a:spcPts val="0"/>
+              </a:spcBef>
+              <a:buNone/>
+            </a:pPr>
+            <a:r>
+              <a:t/>
+            </a:r>
+            <a:endParaRPr/>
+          </a:p>
+        </p:txBody>
+      </p:sp>
+    </p:spTree>
+  </p:cSld>
+  <p:clrMapOvr>
+    <a:masterClrMapping/>
+  </p:clrMapOvr>
+</p:notes>
+</file>
+
+<file path=ppt/notesSlides/notesSlide26.xml><?xml version="1.0" encoding="utf-8"?>
+<p:notes xmlns:a="http://schemas.openxmlformats.org/drawingml/2006/main" xmlns:r="http://schemas.openxmlformats.org/officeDocument/2006/relationships" xmlns:mc="http://schemas.openxmlformats.org/markup-compatibility/2006" xmlns:mv="urn:schemas-microsoft-com:mac:vml" xmlns:p="http://schemas.openxmlformats.org/presentationml/2006/main" xmlns:c="http://schemas.openxmlformats.org/drawingml/2006/chart" xmlns:dgm="http://schemas.openxmlformats.org/drawingml/2006/diagram" xmlns:o="urn:schemas-microsoft-com:office:office" xmlns:v="urn:schemas-microsoft-com:vml" xmlns:pvml="urn:schemas-microsoft-com:office:powerpoint" xmlns:com="http://schemas.openxmlformats.org/drawingml/2006/compatibility" xmlns:p14="http://schemas.microsoft.com/office/powerpoint/2010/main" showMasterPhAnim="0" showMasterSp="0">
+  <p:cSld>
+    <p:spTree>
+      <p:nvGrpSpPr>
+        <p:cNvPr id="238" name="Shape 238"/>
+        <p:cNvGrpSpPr/>
+        <p:nvPr/>
+      </p:nvGrpSpPr>
+      <p:grpSpPr>
+        <a:xfrm>
+          <a:off x="0" y="0"/>
+          <a:ext cx="0" cy="0"/>
+          <a:chOff x="0" y="0"/>
+          <a:chExt cx="0" cy="0"/>
+        </a:xfrm>
+      </p:grpSpPr>
+      <p:sp>
+        <p:nvSpPr>
+          <p:cNvPr id="239" name="Shape 239"/>
+          <p:cNvSpPr/>
+          <p:nvPr>
+            <p:ph idx="2" type="sldImg"/>
+          </p:nvPr>
+        </p:nvSpPr>
+        <p:spPr>
+          <a:xfrm>
+            <a:off x="381300" y="685800"/>
+            <a:ext cx="6096000" cy="3429000"/>
+          </a:xfrm>
+          <a:custGeom>
+            <a:pathLst>
+              <a:path extrusionOk="0" h="120000" w="120000">
+                <a:moveTo>
+                  <a:pt x="0" y="0"/>
+                </a:moveTo>
+                <a:lnTo>
+                  <a:pt x="120000" y="0"/>
+                </a:lnTo>
+                <a:lnTo>
+                  <a:pt x="120000" y="120000"/>
+                </a:lnTo>
+                <a:lnTo>
+                  <a:pt x="0" y="120000"/>
+                </a:lnTo>
+                <a:close/>
+              </a:path>
+            </a:pathLst>
+          </a:custGeom>
+          <a:noFill/>
+          <a:ln cap="flat" cmpd="sng" w="9525">
+            <a:solidFill>
+              <a:srgbClr val="000000"/>
+            </a:solidFill>
+            <a:prstDash val="solid"/>
+            <a:round/>
+            <a:headEnd len="med" w="med" type="none"/>
+            <a:tailEnd len="med" w="med" type="none"/>
+          </a:ln>
+        </p:spPr>
+      </p:sp>
+      <p:sp>
+        <p:nvSpPr>
+          <p:cNvPr id="240" name="Shape 240"/>
+          <p:cNvSpPr txBox="1"/>
+          <p:nvPr>
+            <p:ph idx="1" type="body"/>
+          </p:nvPr>
+        </p:nvSpPr>
+        <p:spPr>
+          <a:xfrm>
+            <a:off x="685800" y="4343400"/>
+            <a:ext cx="5486399" cy="4114800"/>
+          </a:xfrm>
+          <a:prstGeom prst="rect">
+            <a:avLst/>
+          </a:prstGeom>
+        </p:spPr>
+        <p:txBody>
+          <a:bodyPr anchorCtr="0" anchor="t" bIns="91425" lIns="91425" rIns="91425" tIns="91425">
+            <a:noAutofit/>
+          </a:bodyPr>
+          <a:lstStyle/>
+          <a:p>
+            <a:pPr>
+              <a:spcBef>
+                <a:spcPts val="0"/>
+              </a:spcBef>
+              <a:buNone/>
+            </a:pPr>
+            <a:r>
+              <a:t/>
+            </a:r>
+            <a:endParaRPr/>
+          </a:p>
+        </p:txBody>
+      </p:sp>
+    </p:spTree>
+  </p:cSld>
+  <p:clrMapOvr>
+    <a:masterClrMapping/>
+  </p:clrMapOvr>
+</p:notes>
+</file>
+
+<file path=ppt/notesSlides/notesSlide27.xml><?xml version="1.0" encoding="utf-8"?>
+<p:notes xmlns:a="http://schemas.openxmlformats.org/drawingml/2006/main" xmlns:r="http://schemas.openxmlformats.org/officeDocument/2006/relationships" xmlns:mc="http://schemas.openxmlformats.org/markup-compatibility/2006" xmlns:mv="urn:schemas-microsoft-com:mac:vml" xmlns:p="http://schemas.openxmlformats.org/presentationml/2006/main" xmlns:c="http://schemas.openxmlformats.org/drawingml/2006/chart" xmlns:dgm="http://schemas.openxmlformats.org/drawingml/2006/diagram" xmlns:o="urn:schemas-microsoft-com:office:office" xmlns:v="urn:schemas-microsoft-com:vml" xmlns:pvml="urn:schemas-microsoft-com:office:powerpoint" xmlns:com="http://schemas.openxmlformats.org/drawingml/2006/compatibility" xmlns:p14="http://schemas.microsoft.com/office/powerpoint/2010/main" showMasterPhAnim="0" showMasterSp="0">
+  <p:cSld>
+    <p:spTree>
+      <p:nvGrpSpPr>
+        <p:cNvPr id="244" name="Shape 244"/>
+        <p:cNvGrpSpPr/>
+        <p:nvPr/>
+      </p:nvGrpSpPr>
+      <p:grpSpPr>
+        <a:xfrm>
+          <a:off x="0" y="0"/>
+          <a:ext cx="0" cy="0"/>
+          <a:chOff x="0" y="0"/>
+          <a:chExt cx="0" cy="0"/>
+        </a:xfrm>
+      </p:grpSpPr>
+      <p:sp>
+        <p:nvSpPr>
+          <p:cNvPr id="245" name="Shape 245"/>
+          <p:cNvSpPr/>
+          <p:nvPr>
+            <p:ph idx="2" type="sldImg"/>
+          </p:nvPr>
+        </p:nvSpPr>
+        <p:spPr>
+          <a:xfrm>
+            <a:off x="381300" y="685800"/>
+            <a:ext cx="6096000" cy="3429000"/>
+          </a:xfrm>
+          <a:custGeom>
+            <a:pathLst>
+              <a:path extrusionOk="0" h="120000" w="120000">
+                <a:moveTo>
+                  <a:pt x="0" y="0"/>
+                </a:moveTo>
+                <a:lnTo>
+                  <a:pt x="120000" y="0"/>
+                </a:lnTo>
+                <a:lnTo>
+                  <a:pt x="120000" y="120000"/>
+                </a:lnTo>
+                <a:lnTo>
+                  <a:pt x="0" y="120000"/>
+                </a:lnTo>
+                <a:close/>
+              </a:path>
+            </a:pathLst>
+          </a:custGeom>
+          <a:noFill/>
+          <a:ln cap="flat" cmpd="sng" w="9525">
+            <a:solidFill>
+              <a:srgbClr val="000000"/>
+            </a:solidFill>
+            <a:prstDash val="solid"/>
+            <a:round/>
+            <a:headEnd len="med" w="med" type="none"/>
+            <a:tailEnd len="med" w="med" type="none"/>
+          </a:ln>
+        </p:spPr>
+      </p:sp>
+      <p:sp>
+        <p:nvSpPr>
+          <p:cNvPr id="246" name="Shape 246"/>
+          <p:cNvSpPr txBox="1"/>
+          <p:nvPr>
+            <p:ph idx="1" type="body"/>
+          </p:nvPr>
+        </p:nvSpPr>
+        <p:spPr>
+          <a:xfrm>
+            <a:off x="685800" y="4343400"/>
+            <a:ext cx="5486399" cy="4114800"/>
+          </a:xfrm>
+          <a:prstGeom prst="rect">
+            <a:avLst/>
+          </a:prstGeom>
+        </p:spPr>
+        <p:txBody>
+          <a:bodyPr anchorCtr="0" anchor="t" bIns="91425" lIns="91425" rIns="91425" tIns="91425">
+            <a:noAutofit/>
+          </a:bodyPr>
+          <a:lstStyle/>
+          <a:p>
+            <a:pPr>
+              <a:spcBef>
+                <a:spcPts val="0"/>
+              </a:spcBef>
+              <a:buNone/>
+            </a:pPr>
+            <a:r>
+              <a:t/>
+            </a:r>
+            <a:endParaRPr/>
+          </a:p>
+        </p:txBody>
+      </p:sp>
+    </p:spTree>
+  </p:cSld>
+  <p:clrMapOvr>
+    <a:masterClrMapping/>
+  </p:clrMapOvr>
+</p:notes>
+</file>
+
+<file path=ppt/notesSlides/notesSlide28.xml><?xml version="1.0" encoding="utf-8"?>
+<p:notes xmlns:a="http://schemas.openxmlformats.org/drawingml/2006/main" xmlns:r="http://schemas.openxmlformats.org/officeDocument/2006/relationships" xmlns:mc="http://schemas.openxmlformats.org/markup-compatibility/2006" xmlns:mv="urn:schemas-microsoft-com:mac:vml" xmlns:p="http://schemas.openxmlformats.org/presentationml/2006/main" xmlns:c="http://schemas.openxmlformats.org/drawingml/2006/chart" xmlns:dgm="http://schemas.openxmlformats.org/drawingml/2006/diagram" xmlns:o="urn:schemas-microsoft-com:office:office" xmlns:v="urn:schemas-microsoft-com:vml" xmlns:pvml="urn:schemas-microsoft-com:office:powerpoint" xmlns:com="http://schemas.openxmlformats.org/drawingml/2006/compatibility" xmlns:p14="http://schemas.microsoft.com/office/powerpoint/2010/main" showMasterPhAnim="0" showMasterSp="0">
+  <p:cSld>
+    <p:spTree>
+      <p:nvGrpSpPr>
+        <p:cNvPr id="250" name="Shape 250"/>
+        <p:cNvGrpSpPr/>
+        <p:nvPr/>
+      </p:nvGrpSpPr>
+      <p:grpSpPr>
+        <a:xfrm>
+          <a:off x="0" y="0"/>
+          <a:ext cx="0" cy="0"/>
+          <a:chOff x="0" y="0"/>
+          <a:chExt cx="0" cy="0"/>
+        </a:xfrm>
+      </p:grpSpPr>
+      <p:sp>
+        <p:nvSpPr>
+          <p:cNvPr id="251" name="Shape 251"/>
+          <p:cNvSpPr/>
+          <p:nvPr>
+            <p:ph idx="2" type="sldImg"/>
+          </p:nvPr>
+        </p:nvSpPr>
+        <p:spPr>
+          <a:xfrm>
+            <a:off x="381300" y="685800"/>
+            <a:ext cx="6096000" cy="3429000"/>
+          </a:xfrm>
+          <a:custGeom>
+            <a:pathLst>
+              <a:path extrusionOk="0" h="120000" w="120000">
+                <a:moveTo>
+                  <a:pt x="0" y="0"/>
+                </a:moveTo>
+                <a:lnTo>
+                  <a:pt x="120000" y="0"/>
+                </a:lnTo>
+                <a:lnTo>
+                  <a:pt x="120000" y="120000"/>
+                </a:lnTo>
+                <a:lnTo>
+                  <a:pt x="0" y="120000"/>
+                </a:lnTo>
+                <a:close/>
+              </a:path>
+            </a:pathLst>
+          </a:custGeom>
+          <a:noFill/>
+          <a:ln cap="flat" cmpd="sng" w="9525">
+            <a:solidFill>
+              <a:srgbClr val="000000"/>
+            </a:solidFill>
+            <a:prstDash val="solid"/>
+            <a:round/>
+            <a:headEnd len="med" w="med" type="none"/>
+            <a:tailEnd len="med" w="med" type="none"/>
+          </a:ln>
+        </p:spPr>
+      </p:sp>
+      <p:sp>
+        <p:nvSpPr>
+          <p:cNvPr id="252" name="Shape 252"/>
+          <p:cNvSpPr txBox="1"/>
+          <p:nvPr>
+            <p:ph idx="1" type="body"/>
+          </p:nvPr>
+        </p:nvSpPr>
+        <p:spPr>
+          <a:xfrm>
+            <a:off x="685800" y="4343400"/>
+            <a:ext cx="5486399" cy="4114800"/>
+          </a:xfrm>
+          <a:prstGeom prst="rect">
+            <a:avLst/>
+          </a:prstGeom>
+        </p:spPr>
+        <p:txBody>
+          <a:bodyPr anchorCtr="0" anchor="t" bIns="91425" lIns="91425" rIns="91425" tIns="91425">
+            <a:noAutofit/>
+          </a:bodyPr>
+          <a:lstStyle/>
+          <a:p>
+            <a:pPr>
+              <a:spcBef>
+                <a:spcPts val="0"/>
+              </a:spcBef>
+              <a:buNone/>
+            </a:pPr>
+            <a:r>
+              <a:t/>
+            </a:r>
+            <a:endParaRPr/>
+          </a:p>
+        </p:txBody>
+      </p:sp>
+    </p:spTree>
+  </p:cSld>
+  <p:clrMapOvr>
+    <a:masterClrMapping/>
+  </p:clrMapOvr>
+</p:notes>
+</file>
+
+<file path=ppt/notesSlides/notesSlide29.xml><?xml version="1.0" encoding="utf-8"?>
+<p:notes xmlns:a="http://schemas.openxmlformats.org/drawingml/2006/main" xmlns:r="http://schemas.openxmlformats.org/officeDocument/2006/relationships" xmlns:mc="http://schemas.openxmlformats.org/markup-compatibility/2006" xmlns:mv="urn:schemas-microsoft-com:mac:vml" xmlns:p="http://schemas.openxmlformats.org/presentationml/2006/main" xmlns:c="http://schemas.openxmlformats.org/drawingml/2006/chart" xmlns:dgm="http://schemas.openxmlformats.org/drawingml/2006/diagram" xmlns:o="urn:schemas-microsoft-com:office:office" xmlns:v="urn:schemas-microsoft-com:vml" xmlns:pvml="urn:schemas-microsoft-com:office:powerpoint" xmlns:com="http://schemas.openxmlformats.org/drawingml/2006/compatibility" xmlns:p14="http://schemas.microsoft.com/office/powerpoint/2010/main" showMasterPhAnim="0" showMasterSp="0">
+  <p:cSld>
+    <p:spTree>
+      <p:nvGrpSpPr>
+        <p:cNvPr id="256" name="Shape 256"/>
+        <p:cNvGrpSpPr/>
+        <p:nvPr/>
+      </p:nvGrpSpPr>
+      <p:grpSpPr>
+        <a:xfrm>
+          <a:off x="0" y="0"/>
+          <a:ext cx="0" cy="0"/>
+          <a:chOff x="0" y="0"/>
+          <a:chExt cx="0" cy="0"/>
+        </a:xfrm>
+      </p:grpSpPr>
+      <p:sp>
+        <p:nvSpPr>
+          <p:cNvPr id="257" name="Shape 257"/>
+          <p:cNvSpPr/>
+          <p:nvPr>
+            <p:ph idx="2" type="sldImg"/>
+          </p:nvPr>
+        </p:nvSpPr>
+        <p:spPr>
+          <a:xfrm>
+            <a:off x="381300" y="685800"/>
+            <a:ext cx="6096000" cy="3429000"/>
+          </a:xfrm>
+          <a:custGeom>
+            <a:pathLst>
+              <a:path extrusionOk="0" h="120000" w="120000">
+                <a:moveTo>
+                  <a:pt x="0" y="0"/>
+                </a:moveTo>
+                <a:lnTo>
+                  <a:pt x="120000" y="0"/>
+                </a:lnTo>
+                <a:lnTo>
+                  <a:pt x="120000" y="120000"/>
+                </a:lnTo>
+                <a:lnTo>
+                  <a:pt x="0" y="120000"/>
+                </a:lnTo>
+                <a:close/>
+              </a:path>
+            </a:pathLst>
+          </a:custGeom>
+          <a:noFill/>
+          <a:ln cap="flat" cmpd="sng" w="9525">
+            <a:solidFill>
+              <a:srgbClr val="000000"/>
+            </a:solidFill>
+            <a:prstDash val="solid"/>
+            <a:round/>
+            <a:headEnd len="med" w="med" type="none"/>
+            <a:tailEnd len="med" w="med" type="none"/>
+          </a:ln>
+        </p:spPr>
+      </p:sp>
+      <p:sp>
+        <p:nvSpPr>
+          <p:cNvPr id="258" name="Shape 258"/>
+          <p:cNvSpPr txBox="1"/>
+          <p:nvPr>
+            <p:ph idx="1" type="body"/>
+          </p:nvPr>
+        </p:nvSpPr>
+        <p:spPr>
+          <a:xfrm>
+            <a:off x="685800" y="4343400"/>
+            <a:ext cx="5486399" cy="4114800"/>
+          </a:xfrm>
+          <a:prstGeom prst="rect">
+            <a:avLst/>
+          </a:prstGeom>
+        </p:spPr>
+        <p:txBody>
+          <a:bodyPr anchorCtr="0" anchor="t" bIns="91425" lIns="91425" rIns="91425" tIns="91425">
+            <a:noAutofit/>
+          </a:bodyPr>
+          <a:lstStyle/>
+          <a:p>
+            <a:pPr>
+              <a:spcBef>
+                <a:spcPts val="0"/>
+              </a:spcBef>
+              <a:buNone/>
+            </a:pPr>
+            <a:r>
+              <a:t/>
+            </a:r>
+            <a:endParaRPr/>
+          </a:p>
+        </p:txBody>
+      </p:sp>
+    </p:spTree>
+  </p:cSld>
+  <p:clrMapOvr>
+    <a:masterClrMapping/>
+  </p:clrMapOvr>
+</p:notes>
+</file>
+
+<file path=ppt/notesSlides/notesSlide3.xml><?xml version="1.0" encoding="utf-8"?>
+<p:notes xmlns:a="http://schemas.openxmlformats.org/drawingml/2006/main" xmlns:r="http://schemas.openxmlformats.org/officeDocument/2006/relationships" xmlns:mc="http://schemas.openxmlformats.org/markup-compatibility/2006" xmlns:mv="urn:schemas-microsoft-com:mac:vml" xmlns:p="http://schemas.openxmlformats.org/presentationml/2006/main" xmlns:c="http://schemas.openxmlformats.org/drawingml/2006/chart" xmlns:dgm="http://schemas.openxmlformats.org/drawingml/2006/diagram" xmlns:o="urn:schemas-microsoft-com:office:office" xmlns:v="urn:schemas-microsoft-com:vml" xmlns:pvml="urn:schemas-microsoft-com:office:powerpoint" xmlns:com="http://schemas.openxmlformats.org/drawingml/2006/compatibility" xmlns:p14="http://schemas.microsoft.com/office/powerpoint/2010/main" showMasterPhAnim="0" showMasterSp="0">
+  <p:cSld>
+    <p:spTree>
+      <p:nvGrpSpPr>
+        <p:cNvPr id="50" name="Shape 50"/>
+        <p:cNvGrpSpPr/>
+        <p:nvPr/>
+      </p:nvGrpSpPr>
+      <p:grpSpPr>
+        <a:xfrm>
+          <a:off x="0" y="0"/>
+          <a:ext cx="0" cy="0"/>
+          <a:chOff x="0" y="0"/>
+          <a:chExt cx="0" cy="0"/>
+        </a:xfrm>
+      </p:grpSpPr>
+      <p:sp>
+        <p:nvSpPr>
+          <p:cNvPr id="51" name="Shape 51"/>
+          <p:cNvSpPr/>
+          <p:nvPr>
+            <p:ph idx="2" type="sldImg"/>
+          </p:nvPr>
+        </p:nvSpPr>
+        <p:spPr>
+          <a:xfrm>
+            <a:off x="381300" y="685800"/>
+            <a:ext cx="6096000" cy="3429000"/>
+          </a:xfrm>
+          <a:custGeom>
+            <a:pathLst>
+              <a:path extrusionOk="0" h="120000" w="120000">
+                <a:moveTo>
+                  <a:pt x="0" y="0"/>
+                </a:moveTo>
+                <a:lnTo>
+                  <a:pt x="120000" y="0"/>
+                </a:lnTo>
+                <a:lnTo>
+                  <a:pt x="120000" y="120000"/>
+                </a:lnTo>
+                <a:lnTo>
+                  <a:pt x="0" y="120000"/>
+                </a:lnTo>
+                <a:close/>
+              </a:path>
+            </a:pathLst>
+          </a:custGeom>
+          <a:noFill/>
+          <a:ln cap="flat" cmpd="sng" w="9525">
+            <a:solidFill>
+              <a:srgbClr val="000000"/>
+            </a:solidFill>
+            <a:prstDash val="solid"/>
+            <a:round/>
+            <a:headEnd len="med" w="med" type="none"/>
+            <a:tailEnd len="med" w="med" type="none"/>
+          </a:ln>
+        </p:spPr>
+      </p:sp>
+      <p:sp>
+        <p:nvSpPr>
+          <p:cNvPr id="52" name="Shape 52"/>
+          <p:cNvSpPr txBox="1"/>
+          <p:nvPr>
+            <p:ph idx="1" type="body"/>
+          </p:nvPr>
+        </p:nvSpPr>
+        <p:spPr>
+          <a:xfrm>
+            <a:off x="685800" y="4343400"/>
+            <a:ext cx="5486399" cy="4114800"/>
+          </a:xfrm>
+          <a:prstGeom prst="rect">
+            <a:avLst/>
+          </a:prstGeom>
+        </p:spPr>
+        <p:txBody>
+          <a:bodyPr anchorCtr="0" anchor="t" bIns="91425" lIns="91425" rIns="91425" tIns="91425">
+            <a:noAutofit/>
+          </a:bodyPr>
+          <a:lstStyle/>
+          <a:p>
+            <a:pPr>
+              <a:spcBef>
+                <a:spcPts val="0"/>
+              </a:spcBef>
+              <a:buNone/>
+            </a:pPr>
+            <a:r>
+              <a:t/>
+            </a:r>
+            <a:endParaRPr/>
+          </a:p>
+        </p:txBody>
+      </p:sp>
+    </p:spTree>
+  </p:cSld>
+  <p:clrMapOvr>
+    <a:masterClrMapping/>
+  </p:clrMapOvr>
+</p:notes>
+</file>
+
+<file path=ppt/notesSlides/notesSlide4.xml><?xml version="1.0" encoding="utf-8"?>
+<p:notes xmlns:a="http://schemas.openxmlformats.org/drawingml/2006/main" xmlns:r="http://schemas.openxmlformats.org/officeDocument/2006/relationships" xmlns:mc="http://schemas.openxmlformats.org/markup-compatibility/2006" xmlns:mv="urn:schemas-microsoft-com:mac:vml" xmlns:p="http://schemas.openxmlformats.org/presentationml/2006/main" xmlns:c="http://schemas.openxmlformats.org/drawingml/2006/chart" xmlns:dgm="http://schemas.openxmlformats.org/drawingml/2006/diagram" xmlns:o="urn:schemas-microsoft-com:office:office" xmlns:v="urn:schemas-microsoft-com:vml" xmlns:pvml="urn:schemas-microsoft-com:office:powerpoint" xmlns:com="http://schemas.openxmlformats.org/drawingml/2006/compatibility" xmlns:p14="http://schemas.microsoft.com/office/powerpoint/2010/main" showMasterPhAnim="0" showMasterSp="0">
+  <p:cSld>
+    <p:spTree>
+      <p:nvGrpSpPr>
+        <p:cNvPr id="56" name="Shape 56"/>
+        <p:cNvGrpSpPr/>
+        <p:nvPr/>
+      </p:nvGrpSpPr>
+      <p:grpSpPr>
+        <a:xfrm>
+          <a:off x="0" y="0"/>
+          <a:ext cx="0" cy="0"/>
+          <a:chOff x="0" y="0"/>
+          <a:chExt cx="0" cy="0"/>
+        </a:xfrm>
+      </p:grpSpPr>
+      <p:sp>
+        <p:nvSpPr>
+          <p:cNvPr id="57" name="Shape 57"/>
+          <p:cNvSpPr/>
+          <p:nvPr>
+            <p:ph idx="2" type="sldImg"/>
+          </p:nvPr>
+        </p:nvSpPr>
+        <p:spPr>
+          <a:xfrm>
+            <a:off x="381300" y="685800"/>
+            <a:ext cx="6096000" cy="3429000"/>
+          </a:xfrm>
+          <a:custGeom>
+            <a:pathLst>
+              <a:path extrusionOk="0" h="120000" w="120000">
+                <a:moveTo>
+                  <a:pt x="0" y="0"/>
+                </a:moveTo>
+                <a:lnTo>
+                  <a:pt x="120000" y="0"/>
+                </a:lnTo>
+                <a:lnTo>
+                  <a:pt x="120000" y="120000"/>
+                </a:lnTo>
+                <a:lnTo>
+                  <a:pt x="0" y="120000"/>
+                </a:lnTo>
+                <a:close/>
+              </a:path>
+            </a:pathLst>
+          </a:custGeom>
+          <a:noFill/>
+          <a:ln cap="flat" cmpd="sng" w="9525">
+            <a:solidFill>
+              <a:srgbClr val="000000"/>
+            </a:solidFill>
+            <a:prstDash val="solid"/>
+            <a:round/>
+            <a:headEnd len="med" w="med" type="none"/>
+            <a:tailEnd len="med" w="med" type="none"/>
+          </a:ln>
+        </p:spPr>
+      </p:sp>
+      <p:sp>
+        <p:nvSpPr>
+          <p:cNvPr id="58" name="Shape 58"/>
+          <p:cNvSpPr txBox="1"/>
+          <p:nvPr>
+            <p:ph idx="1" type="body"/>
+          </p:nvPr>
+        </p:nvSpPr>
+        <p:spPr>
+          <a:xfrm>
+            <a:off x="685800" y="4343400"/>
+            <a:ext cx="5486399" cy="4114800"/>
+          </a:xfrm>
+          <a:prstGeom prst="rect">
+            <a:avLst/>
+          </a:prstGeom>
+        </p:spPr>
+        <p:txBody>
+          <a:bodyPr anchorCtr="0" anchor="t" bIns="91425" lIns="91425" rIns="91425" tIns="91425">
+            <a:noAutofit/>
+          </a:bodyPr>
+          <a:lstStyle/>
+          <a:p>
+            <a:pPr>
+              <a:spcBef>
+                <a:spcPts val="0"/>
+              </a:spcBef>
+              <a:buNone/>
+            </a:pPr>
+            <a:r>
+              <a:t/>
+            </a:r>
+            <a:endParaRPr/>
+          </a:p>
+        </p:txBody>
+      </p:sp>
+    </p:spTree>
+  </p:cSld>
+  <p:clrMapOvr>
+    <a:masterClrMapping/>
+  </p:clrMapOvr>
+</p:notes>
+</file>
+
+<file path=ppt/notesSlides/notesSlide5.xml><?xml version="1.0" encoding="utf-8"?>
+<p:notes xmlns:a="http://schemas.openxmlformats.org/drawingml/2006/main" xmlns:r="http://schemas.openxmlformats.org/officeDocument/2006/relationships" xmlns:mc="http://schemas.openxmlformats.org/markup-compatibility/2006" xmlns:mv="urn:schemas-microsoft-com:mac:vml" xmlns:p="http://schemas.openxmlformats.org/presentationml/2006/main" xmlns:c="http://schemas.openxmlformats.org/drawingml/2006/chart" xmlns:dgm="http://schemas.openxmlformats.org/drawingml/2006/diagram" xmlns:o="urn:schemas-microsoft-com:office:office" xmlns:v="urn:schemas-microsoft-com:vml" xmlns:pvml="urn:schemas-microsoft-com:office:powerpoint" xmlns:com="http://schemas.openxmlformats.org/drawingml/2006/compatibility" xmlns:p14="http://schemas.microsoft.com/office/powerpoint/2010/main" showMasterPhAnim="0" showMasterSp="0">
+  <p:cSld>
+    <p:spTree>
+      <p:nvGrpSpPr>
+        <p:cNvPr id="63" name="Shape 63"/>
+        <p:cNvGrpSpPr/>
+        <p:nvPr/>
+      </p:nvGrpSpPr>
+      <p:grpSpPr>
+        <a:xfrm>
+          <a:off x="0" y="0"/>
+          <a:ext cx="0" cy="0"/>
+          <a:chOff x="0" y="0"/>
+          <a:chExt cx="0" cy="0"/>
+        </a:xfrm>
+      </p:grpSpPr>
+      <p:sp>
+        <p:nvSpPr>
+          <p:cNvPr id="64" name="Shape 64"/>
+          <p:cNvSpPr/>
+          <p:nvPr>
+            <p:ph idx="2" type="sldImg"/>
+          </p:nvPr>
+        </p:nvSpPr>
+        <p:spPr>
+          <a:xfrm>
+            <a:off x="381300" y="685800"/>
+            <a:ext cx="6096000" cy="3429000"/>
+          </a:xfrm>
+          <a:custGeom>
+            <a:pathLst>
+              <a:path extrusionOk="0" h="120000" w="120000">
+                <a:moveTo>
+                  <a:pt x="0" y="0"/>
+                </a:moveTo>
+                <a:lnTo>
+                  <a:pt x="120000" y="0"/>
+                </a:lnTo>
+                <a:lnTo>
+                  <a:pt x="120000" y="120000"/>
+                </a:lnTo>
+                <a:lnTo>
+                  <a:pt x="0" y="120000"/>
+                </a:lnTo>
+                <a:close/>
+              </a:path>
+            </a:pathLst>
+          </a:custGeom>
+          <a:noFill/>
+          <a:ln cap="flat" cmpd="sng" w="9525">
+            <a:solidFill>
+              <a:srgbClr val="000000"/>
+            </a:solidFill>
+            <a:prstDash val="solid"/>
+            <a:round/>
+            <a:headEnd len="med" w="med" type="none"/>
+            <a:tailEnd len="med" w="med" type="none"/>
+          </a:ln>
+        </p:spPr>
+      </p:sp>
+      <p:sp>
+        <p:nvSpPr>
+          <p:cNvPr id="65" name="Shape 65"/>
+          <p:cNvSpPr txBox="1"/>
+          <p:nvPr>
+            <p:ph idx="1" type="body"/>
+          </p:nvPr>
+        </p:nvSpPr>
+        <p:spPr>
+          <a:xfrm>
+            <a:off x="685800" y="4343400"/>
+            <a:ext cx="5486399" cy="4114800"/>
+          </a:xfrm>
+          <a:prstGeom prst="rect">
+            <a:avLst/>
+          </a:prstGeom>
+        </p:spPr>
+        <p:txBody>
+          <a:bodyPr anchorCtr="0" anchor="t" bIns="91425" lIns="91425" rIns="91425" tIns="91425">
+            <a:noAutofit/>
+          </a:bodyPr>
+          <a:lstStyle/>
+          <a:p>
+            <a:pPr>
+              <a:spcBef>
+                <a:spcPts val="0"/>
+              </a:spcBef>
+              <a:buNone/>
+            </a:pPr>
+            <a:r>
+              <a:t/>
+            </a:r>
+            <a:endParaRPr/>
+          </a:p>
+        </p:txBody>
+      </p:sp>
+    </p:spTree>
+  </p:cSld>
+  <p:clrMapOvr>
+    <a:masterClrMapping/>
+  </p:clrMapOvr>
+</p:notes>
+</file>
+
+<file path=ppt/notesSlides/notesSlide6.xml><?xml version="1.0" encoding="utf-8"?>
+<p:notes xmlns:a="http://schemas.openxmlformats.org/drawingml/2006/main" xmlns:r="http://schemas.openxmlformats.org/officeDocument/2006/relationships" xmlns:mc="http://schemas.openxmlformats.org/markup-compatibility/2006" xmlns:mv="urn:schemas-microsoft-com:mac:vml" xmlns:p="http://schemas.openxmlformats.org/presentationml/2006/main" xmlns:c="http://schemas.openxmlformats.org/drawingml/2006/chart" xmlns:dgm="http://schemas.openxmlformats.org/drawingml/2006/diagram" xmlns:o="urn:schemas-microsoft-com:office:office" xmlns:v="urn:schemas-microsoft-com:vml" xmlns:pvml="urn:schemas-microsoft-com:office:powerpoint" xmlns:com="http://schemas.openxmlformats.org/drawingml/2006/compatibility" xmlns:p14="http://schemas.microsoft.com/office/powerpoint/2010/main" showMasterPhAnim="0" showMasterSp="0">
+  <p:cSld>
+    <p:spTree>
+      <p:nvGrpSpPr>
+        <p:cNvPr id="70" name="Shape 70"/>
+        <p:cNvGrpSpPr/>
+        <p:nvPr/>
+      </p:nvGrpSpPr>
+      <p:grpSpPr>
+        <a:xfrm>
+          <a:off x="0" y="0"/>
+          <a:ext cx="0" cy="0"/>
+          <a:chOff x="0" y="0"/>
+          <a:chExt cx="0" cy="0"/>
+        </a:xfrm>
+      </p:grpSpPr>
+      <p:sp>
+        <p:nvSpPr>
+          <p:cNvPr id="71" name="Shape 71"/>
+          <p:cNvSpPr/>
+          <p:nvPr>
+            <p:ph idx="2" type="sldImg"/>
+          </p:nvPr>
+        </p:nvSpPr>
+        <p:spPr>
+          <a:xfrm>
+            <a:off x="381300" y="685800"/>
+            <a:ext cx="6096000" cy="3429000"/>
+          </a:xfrm>
+          <a:custGeom>
+            <a:pathLst>
+              <a:path extrusionOk="0" h="120000" w="120000">
+                <a:moveTo>
+                  <a:pt x="0" y="0"/>
+                </a:moveTo>
+                <a:lnTo>
+                  <a:pt x="120000" y="0"/>
+                </a:lnTo>
+                <a:lnTo>
+                  <a:pt x="120000" y="120000"/>
+                </a:lnTo>
+                <a:lnTo>
+                  <a:pt x="0" y="120000"/>
+                </a:lnTo>
+                <a:close/>
+              </a:path>
+            </a:pathLst>
+          </a:custGeom>
+          <a:noFill/>
+          <a:ln cap="flat" cmpd="sng" w="9525">
+            <a:solidFill>
+              <a:srgbClr val="000000"/>
+            </a:solidFill>
+            <a:prstDash val="solid"/>
+            <a:round/>
+            <a:headEnd len="med" w="med" type="none"/>
+            <a:tailEnd len="med" w="med" type="none"/>
+          </a:ln>
+        </p:spPr>
+      </p:sp>
+      <p:sp>
+        <p:nvSpPr>
+          <p:cNvPr id="72" name="Shape 72"/>
           <p:cNvSpPr txBox="1"/>
           <p:nvPr>
             <p:ph idx="1" type="body"/>
@@ -2324,7 +3384,7 @@
   <p:cSld>
     <p:spTree>
       <p:nvGrpSpPr>
-        <p:cNvPr id="100" name="Shape 100"/>
+        <p:cNvPr id="90" name="Shape 90"/>
         <p:cNvGrpSpPr/>
         <p:nvPr/>
       </p:nvGrpSpPr>
@@ -2338,7 +3398,7 @@
       </p:grpSpPr>
       <p:sp>
         <p:nvSpPr>
-          <p:cNvPr id="101" name="Shape 101"/>
+          <p:cNvPr id="91" name="Shape 91"/>
           <p:cNvSpPr/>
           <p:nvPr>
             <p:ph idx="2" type="sldImg"/>
@@ -2382,7 +3442,7 @@
       </p:sp>
       <p:sp>
         <p:nvSpPr>
-          <p:cNvPr id="102" name="Shape 102"/>
+          <p:cNvPr id="92" name="Shape 92"/>
           <p:cNvSpPr txBox="1"/>
           <p:nvPr>
             <p:ph idx="1" type="body"/>
@@ -4879,7 +5939,7 @@
   <p:cSld>
     <p:spTree>
       <p:nvGrpSpPr>
-        <p:cNvPr id="103" name="Shape 103"/>
+        <p:cNvPr id="93" name="Shape 93"/>
         <p:cNvGrpSpPr/>
         <p:nvPr/>
       </p:nvGrpSpPr>
@@ -4893,7 +5953,7 @@
       </p:grpSpPr>
       <p:sp>
         <p:nvSpPr>
-          <p:cNvPr id="104" name="Shape 104"/>
+          <p:cNvPr id="94" name="Shape 94"/>
           <p:cNvSpPr txBox="1"/>
           <p:nvPr>
             <p:ph type="title"/>
@@ -4922,84 +5982,14 @@
             </a:pPr>
             <a:r>
               <a:rPr lang="en"/>
-              <a:t>Couchbase </a:t>
-            </a:r>
-          </a:p>
-        </p:txBody>
-      </p:sp>
-      <p:sp>
-        <p:nvSpPr>
-          <p:cNvPr id="105" name="Shape 105"/>
-          <p:cNvSpPr txBox="1"/>
-          <p:nvPr>
-            <p:ph idx="1" type="body"/>
-          </p:nvPr>
-        </p:nvSpPr>
-        <p:spPr>
-          <a:xfrm>
-            <a:off x="457200" y="1460499"/>
-            <a:ext cx="8229600" cy="3465299"/>
-          </a:xfrm>
-          <a:prstGeom prst="rect">
-            <a:avLst/>
-          </a:prstGeom>
-        </p:spPr>
-        <p:txBody>
-          <a:bodyPr anchorCtr="0" anchor="t" bIns="91425" lIns="91425" rIns="91425" tIns="91425">
-            <a:noAutofit/>
-          </a:bodyPr>
-          <a:lstStyle/>
-          <a:p>
-            <a:pPr indent="-419100" lvl="0" marL="457200" rtl="0">
-              <a:spcBef>
-                <a:spcPts val="0"/>
-              </a:spcBef>
-              <a:buClr>
-                <a:schemeClr val="dk2"/>
-              </a:buClr>
-              <a:buSzPct val="100000"/>
-              <a:buFont typeface="Arial"/>
-              <a:buChar char="●"/>
-            </a:pPr>
-            <a:r>
-              <a:rPr lang="en"/>
-              <a:t>Membase + Couchdb = Couchbase</a:t>
-            </a:r>
-          </a:p>
-          <a:p>
-            <a:pPr indent="-419100" lvl="0" marL="457200" rtl="0">
-              <a:spcBef>
-                <a:spcPts val="0"/>
-              </a:spcBef>
-              <a:buClr>
-                <a:schemeClr val="dk2"/>
-              </a:buClr>
-              <a:buSzPct val="100000"/>
-              <a:buFont typeface="Arial"/>
-              <a:buChar char="●"/>
-            </a:pPr>
-            <a:r>
-              <a:rPr lang="en"/>
-              <a:t>Key/Value Store + Document Store</a:t>
-            </a:r>
-          </a:p>
-          <a:p>
-            <a:pPr lvl="0">
-              <a:spcBef>
-                <a:spcPts val="0"/>
-              </a:spcBef>
-              <a:buNone/>
-            </a:pPr>
-            <a:r>
-              <a:t/>
-            </a:r>
-            <a:endParaRPr/>
+              <a:t>NoSQL Examples</a:t>
+            </a:r>
           </a:p>
         </p:txBody>
       </p:sp>
       <p:pic>
         <p:nvPicPr>
-          <p:cNvPr id="106" name="Shape 106"/>
+          <p:cNvPr id="95" name="Shape 95"/>
           <p:cNvPicPr preferRelativeResize="0"/>
           <p:nvPr/>
         </p:nvPicPr>
@@ -5013,8 +6003,8 @@
         </p:blipFill>
         <p:spPr>
           <a:xfrm>
-            <a:off x="5065425" y="253112"/>
-            <a:ext cx="2152224" cy="1047224"/>
+            <a:off x="457200" y="1524700"/>
+            <a:ext cx="2031598" cy="1141499"/>
           </a:xfrm>
           <a:prstGeom prst="rect">
             <a:avLst/>
@@ -5027,7 +6017,7 @@
       </p:pic>
       <p:pic>
         <p:nvPicPr>
-          <p:cNvPr id="107" name="Shape 107"/>
+          <p:cNvPr id="96" name="Shape 96"/>
           <p:cNvPicPr preferRelativeResize="0"/>
           <p:nvPr/>
         </p:nvPicPr>
@@ -5041,8 +6031,8 @@
         </p:blipFill>
         <p:spPr>
           <a:xfrm>
-            <a:off x="1047750" y="2763625"/>
-            <a:ext cx="7048500" cy="2162175"/>
+            <a:off x="2620750" y="1484050"/>
+            <a:ext cx="3429000" cy="1276350"/>
           </a:xfrm>
           <a:prstGeom prst="rect">
             <a:avLst/>
@@ -5053,6 +6043,397 @@
           </a:ln>
         </p:spPr>
       </p:pic>
+      <p:pic>
+        <p:nvPicPr>
+          <p:cNvPr id="97" name="Shape 97"/>
+          <p:cNvPicPr preferRelativeResize="0"/>
+          <p:nvPr/>
+        </p:nvPicPr>
+        <p:blipFill rotWithShape="1">
+          <a:blip r:embed="rId5">
+            <a:alphaModFix/>
+          </a:blip>
+          <a:srcRect b="-12880" l="0" r="0" t="12880"/>
+          <a:stretch/>
+        </p:blipFill>
+        <p:spPr>
+          <a:xfrm>
+            <a:off x="5515900" y="1634237"/>
+            <a:ext cx="3467100" cy="1057275"/>
+          </a:xfrm>
+          <a:prstGeom prst="rect">
+            <a:avLst/>
+          </a:prstGeom>
+          <a:noFill/>
+          <a:ln>
+            <a:noFill/>
+          </a:ln>
+        </p:spPr>
+      </p:pic>
+      <p:pic>
+        <p:nvPicPr>
+          <p:cNvPr id="98" name="Shape 98"/>
+          <p:cNvPicPr preferRelativeResize="0"/>
+          <p:nvPr/>
+        </p:nvPicPr>
+        <p:blipFill>
+          <a:blip r:embed="rId6">
+            <a:alphaModFix/>
+          </a:blip>
+          <a:stretch>
+            <a:fillRect/>
+          </a:stretch>
+        </p:blipFill>
+        <p:spPr>
+          <a:xfrm>
+            <a:off x="325237" y="2897000"/>
+            <a:ext cx="2295524" cy="1543050"/>
+          </a:xfrm>
+          <a:prstGeom prst="rect">
+            <a:avLst/>
+          </a:prstGeom>
+          <a:noFill/>
+          <a:ln>
+            <a:noFill/>
+          </a:ln>
+        </p:spPr>
+      </p:pic>
+      <p:pic>
+        <p:nvPicPr>
+          <p:cNvPr id="99" name="Shape 99"/>
+          <p:cNvPicPr preferRelativeResize="0"/>
+          <p:nvPr/>
+        </p:nvPicPr>
+        <p:blipFill>
+          <a:blip r:embed="rId7">
+            <a:alphaModFix/>
+          </a:blip>
+          <a:stretch>
+            <a:fillRect/>
+          </a:stretch>
+        </p:blipFill>
+        <p:spPr>
+          <a:xfrm>
+            <a:off x="2969900" y="3097025"/>
+            <a:ext cx="2143125" cy="952500"/>
+          </a:xfrm>
+          <a:prstGeom prst="rect">
+            <a:avLst/>
+          </a:prstGeom>
+          <a:noFill/>
+          <a:ln>
+            <a:noFill/>
+          </a:ln>
+        </p:spPr>
+      </p:pic>
+      <p:pic>
+        <p:nvPicPr>
+          <p:cNvPr id="100" name="Shape 100"/>
+          <p:cNvPicPr preferRelativeResize="0"/>
+          <p:nvPr/>
+        </p:nvPicPr>
+        <p:blipFill>
+          <a:blip r:embed="rId8">
+            <a:alphaModFix/>
+          </a:blip>
+          <a:stretch>
+            <a:fillRect/>
+          </a:stretch>
+        </p:blipFill>
+        <p:spPr>
+          <a:xfrm>
+            <a:off x="5610175" y="3287525"/>
+            <a:ext cx="3133725" cy="762000"/>
+          </a:xfrm>
+          <a:prstGeom prst="rect">
+            <a:avLst/>
+          </a:prstGeom>
+          <a:noFill/>
+          <a:ln>
+            <a:noFill/>
+          </a:ln>
+        </p:spPr>
+      </p:pic>
+      <p:sp>
+        <p:nvSpPr>
+          <p:cNvPr id="101" name="Shape 101"/>
+          <p:cNvSpPr txBox="1"/>
+          <p:nvPr/>
+        </p:nvSpPr>
+        <p:spPr>
+          <a:xfrm>
+            <a:off x="1690200" y="1347475"/>
+            <a:ext cx="1554599" cy="665099"/>
+          </a:xfrm>
+          <a:prstGeom prst="rect">
+            <a:avLst/>
+          </a:prstGeom>
+          <a:solidFill>
+            <a:srgbClr val="00FF00"/>
+          </a:solidFill>
+          <a:ln>
+            <a:noFill/>
+          </a:ln>
+        </p:spPr>
+        <p:txBody>
+          <a:bodyPr anchorCtr="0" anchor="t" bIns="91425" lIns="91425" rIns="91425" tIns="91425">
+            <a:noAutofit/>
+          </a:bodyPr>
+          <a:lstStyle/>
+          <a:p>
+            <a:pPr>
+              <a:spcBef>
+                <a:spcPts val="0"/>
+              </a:spcBef>
+              <a:buNone/>
+            </a:pPr>
+            <a:r>
+              <a:rPr b="1" lang="en">
+                <a:solidFill>
+                  <a:schemeClr val="dk1"/>
+                </a:solidFill>
+              </a:rPr>
+              <a:t>Document Store</a:t>
+            </a:r>
+          </a:p>
+        </p:txBody>
+      </p:sp>
+      <p:sp>
+        <p:nvSpPr>
+          <p:cNvPr id="102" name="Shape 102"/>
+          <p:cNvSpPr txBox="1"/>
+          <p:nvPr/>
+        </p:nvSpPr>
+        <p:spPr>
+          <a:xfrm>
+            <a:off x="7376200" y="2978300"/>
+            <a:ext cx="1367700" cy="548099"/>
+          </a:xfrm>
+          <a:prstGeom prst="rect">
+            <a:avLst/>
+          </a:prstGeom>
+          <a:solidFill>
+            <a:srgbClr val="00FF00"/>
+          </a:solidFill>
+          <a:ln>
+            <a:noFill/>
+          </a:ln>
+        </p:spPr>
+        <p:txBody>
+          <a:bodyPr anchorCtr="0" anchor="t" bIns="91425" lIns="91425" rIns="91425" tIns="91425">
+            <a:noAutofit/>
+          </a:bodyPr>
+          <a:lstStyle/>
+          <a:p>
+            <a:pPr lvl="0" rtl="0">
+              <a:spcBef>
+                <a:spcPts val="0"/>
+              </a:spcBef>
+              <a:buNone/>
+            </a:pPr>
+            <a:r>
+              <a:rPr b="1" lang="en">
+                <a:solidFill>
+                  <a:schemeClr val="dk1"/>
+                </a:solidFill>
+              </a:rPr>
+              <a:t>Document Store</a:t>
+            </a:r>
+          </a:p>
+        </p:txBody>
+      </p:sp>
+      <p:sp>
+        <p:nvSpPr>
+          <p:cNvPr id="103" name="Shape 103"/>
+          <p:cNvSpPr txBox="1"/>
+          <p:nvPr/>
+        </p:nvSpPr>
+        <p:spPr>
+          <a:xfrm>
+            <a:off x="3794700" y="2333600"/>
+            <a:ext cx="1554599" cy="665099"/>
+          </a:xfrm>
+          <a:prstGeom prst="rect">
+            <a:avLst/>
+          </a:prstGeom>
+          <a:solidFill>
+            <a:srgbClr val="00FF00"/>
+          </a:solidFill>
+          <a:ln>
+            <a:noFill/>
+          </a:ln>
+        </p:spPr>
+        <p:txBody>
+          <a:bodyPr anchorCtr="0" anchor="t" bIns="91425" lIns="91425" rIns="91425" tIns="91425">
+            <a:noAutofit/>
+          </a:bodyPr>
+          <a:lstStyle/>
+          <a:p>
+            <a:pPr lvl="0" rtl="0">
+              <a:spcBef>
+                <a:spcPts val="0"/>
+              </a:spcBef>
+              <a:buNone/>
+            </a:pPr>
+            <a:r>
+              <a:rPr b="1" lang="en">
+                <a:solidFill>
+                  <a:schemeClr val="dk1"/>
+                </a:solidFill>
+              </a:rPr>
+              <a:t>Key/Value Store</a:t>
+            </a:r>
+          </a:p>
+        </p:txBody>
+      </p:sp>
+      <p:sp>
+        <p:nvSpPr>
+          <p:cNvPr id="104" name="Shape 104"/>
+          <p:cNvSpPr txBox="1"/>
+          <p:nvPr/>
+        </p:nvSpPr>
+        <p:spPr>
+          <a:xfrm>
+            <a:off x="3460850" y="3984825"/>
+            <a:ext cx="1554599" cy="665099"/>
+          </a:xfrm>
+          <a:prstGeom prst="rect">
+            <a:avLst/>
+          </a:prstGeom>
+          <a:solidFill>
+            <a:srgbClr val="00FF00"/>
+          </a:solidFill>
+          <a:ln>
+            <a:noFill/>
+          </a:ln>
+        </p:spPr>
+        <p:txBody>
+          <a:bodyPr anchorCtr="0" anchor="t" bIns="91425" lIns="91425" rIns="91425" tIns="91425">
+            <a:noAutofit/>
+          </a:bodyPr>
+          <a:lstStyle/>
+          <a:p>
+            <a:pPr lvl="0" rtl="0">
+              <a:spcBef>
+                <a:spcPts val="0"/>
+              </a:spcBef>
+              <a:buNone/>
+            </a:pPr>
+            <a:r>
+              <a:rPr b="1" lang="en">
+                <a:solidFill>
+                  <a:schemeClr val="dk1"/>
+                </a:solidFill>
+              </a:rPr>
+              <a:t>Graph DB</a:t>
+            </a:r>
+          </a:p>
+        </p:txBody>
+      </p:sp>
+      <p:sp>
+        <p:nvSpPr>
+          <p:cNvPr id="105" name="Shape 105"/>
+          <p:cNvSpPr txBox="1"/>
+          <p:nvPr/>
+        </p:nvSpPr>
+        <p:spPr>
+          <a:xfrm>
+            <a:off x="1087000" y="4548825"/>
+            <a:ext cx="1489800" cy="417300"/>
+          </a:xfrm>
+          <a:prstGeom prst="rect">
+            <a:avLst/>
+          </a:prstGeom>
+          <a:solidFill>
+            <a:srgbClr val="00FF00"/>
+          </a:solidFill>
+          <a:ln>
+            <a:noFill/>
+          </a:ln>
+        </p:spPr>
+        <p:txBody>
+          <a:bodyPr anchorCtr="0" anchor="t" bIns="91425" lIns="91425" rIns="91425" tIns="91425">
+            <a:noAutofit/>
+          </a:bodyPr>
+          <a:lstStyle/>
+          <a:p>
+            <a:pPr rtl="0">
+              <a:spcBef>
+                <a:spcPts val="0"/>
+              </a:spcBef>
+              <a:buNone/>
+            </a:pPr>
+            <a:r>
+              <a:rPr b="1" lang="en">
+                <a:solidFill>
+                  <a:schemeClr val="dk1"/>
+                </a:solidFill>
+              </a:rPr>
+              <a:t>Column-Based</a:t>
+            </a:r>
+          </a:p>
+          <a:p>
+            <a:pPr lvl="0" rtl="0">
+              <a:spcBef>
+                <a:spcPts val="0"/>
+              </a:spcBef>
+              <a:buNone/>
+            </a:pPr>
+            <a:r>
+              <a:t/>
+            </a:r>
+            <a:endParaRPr b="1">
+              <a:solidFill>
+                <a:schemeClr val="dk1"/>
+              </a:solidFill>
+            </a:endParaRPr>
+          </a:p>
+        </p:txBody>
+      </p:sp>
+      <p:sp>
+        <p:nvSpPr>
+          <p:cNvPr id="106" name="Shape 106"/>
+          <p:cNvSpPr txBox="1"/>
+          <p:nvPr/>
+        </p:nvSpPr>
+        <p:spPr>
+          <a:xfrm>
+            <a:off x="5702650" y="4301025"/>
+            <a:ext cx="1554599" cy="665099"/>
+          </a:xfrm>
+          <a:prstGeom prst="rect">
+            <a:avLst/>
+          </a:prstGeom>
+          <a:solidFill>
+            <a:srgbClr val="00FF00"/>
+          </a:solidFill>
+          <a:ln>
+            <a:noFill/>
+          </a:ln>
+        </p:spPr>
+        <p:txBody>
+          <a:bodyPr anchorCtr="0" anchor="t" bIns="91425" lIns="91425" rIns="91425" tIns="91425">
+            <a:noAutofit/>
+          </a:bodyPr>
+          <a:lstStyle/>
+          <a:p>
+            <a:pPr lvl="0" rtl="0">
+              <a:spcBef>
+                <a:spcPts val="0"/>
+              </a:spcBef>
+              <a:buNone/>
+            </a:pPr>
+            <a:r>
+              <a:rPr b="1" lang="en">
+                <a:solidFill>
+                  <a:schemeClr val="dk1"/>
+                </a:solidFill>
+              </a:rPr>
+              <a:t>&amp; more….</a:t>
+            </a:r>
+          </a:p>
+        </p:txBody>
+      </p:sp>
     </p:spTree>
   </p:cSld>
   <p:clrMapOvr>
@@ -5069,7 +6450,7 @@
   <p:cSld>
     <p:spTree>
       <p:nvGrpSpPr>
-        <p:cNvPr id="111" name="Shape 111"/>
+        <p:cNvPr id="110" name="Shape 110"/>
         <p:cNvGrpSpPr/>
         <p:nvPr/>
       </p:nvGrpSpPr>
@@ -5083,7 +6464,7 @@
       </p:grpSpPr>
       <p:sp>
         <p:nvSpPr>
-          <p:cNvPr id="112" name="Shape 112"/>
+          <p:cNvPr id="111" name="Shape 111"/>
           <p:cNvSpPr txBox="1"/>
           <p:nvPr>
             <p:ph type="title"/>
@@ -5111,15 +6492,15 @@
               <a:buNone/>
             </a:pPr>
             <a:r>
-              <a:t/>
-            </a:r>
-            <a:endParaRPr/>
+              <a:rPr lang="en"/>
+              <a:t>NoSQL</a:t>
+            </a:r>
           </a:p>
         </p:txBody>
       </p:sp>
       <p:sp>
         <p:nvSpPr>
-          <p:cNvPr id="113" name="Shape 113"/>
+          <p:cNvPr id="112" name="Shape 112"/>
           <p:cNvSpPr txBox="1"/>
           <p:nvPr>
             <p:ph idx="1" type="body"/>
@@ -5140,20 +6521,101 @@
           </a:bodyPr>
           <a:lstStyle/>
           <a:p>
-            <a:pPr rtl="0">
+            <a:pPr indent="-419100" lvl="0" marL="457200" rtl="0">
+              <a:spcBef>
+                <a:spcPts val="0"/>
+              </a:spcBef>
+              <a:buClr>
+                <a:schemeClr val="dk2"/>
+              </a:buClr>
+              <a:buSzPct val="100000"/>
+              <a:buFont typeface="Arial"/>
+              <a:buChar char="●"/>
+            </a:pPr>
+            <a:r>
+              <a:rPr lang="en"/>
+              <a:t>RDBMS is hard to scale </a:t>
+            </a:r>
+          </a:p>
+          <a:p>
+            <a:pPr indent="-419100" lvl="0" marL="457200" rtl="0">
+              <a:spcBef>
+                <a:spcPts val="0"/>
+              </a:spcBef>
+              <a:buClr>
+                <a:schemeClr val="dk2"/>
+              </a:buClr>
+              <a:buSzPct val="100000"/>
+              <a:buFont typeface="Arial"/>
+              <a:buChar char="●"/>
+            </a:pPr>
+            <a:r>
+              <a:rPr lang="en"/>
+              <a:t>Flexible data model (semi-structured or not-structured) - no migrations</a:t>
+            </a:r>
+          </a:p>
+          <a:p>
+            <a:pPr indent="-419100" lvl="0" marL="457200" rtl="0">
+              <a:spcBef>
+                <a:spcPts val="0"/>
+              </a:spcBef>
+              <a:buClr>
+                <a:schemeClr val="dk2"/>
+              </a:buClr>
+              <a:buSzPct val="100000"/>
+              <a:buFont typeface="Arial"/>
+              <a:buChar char="●"/>
+            </a:pPr>
+            <a:r>
+              <a:rPr lang="en"/>
+              <a:t>Built to be distributed, horizontal scaling on commodity HW</a:t>
+            </a:r>
+          </a:p>
+          <a:p>
+            <a:pPr indent="-419100" lvl="0" marL="457200" rtl="0">
+              <a:spcBef>
+                <a:spcPts val="0"/>
+              </a:spcBef>
+              <a:buClr>
+                <a:schemeClr val="dk2"/>
+              </a:buClr>
+              <a:buSzPct val="100000"/>
+              <a:buFont typeface="Arial"/>
+              <a:buChar char="●"/>
+            </a:pPr>
+            <a:r>
+              <a:rPr lang="en"/>
+              <a:t>Built for web</a:t>
+            </a:r>
+          </a:p>
+          <a:p>
+            <a:pPr indent="-419100" lvl="0" marL="457200" rtl="0">
+              <a:spcBef>
+                <a:spcPts val="0"/>
+              </a:spcBef>
+              <a:buClr>
+                <a:schemeClr val="dk2"/>
+              </a:buClr>
+              <a:buSzPct val="100000"/>
+              <a:buFont typeface="Arial"/>
+              <a:buChar char="●"/>
+            </a:pPr>
+            <a:r>
+              <a:rPr lang="en"/>
+              <a:t>Big Data</a:t>
+            </a:r>
+          </a:p>
+          <a:p>
+            <a:pPr lvl="0" rtl="0">
               <a:spcBef>
                 <a:spcPts val="0"/>
               </a:spcBef>
               <a:buNone/>
             </a:pPr>
             <a:r>
-              <a:rPr b="1" lang="en"/>
-              <a:t>Membase</a:t>
-            </a:r>
-            <a:r>
-              <a:rPr lang="en"/>
-              <a:t>: persistent version of memcache, e.g. caching with disk durability</a:t>
-            </a:r>
+              <a:t/>
+            </a:r>
+            <a:endParaRPr/>
           </a:p>
           <a:p>
             <a:pPr>
@@ -5163,13 +6625,9 @@
               <a:buNone/>
             </a:pPr>
             <a:r>
-              <a:rPr b="1" lang="en"/>
-              <a:t>CocuhDB</a:t>
-            </a:r>
-            <a:r>
-              <a:rPr lang="en"/>
-              <a:t>: document store, which uses json as query language, through map reduce</a:t>
-            </a:r>
+              <a:t/>
+            </a:r>
+            <a:endParaRPr/>
           </a:p>
         </p:txBody>
       </p:sp>
@@ -5189,7 +6647,7 @@
   <p:cSld>
     <p:spTree>
       <p:nvGrpSpPr>
-        <p:cNvPr id="117" name="Shape 117"/>
+        <p:cNvPr id="116" name="Shape 116"/>
         <p:cNvGrpSpPr/>
         <p:nvPr/>
       </p:nvGrpSpPr>
@@ -5203,7 +6661,7 @@
       </p:grpSpPr>
       <p:sp>
         <p:nvSpPr>
-          <p:cNvPr id="118" name="Shape 118"/>
+          <p:cNvPr id="117" name="Shape 117"/>
           <p:cNvSpPr txBox="1"/>
           <p:nvPr>
             <p:ph type="title"/>
@@ -5232,14 +6690,14 @@
             </a:pPr>
             <a:r>
               <a:rPr lang="en"/>
-              <a:t>High Level Architecture	</a:t>
+              <a:t>Should I use NoSQL</a:t>
             </a:r>
           </a:p>
         </p:txBody>
       </p:sp>
       <p:sp>
         <p:nvSpPr>
-          <p:cNvPr id="119" name="Shape 119"/>
+          <p:cNvPr id="118" name="Shape 118"/>
           <p:cNvSpPr txBox="1"/>
           <p:nvPr>
             <p:ph idx="1" type="body"/>
@@ -5247,7 +6705,7 @@
         </p:nvSpPr>
         <p:spPr>
           <a:xfrm>
-            <a:off x="457200" y="1460499"/>
+            <a:off x="1022875" y="1072899"/>
             <a:ext cx="8229600" cy="3465299"/>
           </a:xfrm>
           <a:prstGeom prst="rect">
@@ -5260,119 +6718,15 @@
           </a:bodyPr>
           <a:lstStyle/>
           <a:p>
-            <a:pPr rtl="0">
+            <a:pPr lvl="0" rtl="0">
               <a:spcBef>
                 <a:spcPts val="0"/>
               </a:spcBef>
               <a:buNone/>
             </a:pPr>
             <a:r>
-              <a:rPr b="1" lang="en"/>
-              <a:t>Couchbase Cluster </a:t>
-            </a:r>
-            <a:r>
               <a:rPr lang="en"/>
-              <a:t>is a set of </a:t>
-            </a:r>
-            <a:r>
-              <a:rPr b="1" lang="en"/>
-              <a:t>nodes</a:t>
-            </a:r>
-            <a:r>
-              <a:rPr lang="en"/>
-              <a:t>. </a:t>
-            </a:r>
-          </a:p>
-          <a:p>
-            <a:pPr rtl="0">
-              <a:spcBef>
-                <a:spcPts val="0"/>
-              </a:spcBef>
-              <a:buNone/>
-            </a:pPr>
-            <a:r>
-              <a:rPr b="1" lang="en"/>
-              <a:t>Bucket </a:t>
-            </a:r>
-            <a:r>
-              <a:rPr lang="en"/>
-              <a:t>is the container of the </a:t>
-            </a:r>
-            <a:r>
-              <a:rPr b="1" lang="en"/>
-              <a:t>data</a:t>
-            </a:r>
-            <a:r>
-              <a:rPr lang="en"/>
-              <a:t>.</a:t>
-            </a:r>
-          </a:p>
-          <a:p>
-            <a:pPr rtl="0">
-              <a:spcBef>
-                <a:spcPts val="0"/>
-              </a:spcBef>
-              <a:buNone/>
-            </a:pPr>
-            <a:r>
-              <a:rPr b="1" lang="en"/>
-              <a:t>Data </a:t>
-            </a:r>
-            <a:r>
-              <a:rPr lang="en"/>
-              <a:t>is composed of </a:t>
-            </a:r>
-            <a:r>
-              <a:rPr b="1" lang="en"/>
-              <a:t>documents</a:t>
-            </a:r>
-            <a:r>
-              <a:rPr lang="en"/>
-              <a:t>, each document has user defined </a:t>
-            </a:r>
-            <a:r>
-              <a:rPr b="1" lang="en"/>
-              <a:t>key</a:t>
-            </a:r>
-          </a:p>
-          <a:p>
-            <a:pPr rtl="0">
-              <a:spcBef>
-                <a:spcPts val="0"/>
-              </a:spcBef>
-              <a:buNone/>
-            </a:pPr>
-            <a:r>
-              <a:rPr lang="en"/>
-              <a:t>Each </a:t>
-            </a:r>
-            <a:r>
-              <a:rPr b="1" lang="en"/>
-              <a:t>key</a:t>
-            </a:r>
-            <a:r>
-              <a:rPr lang="en"/>
-              <a:t> is hashed and assigned to one of 1024 </a:t>
-            </a:r>
-            <a:r>
-              <a:rPr b="1" lang="en"/>
-              <a:t>vBucket</a:t>
-            </a:r>
-            <a:r>
-              <a:rPr lang="en"/>
-              <a:t>-s</a:t>
-            </a:r>
-          </a:p>
-          <a:p>
-            <a:pPr>
-              <a:spcBef>
-                <a:spcPts val="0"/>
-              </a:spcBef>
-              <a:buNone/>
-            </a:pPr>
-            <a:r>
-              <a:rPr lang="en"/>
-              <a:t>hash: key space =&gt; 1..1024 vBuckets</a:t>
+              <a:t>Let’s discuss….</a:t>
             </a:r>
           </a:p>
         </p:txBody>
@@ -5393,7 +6747,7 @@
   <p:cSld>
     <p:spTree>
       <p:nvGrpSpPr>
-        <p:cNvPr id="123" name="Shape 123"/>
+        <p:cNvPr id="122" name="Shape 122"/>
         <p:cNvGrpSpPr/>
         <p:nvPr/>
       </p:nvGrpSpPr>
@@ -5407,7 +6761,7 @@
       </p:grpSpPr>
       <p:sp>
         <p:nvSpPr>
-          <p:cNvPr id="124" name="Shape 124"/>
+          <p:cNvPr id="123" name="Shape 123"/>
           <p:cNvSpPr txBox="1"/>
           <p:nvPr>
             <p:ph type="title"/>
@@ -5428,22 +6782,22 @@
           </a:bodyPr>
           <a:lstStyle/>
           <a:p>
-            <a:pPr>
+            <a:pPr lvl="0" rtl="0">
               <a:spcBef>
                 <a:spcPts val="0"/>
               </a:spcBef>
               <a:buNone/>
             </a:pPr>
             <a:r>
-              <a:t/>
-            </a:r>
-            <a:endParaRPr/>
+              <a:rPr lang="en"/>
+              <a:t>Agenda</a:t>
+            </a:r>
           </a:p>
         </p:txBody>
       </p:sp>
       <p:sp>
         <p:nvSpPr>
-          <p:cNvPr id="125" name="Shape 125"/>
+          <p:cNvPr id="124" name="Shape 124"/>
           <p:cNvSpPr txBox="1"/>
           <p:nvPr>
             <p:ph idx="1" type="body"/>
@@ -5457,6 +6811,9 @@
           <a:prstGeom prst="rect">
             <a:avLst/>
           </a:prstGeom>
+          <a:ln>
+            <a:noFill/>
+          </a:ln>
         </p:spPr>
         <p:txBody>
           <a:bodyPr anchorCtr="0" anchor="t" bIns="91425" lIns="91425" rIns="91425" tIns="91425">
@@ -5464,68 +6821,113 @@
           </a:bodyPr>
           <a:lstStyle/>
           <a:p>
-            <a:pPr rtl="0">
+            <a:pPr indent="-419100" lvl="0" marL="457200" rtl="0">
+              <a:spcBef>
+                <a:spcPts val="0"/>
+              </a:spcBef>
+              <a:buClr>
+                <a:schemeClr val="dk2"/>
+              </a:buClr>
+              <a:buSzPct val="100000"/>
+              <a:buFont typeface="Arial"/>
+              <a:buChar char="●"/>
+            </a:pPr>
+            <a:r>
+              <a:rPr lang="en"/>
+              <a:t>About INPLAY &amp; me</a:t>
+            </a:r>
+          </a:p>
+          <a:p>
+            <a:pPr indent="-419100" lvl="0" marL="457200" rtl="0">
+              <a:spcBef>
+                <a:spcPts val="0"/>
+              </a:spcBef>
+              <a:buClr>
+                <a:schemeClr val="dk2"/>
+              </a:buClr>
+              <a:buSzPct val="100000"/>
+              <a:buFont typeface="Arial"/>
+              <a:buChar char="●"/>
+            </a:pPr>
+            <a:r>
+              <a:rPr lang="en"/>
+              <a:t>NoSQL What and Why?</a:t>
+            </a:r>
+          </a:p>
+          <a:p>
+            <a:pPr indent="-419100" lvl="0" marL="457200" rtl="0">
+              <a:spcBef>
+                <a:spcPts val="0"/>
+              </a:spcBef>
+              <a:buClr>
+                <a:schemeClr val="dk2"/>
+              </a:buClr>
+              <a:buSzPct val="100000"/>
+              <a:buFont typeface="Arial"/>
+              <a:buChar char="●"/>
+            </a:pPr>
+            <a:r>
+              <a:rPr lang="en"/>
+              <a:t>Couchbase Overview</a:t>
+            </a:r>
+          </a:p>
+          <a:p>
+            <a:pPr indent="-419100" lvl="0" marL="457200" rtl="0">
+              <a:spcBef>
+                <a:spcPts val="0"/>
+              </a:spcBef>
+              <a:buClr>
+                <a:schemeClr val="dk2"/>
+              </a:buClr>
+              <a:buSzPct val="100000"/>
+              <a:buFont typeface="Arial"/>
+              <a:buChar char="●"/>
+            </a:pPr>
+            <a:r>
+              <a:rPr lang="en"/>
+              <a:t>Coding examples</a:t>
+            </a:r>
+          </a:p>
+          <a:p>
+            <a:pPr indent="-419100" lvl="0" marL="457200" rtl="0">
+              <a:spcBef>
+                <a:spcPts val="0"/>
+              </a:spcBef>
+              <a:buClr>
+                <a:schemeClr val="dk2"/>
+              </a:buClr>
+              <a:buSzPct val="100000"/>
+              <a:buFont typeface="Arial"/>
+              <a:buChar char="●"/>
+            </a:pPr>
+            <a:r>
+              <a:rPr lang="en"/>
+              <a:t>Conclusions</a:t>
+            </a:r>
+          </a:p>
+          <a:p>
+            <a:pPr lvl="0" rtl="0">
               <a:spcBef>
                 <a:spcPts val="0"/>
               </a:spcBef>
               <a:buNone/>
             </a:pPr>
             <a:r>
-              <a:rPr lang="en"/>
-              <a:t>For each </a:t>
-            </a:r>
-            <a:r>
-              <a:rPr b="1" lang="en"/>
-              <a:t>vBucket</a:t>
-            </a:r>
-            <a:r>
-              <a:rPr lang="en"/>
-              <a:t>, there is </a:t>
-            </a:r>
-            <a:r>
-              <a:rPr b="1" lang="en"/>
-              <a:t>active </a:t>
-            </a:r>
-            <a:r>
-              <a:rPr lang="en"/>
-              <a:t>copy one one node and </a:t>
-            </a:r>
-            <a:r>
-              <a:rPr b="1" lang="en"/>
-              <a:t>replicate</a:t>
-            </a:r>
-            <a:r>
-              <a:rPr lang="en"/>
-              <a:t>-s on 1-3 other nodes.</a:t>
-            </a:r>
-          </a:p>
-          <a:p>
-            <a:pPr>
+              <a:t/>
+            </a:r>
+            <a:endParaRPr/>
+          </a:p>
+          <a:p>
+            <a:pPr lvl="0" rtl="0">
               <a:spcBef>
                 <a:spcPts val="0"/>
               </a:spcBef>
               <a:buNone/>
             </a:pPr>
             <a:r>
-              <a:rPr lang="en"/>
-              <a:t>All nodes are “equal”, each node holds active copies of </a:t>
-            </a:r>
-            <a:r>
-              <a:rPr b="1" lang="en"/>
-              <a:t>vBucket</a:t>
-            </a:r>
-            <a:r>
-              <a:rPr lang="en"/>
-              <a:t>-s and replicates of some </a:t>
-            </a:r>
-            <a:r>
-              <a:rPr b="1" lang="en"/>
-              <a:t>vBucket</a:t>
-            </a:r>
-            <a:r>
-              <a:rPr lang="en"/>
-              <a:t>s</a:t>
-            </a:r>
+              <a:t/>
+            </a:r>
+            <a:endParaRPr/>
           </a:p>
         </p:txBody>
       </p:sp>
@@ -5545,7 +6947,7 @@
   <p:cSld>
     <p:spTree>
       <p:nvGrpSpPr>
-        <p:cNvPr id="129" name="Shape 129"/>
+        <p:cNvPr id="128" name="Shape 128"/>
         <p:cNvGrpSpPr/>
         <p:nvPr/>
       </p:nvGrpSpPr>
@@ -5559,7 +6961,673 @@
       </p:grpSpPr>
       <p:sp>
         <p:nvSpPr>
+          <p:cNvPr id="129" name="Shape 129"/>
+          <p:cNvSpPr txBox="1"/>
+          <p:nvPr>
+            <p:ph type="title"/>
+          </p:nvPr>
+        </p:nvSpPr>
+        <p:spPr>
+          <a:xfrm>
+            <a:off x="457200" y="205977"/>
+            <a:ext cx="8229600" cy="1141499"/>
+          </a:xfrm>
+          <a:prstGeom prst="rect">
+            <a:avLst/>
+          </a:prstGeom>
+        </p:spPr>
+        <p:txBody>
+          <a:bodyPr anchorCtr="0" anchor="b" bIns="91425" lIns="91425" rIns="91425" tIns="91425">
+            <a:noAutofit/>
+          </a:bodyPr>
+          <a:lstStyle/>
+          <a:p>
+            <a:pPr>
+              <a:spcBef>
+                <a:spcPts val="0"/>
+              </a:spcBef>
+              <a:buNone/>
+            </a:pPr>
+            <a:r>
+              <a:rPr lang="en"/>
+              <a:t>Couchbase </a:t>
+            </a:r>
+          </a:p>
+        </p:txBody>
+      </p:sp>
+      <p:sp>
+        <p:nvSpPr>
           <p:cNvPr id="130" name="Shape 130"/>
+          <p:cNvSpPr txBox="1"/>
+          <p:nvPr>
+            <p:ph idx="1" type="body"/>
+          </p:nvPr>
+        </p:nvSpPr>
+        <p:spPr>
+          <a:xfrm>
+            <a:off x="457200" y="1460499"/>
+            <a:ext cx="8229600" cy="3465299"/>
+          </a:xfrm>
+          <a:prstGeom prst="rect">
+            <a:avLst/>
+          </a:prstGeom>
+        </p:spPr>
+        <p:txBody>
+          <a:bodyPr anchorCtr="0" anchor="t" bIns="91425" lIns="91425" rIns="91425" tIns="91425">
+            <a:noAutofit/>
+          </a:bodyPr>
+          <a:lstStyle/>
+          <a:p>
+            <a:pPr indent="-419100" lvl="0" marL="457200" rtl="0">
+              <a:spcBef>
+                <a:spcPts val="0"/>
+              </a:spcBef>
+              <a:buClr>
+                <a:schemeClr val="dk2"/>
+              </a:buClr>
+              <a:buSzPct val="100000"/>
+              <a:buFont typeface="Arial"/>
+              <a:buChar char="●"/>
+            </a:pPr>
+            <a:r>
+              <a:rPr lang="en"/>
+              <a:t>Membase + Couchdb = Couchbase</a:t>
+            </a:r>
+          </a:p>
+          <a:p>
+            <a:pPr indent="-419100" lvl="0" marL="457200" rtl="0">
+              <a:spcBef>
+                <a:spcPts val="0"/>
+              </a:spcBef>
+              <a:buClr>
+                <a:schemeClr val="dk2"/>
+              </a:buClr>
+              <a:buSzPct val="100000"/>
+              <a:buFont typeface="Arial"/>
+              <a:buChar char="●"/>
+            </a:pPr>
+            <a:r>
+              <a:rPr lang="en"/>
+              <a:t>Key/Value Store + Document Store</a:t>
+            </a:r>
+          </a:p>
+          <a:p>
+            <a:pPr lvl="0">
+              <a:spcBef>
+                <a:spcPts val="0"/>
+              </a:spcBef>
+              <a:buNone/>
+            </a:pPr>
+            <a:r>
+              <a:t/>
+            </a:r>
+            <a:endParaRPr/>
+          </a:p>
+        </p:txBody>
+      </p:sp>
+      <p:pic>
+        <p:nvPicPr>
+          <p:cNvPr id="131" name="Shape 131"/>
+          <p:cNvPicPr preferRelativeResize="0"/>
+          <p:nvPr/>
+        </p:nvPicPr>
+        <p:blipFill>
+          <a:blip r:embed="rId3">
+            <a:alphaModFix/>
+          </a:blip>
+          <a:stretch>
+            <a:fillRect/>
+          </a:stretch>
+        </p:blipFill>
+        <p:spPr>
+          <a:xfrm>
+            <a:off x="5065425" y="253112"/>
+            <a:ext cx="2152224" cy="1047224"/>
+          </a:xfrm>
+          <a:prstGeom prst="rect">
+            <a:avLst/>
+          </a:prstGeom>
+          <a:noFill/>
+          <a:ln>
+            <a:noFill/>
+          </a:ln>
+        </p:spPr>
+      </p:pic>
+      <p:pic>
+        <p:nvPicPr>
+          <p:cNvPr id="132" name="Shape 132"/>
+          <p:cNvPicPr preferRelativeResize="0"/>
+          <p:nvPr/>
+        </p:nvPicPr>
+        <p:blipFill>
+          <a:blip r:embed="rId4">
+            <a:alphaModFix/>
+          </a:blip>
+          <a:stretch>
+            <a:fillRect/>
+          </a:stretch>
+        </p:blipFill>
+        <p:spPr>
+          <a:xfrm>
+            <a:off x="1047750" y="2763625"/>
+            <a:ext cx="7048500" cy="2162175"/>
+          </a:xfrm>
+          <a:prstGeom prst="rect">
+            <a:avLst/>
+          </a:prstGeom>
+          <a:noFill/>
+          <a:ln>
+            <a:noFill/>
+          </a:ln>
+        </p:spPr>
+      </p:pic>
+    </p:spTree>
+  </p:cSld>
+  <p:clrMapOvr>
+    <a:masterClrMapping/>
+  </p:clrMapOvr>
+  <p:transition spd="slow">
+    <p:cut/>
+  </p:transition>
+</p:sld>
+</file>
+
+<file path=ppt/slides/slide15.xml><?xml version="1.0" encoding="utf-8"?>
+<p:sld xmlns:a="http://schemas.openxmlformats.org/drawingml/2006/main" xmlns:r="http://schemas.openxmlformats.org/officeDocument/2006/relationships" xmlns:mc="http://schemas.openxmlformats.org/markup-compatibility/2006" xmlns:mv="urn:schemas-microsoft-com:mac:vml" xmlns:p="http://schemas.openxmlformats.org/presentationml/2006/main" xmlns:c="http://schemas.openxmlformats.org/drawingml/2006/chart" xmlns:dgm="http://schemas.openxmlformats.org/drawingml/2006/diagram" xmlns:o="urn:schemas-microsoft-com:office:office" xmlns:v="urn:schemas-microsoft-com:vml" xmlns:pvml="urn:schemas-microsoft-com:office:powerpoint" xmlns:com="http://schemas.openxmlformats.org/drawingml/2006/compatibility" xmlns:p14="http://schemas.microsoft.com/office/powerpoint/2010/main">
+  <p:cSld>
+    <p:spTree>
+      <p:nvGrpSpPr>
+        <p:cNvPr id="136" name="Shape 136"/>
+        <p:cNvGrpSpPr/>
+        <p:nvPr/>
+      </p:nvGrpSpPr>
+      <p:grpSpPr>
+        <a:xfrm>
+          <a:off x="0" y="0"/>
+          <a:ext cx="0" cy="0"/>
+          <a:chOff x="0" y="0"/>
+          <a:chExt cx="0" cy="0"/>
+        </a:xfrm>
+      </p:grpSpPr>
+      <p:sp>
+        <p:nvSpPr>
+          <p:cNvPr id="137" name="Shape 137"/>
+          <p:cNvSpPr txBox="1"/>
+          <p:nvPr>
+            <p:ph type="title"/>
+          </p:nvPr>
+        </p:nvSpPr>
+        <p:spPr>
+          <a:xfrm>
+            <a:off x="457200" y="205977"/>
+            <a:ext cx="8229600" cy="1141499"/>
+          </a:xfrm>
+          <a:prstGeom prst="rect">
+            <a:avLst/>
+          </a:prstGeom>
+        </p:spPr>
+        <p:txBody>
+          <a:bodyPr anchorCtr="0" anchor="b" bIns="91425" lIns="91425" rIns="91425" tIns="91425">
+            <a:noAutofit/>
+          </a:bodyPr>
+          <a:lstStyle/>
+          <a:p>
+            <a:pPr>
+              <a:spcBef>
+                <a:spcPts val="0"/>
+              </a:spcBef>
+              <a:buNone/>
+            </a:pPr>
+            <a:r>
+              <a:t/>
+            </a:r>
+            <a:endParaRPr/>
+          </a:p>
+        </p:txBody>
+      </p:sp>
+      <p:sp>
+        <p:nvSpPr>
+          <p:cNvPr id="138" name="Shape 138"/>
+          <p:cNvSpPr txBox="1"/>
+          <p:nvPr>
+            <p:ph idx="1" type="body"/>
+          </p:nvPr>
+        </p:nvSpPr>
+        <p:spPr>
+          <a:xfrm>
+            <a:off x="457200" y="1460499"/>
+            <a:ext cx="8229600" cy="3465299"/>
+          </a:xfrm>
+          <a:prstGeom prst="rect">
+            <a:avLst/>
+          </a:prstGeom>
+        </p:spPr>
+        <p:txBody>
+          <a:bodyPr anchorCtr="0" anchor="t" bIns="91425" lIns="91425" rIns="91425" tIns="91425">
+            <a:noAutofit/>
+          </a:bodyPr>
+          <a:lstStyle/>
+          <a:p>
+            <a:pPr rtl="0">
+              <a:spcBef>
+                <a:spcPts val="0"/>
+              </a:spcBef>
+              <a:buNone/>
+            </a:pPr>
+            <a:r>
+              <a:rPr b="1" lang="en"/>
+              <a:t>Membase</a:t>
+            </a:r>
+            <a:r>
+              <a:rPr lang="en"/>
+              <a:t>: persistent version of memcache, e.g. caching with disk durability</a:t>
+            </a:r>
+          </a:p>
+          <a:p>
+            <a:pPr>
+              <a:spcBef>
+                <a:spcPts val="0"/>
+              </a:spcBef>
+              <a:buNone/>
+            </a:pPr>
+            <a:r>
+              <a:rPr b="1" lang="en"/>
+              <a:t>CocuhDB</a:t>
+            </a:r>
+            <a:r>
+              <a:rPr lang="en"/>
+              <a:t>: document store, which uses json as query language, through map reduce</a:t>
+            </a:r>
+          </a:p>
+        </p:txBody>
+      </p:sp>
+    </p:spTree>
+  </p:cSld>
+  <p:clrMapOvr>
+    <a:masterClrMapping/>
+  </p:clrMapOvr>
+  <p:transition spd="slow">
+    <p:cut/>
+  </p:transition>
+</p:sld>
+</file>
+
+<file path=ppt/slides/slide16.xml><?xml version="1.0" encoding="utf-8"?>
+<p:sld xmlns:a="http://schemas.openxmlformats.org/drawingml/2006/main" xmlns:r="http://schemas.openxmlformats.org/officeDocument/2006/relationships" xmlns:mc="http://schemas.openxmlformats.org/markup-compatibility/2006" xmlns:mv="urn:schemas-microsoft-com:mac:vml" xmlns:p="http://schemas.openxmlformats.org/presentationml/2006/main" xmlns:c="http://schemas.openxmlformats.org/drawingml/2006/chart" xmlns:dgm="http://schemas.openxmlformats.org/drawingml/2006/diagram" xmlns:o="urn:schemas-microsoft-com:office:office" xmlns:v="urn:schemas-microsoft-com:vml" xmlns:pvml="urn:schemas-microsoft-com:office:powerpoint" xmlns:com="http://schemas.openxmlformats.org/drawingml/2006/compatibility" xmlns:p14="http://schemas.microsoft.com/office/powerpoint/2010/main">
+  <p:cSld>
+    <p:spTree>
+      <p:nvGrpSpPr>
+        <p:cNvPr id="142" name="Shape 142"/>
+        <p:cNvGrpSpPr/>
+        <p:nvPr/>
+      </p:nvGrpSpPr>
+      <p:grpSpPr>
+        <a:xfrm>
+          <a:off x="0" y="0"/>
+          <a:ext cx="0" cy="0"/>
+          <a:chOff x="0" y="0"/>
+          <a:chExt cx="0" cy="0"/>
+        </a:xfrm>
+      </p:grpSpPr>
+      <p:sp>
+        <p:nvSpPr>
+          <p:cNvPr id="143" name="Shape 143"/>
+          <p:cNvSpPr txBox="1"/>
+          <p:nvPr>
+            <p:ph type="title"/>
+          </p:nvPr>
+        </p:nvSpPr>
+        <p:spPr>
+          <a:xfrm>
+            <a:off x="457200" y="205977"/>
+            <a:ext cx="8229600" cy="1141499"/>
+          </a:xfrm>
+          <a:prstGeom prst="rect">
+            <a:avLst/>
+          </a:prstGeom>
+        </p:spPr>
+        <p:txBody>
+          <a:bodyPr anchorCtr="0" anchor="b" bIns="91425" lIns="91425" rIns="91425" tIns="91425">
+            <a:noAutofit/>
+          </a:bodyPr>
+          <a:lstStyle/>
+          <a:p>
+            <a:pPr>
+              <a:spcBef>
+                <a:spcPts val="0"/>
+              </a:spcBef>
+              <a:buNone/>
+            </a:pPr>
+            <a:r>
+              <a:rPr lang="en"/>
+              <a:t>High Level Architecture	</a:t>
+            </a:r>
+          </a:p>
+        </p:txBody>
+      </p:sp>
+      <p:sp>
+        <p:nvSpPr>
+          <p:cNvPr id="144" name="Shape 144"/>
+          <p:cNvSpPr txBox="1"/>
+          <p:nvPr>
+            <p:ph idx="1" type="body"/>
+          </p:nvPr>
+        </p:nvSpPr>
+        <p:spPr>
+          <a:xfrm>
+            <a:off x="457200" y="1460499"/>
+            <a:ext cx="8229600" cy="3465299"/>
+          </a:xfrm>
+          <a:prstGeom prst="rect">
+            <a:avLst/>
+          </a:prstGeom>
+        </p:spPr>
+        <p:txBody>
+          <a:bodyPr anchorCtr="0" anchor="t" bIns="91425" lIns="91425" rIns="91425" tIns="91425">
+            <a:noAutofit/>
+          </a:bodyPr>
+          <a:lstStyle/>
+          <a:p>
+            <a:pPr rtl="0">
+              <a:spcBef>
+                <a:spcPts val="0"/>
+              </a:spcBef>
+              <a:buNone/>
+            </a:pPr>
+            <a:r>
+              <a:rPr b="1" lang="en"/>
+              <a:t>Couchbase Cluster </a:t>
+            </a:r>
+            <a:r>
+              <a:rPr lang="en"/>
+              <a:t>is a set of </a:t>
+            </a:r>
+            <a:r>
+              <a:rPr b="1" lang="en"/>
+              <a:t>nodes</a:t>
+            </a:r>
+            <a:r>
+              <a:rPr lang="en"/>
+              <a:t>. </a:t>
+            </a:r>
+          </a:p>
+          <a:p>
+            <a:pPr rtl="0">
+              <a:spcBef>
+                <a:spcPts val="0"/>
+              </a:spcBef>
+              <a:buNone/>
+            </a:pPr>
+            <a:r>
+              <a:rPr b="1" lang="en"/>
+              <a:t>Bucket </a:t>
+            </a:r>
+            <a:r>
+              <a:rPr lang="en"/>
+              <a:t>is the container of the </a:t>
+            </a:r>
+            <a:r>
+              <a:rPr b="1" lang="en"/>
+              <a:t>data</a:t>
+            </a:r>
+            <a:r>
+              <a:rPr lang="en"/>
+              <a:t>.</a:t>
+            </a:r>
+          </a:p>
+          <a:p>
+            <a:pPr rtl="0">
+              <a:spcBef>
+                <a:spcPts val="0"/>
+              </a:spcBef>
+              <a:buNone/>
+            </a:pPr>
+            <a:r>
+              <a:rPr b="1" lang="en"/>
+              <a:t>Data </a:t>
+            </a:r>
+            <a:r>
+              <a:rPr lang="en"/>
+              <a:t>is composed of </a:t>
+            </a:r>
+            <a:r>
+              <a:rPr b="1" lang="en"/>
+              <a:t>documents</a:t>
+            </a:r>
+            <a:r>
+              <a:rPr lang="en"/>
+              <a:t>, each document has user defined </a:t>
+            </a:r>
+            <a:r>
+              <a:rPr b="1" lang="en"/>
+              <a:t>key</a:t>
+            </a:r>
+          </a:p>
+          <a:p>
+            <a:pPr rtl="0">
+              <a:spcBef>
+                <a:spcPts val="0"/>
+              </a:spcBef>
+              <a:buNone/>
+            </a:pPr>
+            <a:r>
+              <a:rPr lang="en"/>
+              <a:t>Each </a:t>
+            </a:r>
+            <a:r>
+              <a:rPr b="1" lang="en"/>
+              <a:t>key</a:t>
+            </a:r>
+            <a:r>
+              <a:rPr lang="en"/>
+              <a:t> is hashed and assigned to one of 1024 </a:t>
+            </a:r>
+            <a:r>
+              <a:rPr b="1" lang="en"/>
+              <a:t>vBucket</a:t>
+            </a:r>
+            <a:r>
+              <a:rPr lang="en"/>
+              <a:t>-s</a:t>
+            </a:r>
+          </a:p>
+          <a:p>
+            <a:pPr>
+              <a:spcBef>
+                <a:spcPts val="0"/>
+              </a:spcBef>
+              <a:buNone/>
+            </a:pPr>
+            <a:r>
+              <a:rPr lang="en"/>
+              <a:t>hash: key space =&gt; 1..1024 vBuckets</a:t>
+            </a:r>
+          </a:p>
+        </p:txBody>
+      </p:sp>
+    </p:spTree>
+  </p:cSld>
+  <p:clrMapOvr>
+    <a:masterClrMapping/>
+  </p:clrMapOvr>
+  <p:transition spd="slow">
+    <p:cut/>
+  </p:transition>
+</p:sld>
+</file>
+
+<file path=ppt/slides/slide17.xml><?xml version="1.0" encoding="utf-8"?>
+<p:sld xmlns:a="http://schemas.openxmlformats.org/drawingml/2006/main" xmlns:r="http://schemas.openxmlformats.org/officeDocument/2006/relationships" xmlns:mc="http://schemas.openxmlformats.org/markup-compatibility/2006" xmlns:mv="urn:schemas-microsoft-com:mac:vml" xmlns:p="http://schemas.openxmlformats.org/presentationml/2006/main" xmlns:c="http://schemas.openxmlformats.org/drawingml/2006/chart" xmlns:dgm="http://schemas.openxmlformats.org/drawingml/2006/diagram" xmlns:o="urn:schemas-microsoft-com:office:office" xmlns:v="urn:schemas-microsoft-com:vml" xmlns:pvml="urn:schemas-microsoft-com:office:powerpoint" xmlns:com="http://schemas.openxmlformats.org/drawingml/2006/compatibility" xmlns:p14="http://schemas.microsoft.com/office/powerpoint/2010/main">
+  <p:cSld>
+    <p:spTree>
+      <p:nvGrpSpPr>
+        <p:cNvPr id="148" name="Shape 148"/>
+        <p:cNvGrpSpPr/>
+        <p:nvPr/>
+      </p:nvGrpSpPr>
+      <p:grpSpPr>
+        <a:xfrm>
+          <a:off x="0" y="0"/>
+          <a:ext cx="0" cy="0"/>
+          <a:chOff x="0" y="0"/>
+          <a:chExt cx="0" cy="0"/>
+        </a:xfrm>
+      </p:grpSpPr>
+      <p:sp>
+        <p:nvSpPr>
+          <p:cNvPr id="149" name="Shape 149"/>
+          <p:cNvSpPr txBox="1"/>
+          <p:nvPr>
+            <p:ph type="title"/>
+          </p:nvPr>
+        </p:nvSpPr>
+        <p:spPr>
+          <a:xfrm>
+            <a:off x="457200" y="205977"/>
+            <a:ext cx="8229600" cy="1141499"/>
+          </a:xfrm>
+          <a:prstGeom prst="rect">
+            <a:avLst/>
+          </a:prstGeom>
+        </p:spPr>
+        <p:txBody>
+          <a:bodyPr anchorCtr="0" anchor="b" bIns="91425" lIns="91425" rIns="91425" tIns="91425">
+            <a:noAutofit/>
+          </a:bodyPr>
+          <a:lstStyle/>
+          <a:p>
+            <a:pPr>
+              <a:spcBef>
+                <a:spcPts val="0"/>
+              </a:spcBef>
+              <a:buNone/>
+            </a:pPr>
+            <a:r>
+              <a:t/>
+            </a:r>
+            <a:endParaRPr/>
+          </a:p>
+        </p:txBody>
+      </p:sp>
+      <p:sp>
+        <p:nvSpPr>
+          <p:cNvPr id="150" name="Shape 150"/>
+          <p:cNvSpPr txBox="1"/>
+          <p:nvPr>
+            <p:ph idx="1" type="body"/>
+          </p:nvPr>
+        </p:nvSpPr>
+        <p:spPr>
+          <a:xfrm>
+            <a:off x="457200" y="1460499"/>
+            <a:ext cx="8229600" cy="3465299"/>
+          </a:xfrm>
+          <a:prstGeom prst="rect">
+            <a:avLst/>
+          </a:prstGeom>
+        </p:spPr>
+        <p:txBody>
+          <a:bodyPr anchorCtr="0" anchor="t" bIns="91425" lIns="91425" rIns="91425" tIns="91425">
+            <a:noAutofit/>
+          </a:bodyPr>
+          <a:lstStyle/>
+          <a:p>
+            <a:pPr rtl="0">
+              <a:spcBef>
+                <a:spcPts val="0"/>
+              </a:spcBef>
+              <a:buNone/>
+            </a:pPr>
+            <a:r>
+              <a:rPr lang="en"/>
+              <a:t>For each </a:t>
+            </a:r>
+            <a:r>
+              <a:rPr b="1" lang="en"/>
+              <a:t>vBucket</a:t>
+            </a:r>
+            <a:r>
+              <a:rPr lang="en"/>
+              <a:t>, there is </a:t>
+            </a:r>
+            <a:r>
+              <a:rPr b="1" lang="en"/>
+              <a:t>active </a:t>
+            </a:r>
+            <a:r>
+              <a:rPr lang="en"/>
+              <a:t>copy one one node and </a:t>
+            </a:r>
+            <a:r>
+              <a:rPr b="1" lang="en"/>
+              <a:t>replicate</a:t>
+            </a:r>
+            <a:r>
+              <a:rPr lang="en"/>
+              <a:t>-s on 1-3 other nodes.</a:t>
+            </a:r>
+          </a:p>
+          <a:p>
+            <a:pPr>
+              <a:spcBef>
+                <a:spcPts val="0"/>
+              </a:spcBef>
+              <a:buNone/>
+            </a:pPr>
+            <a:r>
+              <a:rPr lang="en"/>
+              <a:t>All nodes are “equal”, each node holds active copies of </a:t>
+            </a:r>
+            <a:r>
+              <a:rPr b="1" lang="en"/>
+              <a:t>vBucket</a:t>
+            </a:r>
+            <a:r>
+              <a:rPr lang="en"/>
+              <a:t>-s and replicates of some </a:t>
+            </a:r>
+            <a:r>
+              <a:rPr b="1" lang="en"/>
+              <a:t>vBucket</a:t>
+            </a:r>
+            <a:r>
+              <a:rPr lang="en"/>
+              <a:t>s</a:t>
+            </a:r>
+          </a:p>
+        </p:txBody>
+      </p:sp>
+    </p:spTree>
+  </p:cSld>
+  <p:clrMapOvr>
+    <a:masterClrMapping/>
+  </p:clrMapOvr>
+  <p:transition spd="slow">
+    <p:cut/>
+  </p:transition>
+</p:sld>
+</file>
+
+<file path=ppt/slides/slide18.xml><?xml version="1.0" encoding="utf-8"?>
+<p:sld xmlns:a="http://schemas.openxmlformats.org/drawingml/2006/main" xmlns:r="http://schemas.openxmlformats.org/officeDocument/2006/relationships" xmlns:mc="http://schemas.openxmlformats.org/markup-compatibility/2006" xmlns:mv="urn:schemas-microsoft-com:mac:vml" xmlns:p="http://schemas.openxmlformats.org/presentationml/2006/main" xmlns:c="http://schemas.openxmlformats.org/drawingml/2006/chart" xmlns:dgm="http://schemas.openxmlformats.org/drawingml/2006/diagram" xmlns:o="urn:schemas-microsoft-com:office:office" xmlns:v="urn:schemas-microsoft-com:vml" xmlns:pvml="urn:schemas-microsoft-com:office:powerpoint" xmlns:com="http://schemas.openxmlformats.org/drawingml/2006/compatibility" xmlns:p14="http://schemas.microsoft.com/office/powerpoint/2010/main">
+  <p:cSld>
+    <p:spTree>
+      <p:nvGrpSpPr>
+        <p:cNvPr id="154" name="Shape 154"/>
+        <p:cNvGrpSpPr/>
+        <p:nvPr/>
+      </p:nvGrpSpPr>
+      <p:grpSpPr>
+        <a:xfrm>
+          <a:off x="0" y="0"/>
+          <a:ext cx="0" cy="0"/>
+          <a:chOff x="0" y="0"/>
+          <a:chExt cx="0" cy="0"/>
+        </a:xfrm>
+      </p:grpSpPr>
+      <p:sp>
+        <p:nvSpPr>
+          <p:cNvPr id="155" name="Shape 155"/>
           <p:cNvSpPr txBox="1"/>
           <p:nvPr/>
         </p:nvSpPr>
@@ -5599,7 +7667,7 @@
       </p:sp>
       <p:grpSp>
         <p:nvGrpSpPr>
-          <p:cNvPr id="131" name="Shape 131"/>
+          <p:cNvPr id="156" name="Shape 156"/>
           <p:cNvGrpSpPr/>
           <p:nvPr/>
         </p:nvGrpSpPr>
@@ -5613,7 +7681,7 @@
         </p:grpSpPr>
         <p:sp>
           <p:nvSpPr>
-            <p:cNvPr id="132" name="Shape 132"/>
+            <p:cNvPr id="157" name="Shape 157"/>
             <p:cNvSpPr/>
             <p:nvPr/>
           </p:nvSpPr>
@@ -5661,7 +7729,7 @@
         </p:sp>
         <p:sp>
           <p:nvSpPr>
-            <p:cNvPr id="133" name="Shape 133"/>
+            <p:cNvPr id="158" name="Shape 158"/>
             <p:cNvSpPr/>
             <p:nvPr/>
           </p:nvSpPr>
@@ -5709,7 +7777,7 @@
         </p:sp>
         <p:sp>
           <p:nvSpPr>
-            <p:cNvPr id="134" name="Shape 134"/>
+            <p:cNvPr id="159" name="Shape 159"/>
             <p:cNvSpPr/>
             <p:nvPr/>
           </p:nvSpPr>
@@ -5758,7 +7826,7 @@
       </p:grpSp>
       <p:grpSp>
         <p:nvGrpSpPr>
-          <p:cNvPr id="135" name="Shape 135"/>
+          <p:cNvPr id="160" name="Shape 160"/>
           <p:cNvGrpSpPr/>
           <p:nvPr/>
         </p:nvGrpSpPr>
@@ -5772,7 +7840,7 @@
         </p:grpSpPr>
         <p:sp>
           <p:nvSpPr>
-            <p:cNvPr id="136" name="Shape 136"/>
+            <p:cNvPr id="161" name="Shape 161"/>
             <p:cNvSpPr/>
             <p:nvPr/>
           </p:nvSpPr>
@@ -5818,7 +7886,7 @@
         </p:sp>
         <p:grpSp>
           <p:nvGrpSpPr>
-            <p:cNvPr id="137" name="Shape 137"/>
+            <p:cNvPr id="162" name="Shape 162"/>
             <p:cNvGrpSpPr/>
             <p:nvPr/>
           </p:nvGrpSpPr>
@@ -5832,7 +7900,7 @@
           </p:grpSpPr>
           <p:cxnSp>
             <p:nvCxnSpPr>
-              <p:cNvPr id="138" name="Shape 138"/>
+              <p:cNvPr id="163" name="Shape 163"/>
               <p:cNvCxnSpPr/>
               <p:nvPr/>
             </p:nvCxnSpPr>
@@ -5858,7 +7926,7 @@
           </p:cxnSp>
           <p:cxnSp>
             <p:nvCxnSpPr>
-              <p:cNvPr id="139" name="Shape 139"/>
+              <p:cNvPr id="164" name="Shape 164"/>
               <p:cNvCxnSpPr/>
               <p:nvPr/>
             </p:nvCxnSpPr>
@@ -5884,7 +7952,7 @@
           </p:cxnSp>
           <p:cxnSp>
             <p:nvCxnSpPr>
-              <p:cNvPr id="140" name="Shape 140"/>
+              <p:cNvPr id="165" name="Shape 165"/>
               <p:cNvCxnSpPr/>
               <p:nvPr/>
             </p:nvCxnSpPr>
@@ -5912,7 +7980,7 @@
       </p:grpSp>
       <p:grpSp>
         <p:nvGrpSpPr>
-          <p:cNvPr id="141" name="Shape 141"/>
+          <p:cNvPr id="166" name="Shape 166"/>
           <p:cNvGrpSpPr/>
           <p:nvPr/>
         </p:nvGrpSpPr>
@@ -5926,7 +7994,7 @@
         </p:grpSpPr>
         <p:sp>
           <p:nvSpPr>
-            <p:cNvPr id="142" name="Shape 142"/>
+            <p:cNvPr id="167" name="Shape 167"/>
             <p:cNvSpPr/>
             <p:nvPr/>
           </p:nvSpPr>
@@ -5974,7 +8042,7 @@
         </p:sp>
         <p:sp>
           <p:nvSpPr>
-            <p:cNvPr id="143" name="Shape 143"/>
+            <p:cNvPr id="168" name="Shape 168"/>
             <p:cNvSpPr/>
             <p:nvPr/>
           </p:nvSpPr>
@@ -6022,7 +8090,7 @@
         </p:sp>
         <p:sp>
           <p:nvSpPr>
-            <p:cNvPr id="144" name="Shape 144"/>
+            <p:cNvPr id="169" name="Shape 169"/>
             <p:cNvSpPr/>
             <p:nvPr/>
           </p:nvSpPr>
@@ -6070,7 +8138,7 @@
         </p:sp>
         <p:sp>
           <p:nvSpPr>
-            <p:cNvPr id="145" name="Shape 145"/>
+            <p:cNvPr id="170" name="Shape 170"/>
             <p:cNvSpPr txBox="1"/>
             <p:nvPr/>
           </p:nvSpPr>
@@ -6111,7 +8179,7 @@
       </p:grpSp>
       <p:sp>
         <p:nvSpPr>
-          <p:cNvPr id="146" name="Shape 146"/>
+          <p:cNvPr id="171" name="Shape 171"/>
           <p:cNvSpPr txBox="1"/>
           <p:nvPr/>
         </p:nvSpPr>
@@ -6163,7 +8231,7 @@
       </p:sp>
       <p:sp>
         <p:nvSpPr>
-          <p:cNvPr id="147" name="Shape 147"/>
+          <p:cNvPr id="172" name="Shape 172"/>
           <p:cNvSpPr txBox="1"/>
           <p:nvPr/>
         </p:nvSpPr>
@@ -6213,7 +8281,7 @@
       </p:sp>
       <p:sp>
         <p:nvSpPr>
-          <p:cNvPr id="148" name="Shape 148"/>
+          <p:cNvPr id="173" name="Shape 173"/>
           <p:cNvSpPr txBox="1"/>
           <p:nvPr/>
         </p:nvSpPr>
@@ -6251,7 +8319,7 @@
       </p:sp>
       <p:graphicFrame>
         <p:nvGraphicFramePr>
-          <p:cNvPr id="149" name="Shape 149"/>
+          <p:cNvPr id="174" name="Shape 174"/>
           <p:cNvGraphicFramePr/>
           <p:nvPr/>
         </p:nvGraphicFramePr>
@@ -6264,7 +8332,7 @@
             <a:tbl>
               <a:tblPr>
                 <a:noFill/>
-                <a:tableStyleId>{BFD05B5C-BFB0-4F6E-82EA-4024575D66BC}</a:tableStyleId>
+                <a:tableStyleId>{8AF4E31B-172E-4634-9BAC-9F9D754D02A7}</a:tableStyleId>
               </a:tblPr>
               <a:tblGrid>
                 <a:gridCol w="628275"/>
@@ -7745,7 +9813,7 @@
       </p:graphicFrame>
       <p:grpSp>
         <p:nvGrpSpPr>
-          <p:cNvPr id="150" name="Shape 150"/>
+          <p:cNvPr id="175" name="Shape 175"/>
           <p:cNvGrpSpPr/>
           <p:nvPr/>
         </p:nvGrpSpPr>
@@ -7759,7 +9827,7 @@
         </p:grpSpPr>
         <p:grpSp>
           <p:nvGrpSpPr>
-            <p:cNvPr id="151" name="Shape 151"/>
+            <p:cNvPr id="176" name="Shape 176"/>
             <p:cNvGrpSpPr/>
             <p:nvPr/>
           </p:nvGrpSpPr>
@@ -7773,7 +9841,7 @@
           </p:grpSpPr>
           <p:grpSp>
             <p:nvGrpSpPr>
-              <p:cNvPr id="152" name="Shape 152"/>
+              <p:cNvPr id="177" name="Shape 177"/>
               <p:cNvGrpSpPr/>
               <p:nvPr/>
             </p:nvGrpSpPr>
@@ -7787,7 +9855,7 @@
             </p:grpSpPr>
             <p:pic>
               <p:nvPicPr>
-                <p:cNvPr id="153" name="Shape 153"/>
+                <p:cNvPr id="178" name="Shape 178"/>
                 <p:cNvPicPr preferRelativeResize="0"/>
                 <p:nvPr/>
               </p:nvPicPr>
@@ -7815,7 +9883,7 @@
             </p:pic>
             <p:pic>
               <p:nvPicPr>
-                <p:cNvPr id="154" name="Shape 154"/>
+                <p:cNvPr id="179" name="Shape 179"/>
                 <p:cNvPicPr preferRelativeResize="0"/>
                 <p:nvPr/>
               </p:nvPicPr>
@@ -7843,7 +9911,7 @@
             </p:pic>
             <p:pic>
               <p:nvPicPr>
-                <p:cNvPr id="155" name="Shape 155"/>
+                <p:cNvPr id="180" name="Shape 180"/>
                 <p:cNvPicPr preferRelativeResize="0"/>
                 <p:nvPr/>
               </p:nvPicPr>
@@ -7871,7 +9939,7 @@
             </p:pic>
             <p:pic>
               <p:nvPicPr>
-                <p:cNvPr id="156" name="Shape 156"/>
+                <p:cNvPr id="181" name="Shape 181"/>
                 <p:cNvPicPr preferRelativeResize="0"/>
                 <p:nvPr/>
               </p:nvPicPr>
@@ -7900,7 +9968,7 @@
           </p:grpSp>
           <p:sp>
             <p:nvSpPr>
-              <p:cNvPr id="157" name="Shape 157"/>
+              <p:cNvPr id="182" name="Shape 182"/>
               <p:cNvSpPr txBox="1"/>
               <p:nvPr/>
             </p:nvSpPr>
@@ -7953,7 +10021,7 @@
         </p:grpSp>
         <p:sp>
           <p:nvSpPr>
-            <p:cNvPr id="158" name="Shape 158"/>
+            <p:cNvPr id="183" name="Shape 183"/>
             <p:cNvSpPr txBox="1"/>
             <p:nvPr/>
           </p:nvSpPr>
@@ -7991,7 +10059,7 @@
         </p:sp>
         <p:sp>
           <p:nvSpPr>
-            <p:cNvPr id="159" name="Shape 159"/>
+            <p:cNvPr id="184" name="Shape 184"/>
             <p:cNvSpPr txBox="1"/>
             <p:nvPr/>
           </p:nvSpPr>
@@ -8029,7 +10097,7 @@
         </p:sp>
         <p:sp>
           <p:nvSpPr>
-            <p:cNvPr id="160" name="Shape 160"/>
+            <p:cNvPr id="185" name="Shape 185"/>
             <p:cNvSpPr txBox="1"/>
             <p:nvPr/>
           </p:nvSpPr>
@@ -8067,7 +10135,7 @@
         </p:sp>
         <p:sp>
           <p:nvSpPr>
-            <p:cNvPr id="161" name="Shape 161"/>
+            <p:cNvPr id="186" name="Shape 186"/>
             <p:cNvSpPr txBox="1"/>
             <p:nvPr/>
           </p:nvSpPr>
@@ -8106,7 +10174,7 @@
       </p:grpSp>
       <p:grpSp>
         <p:nvGrpSpPr>
-          <p:cNvPr id="162" name="Shape 162"/>
+          <p:cNvPr id="187" name="Shape 187"/>
           <p:cNvGrpSpPr/>
           <p:nvPr/>
         </p:nvGrpSpPr>
@@ -8120,7 +10188,7 @@
         </p:grpSpPr>
         <p:sp>
           <p:nvSpPr>
-            <p:cNvPr id="163" name="Shape 163"/>
+            <p:cNvPr id="188" name="Shape 188"/>
             <p:cNvSpPr/>
             <p:nvPr/>
           </p:nvSpPr>
@@ -8164,7 +10232,7 @@
         </p:sp>
         <p:sp>
           <p:nvSpPr>
-            <p:cNvPr id="164" name="Shape 164"/>
+            <p:cNvPr id="189" name="Shape 189"/>
             <p:cNvSpPr txBox="1"/>
             <p:nvPr/>
           </p:nvSpPr>
@@ -8245,7 +10313,7 @@
                                           </p:stCondLst>
                                         </p:cTn>
                                         <p:tgtEl>
-                                          <p:spTgt spid="135"/>
+                                          <p:spTgt spid="160"/>
                                         </p:tgtEl>
                                         <p:attrNameLst>
                                           <p:attrName>style.visibility</p:attrName>
@@ -8259,7 +10327,7 @@
                                       <p:cBhvr additive="base">
                                         <p:cTn dur="1000"/>
                                         <p:tgtEl>
-                                          <p:spTgt spid="135"/>
+                                          <p:spTgt spid="160"/>
                                         </p:tgtEl>
                                         <p:attrNameLst>
                                           <p:attrName>ppt_x</p:attrName>
@@ -8313,7 +10381,7 @@
                                           </p:stCondLst>
                                         </p:cTn>
                                         <p:tgtEl>
-                                          <p:spTgt spid="141"/>
+                                          <p:spTgt spid="166"/>
                                         </p:tgtEl>
                                         <p:attrNameLst>
                                           <p:attrName>style.visibility</p:attrName>
@@ -8327,7 +10395,7 @@
                                       <p:cBhvr additive="base">
                                         <p:cTn dur="1000"/>
                                         <p:tgtEl>
-                                          <p:spTgt spid="141"/>
+                                          <p:spTgt spid="166"/>
                                         </p:tgtEl>
                                         <p:attrNameLst>
                                           <p:attrName>ppt_x</p:attrName>
@@ -8381,7 +10449,7 @@
                                           </p:stCondLst>
                                         </p:cTn>
                                         <p:tgtEl>
-                                          <p:spTgt spid="162"/>
+                                          <p:spTgt spid="187"/>
                                         </p:tgtEl>
                                         <p:attrNameLst>
                                           <p:attrName>style.visibility</p:attrName>
@@ -8395,7 +10463,7 @@
                                       <p:cBhvr>
                                         <p:cTn dur="1000"/>
                                         <p:tgtEl>
-                                          <p:spTgt spid="162"/>
+                                          <p:spTgt spid="187"/>
                                         </p:tgtEl>
                                       </p:cBhvr>
                                     </p:animEffect>
@@ -8434,7 +10502,7 @@
                                           </p:stCondLst>
                                         </p:cTn>
                                         <p:tgtEl>
-                                          <p:spTgt spid="150"/>
+                                          <p:spTgt spid="175"/>
                                         </p:tgtEl>
                                         <p:attrNameLst>
                                           <p:attrName>style.visibility</p:attrName>
@@ -8448,7 +10516,7 @@
                                       <p:cBhvr additive="base">
                                         <p:cTn dur="1000"/>
                                         <p:tgtEl>
-                                          <p:spTgt spid="150"/>
+                                          <p:spTgt spid="175"/>
                                         </p:tgtEl>
                                         <p:attrNameLst>
                                           <p:attrName>ppt_x</p:attrName>
@@ -8502,7 +10570,7 @@
                                           </p:stCondLst>
                                         </p:cTn>
                                         <p:tgtEl>
-                                          <p:spTgt spid="147"/>
+                                          <p:spTgt spid="172"/>
                                         </p:tgtEl>
                                         <p:attrNameLst>
                                           <p:attrName>style.visibility</p:attrName>
@@ -8516,7 +10584,7 @@
                                       <p:cBhvr additive="base">
                                         <p:cTn dur="1000"/>
                                         <p:tgtEl>
-                                          <p:spTgt spid="147"/>
+                                          <p:spTgt spid="172"/>
                                         </p:tgtEl>
                                         <p:attrNameLst>
                                           <p:attrName>ppt_x</p:attrName>
@@ -8570,7 +10638,7 @@
                                           </p:stCondLst>
                                         </p:cTn>
                                         <p:tgtEl>
-                                          <p:spTgt spid="149"/>
+                                          <p:spTgt spid="174"/>
                                         </p:tgtEl>
                                         <p:attrNameLst>
                                           <p:attrName>style.visibility</p:attrName>
@@ -8584,7 +10652,7 @@
                                       <p:cBhvr additive="base">
                                         <p:cTn dur="1000"/>
                                         <p:tgtEl>
-                                          <p:spTgt spid="149"/>
+                                          <p:spTgt spid="174"/>
                                         </p:tgtEl>
                                         <p:attrNameLst>
                                           <p:attrName>ppt_x</p:attrName>
@@ -8637,12 +10705,12 @@
 </p:sld>
 </file>
 
-<file path=ppt/slides/slide15.xml><?xml version="1.0" encoding="utf-8"?>
+<file path=ppt/slides/slide19.xml><?xml version="1.0" encoding="utf-8"?>
 <p:sld xmlns:a="http://schemas.openxmlformats.org/drawingml/2006/main" xmlns:r="http://schemas.openxmlformats.org/officeDocument/2006/relationships" xmlns:mc="http://schemas.openxmlformats.org/markup-compatibility/2006" xmlns:mv="urn:schemas-microsoft-com:mac:vml" xmlns:p="http://schemas.openxmlformats.org/presentationml/2006/main" xmlns:c="http://schemas.openxmlformats.org/drawingml/2006/chart" xmlns:dgm="http://schemas.openxmlformats.org/drawingml/2006/diagram" xmlns:o="urn:schemas-microsoft-com:office:office" xmlns:v="urn:schemas-microsoft-com:vml" xmlns:pvml="urn:schemas-microsoft-com:office:powerpoint" xmlns:com="http://schemas.openxmlformats.org/drawingml/2006/compatibility" xmlns:p14="http://schemas.microsoft.com/office/powerpoint/2010/main">
   <p:cSld>
     <p:spTree>
       <p:nvGrpSpPr>
-        <p:cNvPr id="168" name="Shape 168"/>
+        <p:cNvPr id="193" name="Shape 193"/>
         <p:cNvGrpSpPr/>
         <p:nvPr/>
       </p:nvGrpSpPr>
@@ -8656,7 +10724,7 @@
       </p:grpSpPr>
       <p:sp>
         <p:nvSpPr>
-          <p:cNvPr id="169" name="Shape 169"/>
+          <p:cNvPr id="194" name="Shape 194"/>
           <p:cNvSpPr txBox="1"/>
           <p:nvPr>
             <p:ph type="title"/>
@@ -8692,7 +10760,7 @@
       </p:sp>
       <p:pic>
         <p:nvPicPr>
-          <p:cNvPr id="170" name="Shape 170"/>
+          <p:cNvPr id="195" name="Shape 195"/>
           <p:cNvPicPr preferRelativeResize="0"/>
           <p:nvPr/>
         </p:nvPicPr>
@@ -8718,593 +10786,6 @@
           </a:ln>
         </p:spPr>
       </p:pic>
-    </p:spTree>
-  </p:cSld>
-  <p:clrMapOvr>
-    <a:masterClrMapping/>
-  </p:clrMapOvr>
-  <p:transition spd="slow">
-    <p:cut/>
-  </p:transition>
-</p:sld>
-</file>
-
-<file path=ppt/slides/slide16.xml><?xml version="1.0" encoding="utf-8"?>
-<p:sld xmlns:a="http://schemas.openxmlformats.org/drawingml/2006/main" xmlns:r="http://schemas.openxmlformats.org/officeDocument/2006/relationships" xmlns:mc="http://schemas.openxmlformats.org/markup-compatibility/2006" xmlns:mv="urn:schemas-microsoft-com:mac:vml" xmlns:p="http://schemas.openxmlformats.org/presentationml/2006/main" xmlns:c="http://schemas.openxmlformats.org/drawingml/2006/chart" xmlns:dgm="http://schemas.openxmlformats.org/drawingml/2006/diagram" xmlns:o="urn:schemas-microsoft-com:office:office" xmlns:v="urn:schemas-microsoft-com:vml" xmlns:pvml="urn:schemas-microsoft-com:office:powerpoint" xmlns:com="http://schemas.openxmlformats.org/drawingml/2006/compatibility" xmlns:p14="http://schemas.microsoft.com/office/powerpoint/2010/main">
-  <p:cSld>
-    <p:spTree>
-      <p:nvGrpSpPr>
-        <p:cNvPr id="174" name="Shape 174"/>
-        <p:cNvGrpSpPr/>
-        <p:nvPr/>
-      </p:nvGrpSpPr>
-      <p:grpSpPr>
-        <a:xfrm>
-          <a:off x="0" y="0"/>
-          <a:ext cx="0" cy="0"/>
-          <a:chOff x="0" y="0"/>
-          <a:chExt cx="0" cy="0"/>
-        </a:xfrm>
-      </p:grpSpPr>
-      <p:sp>
-        <p:nvSpPr>
-          <p:cNvPr id="175" name="Shape 175"/>
-          <p:cNvSpPr txBox="1"/>
-          <p:nvPr>
-            <p:ph type="title"/>
-          </p:nvPr>
-        </p:nvSpPr>
-        <p:spPr>
-          <a:xfrm>
-            <a:off x="457200" y="205977"/>
-            <a:ext cx="8229600" cy="1141499"/>
-          </a:xfrm>
-          <a:prstGeom prst="rect">
-            <a:avLst/>
-          </a:prstGeom>
-        </p:spPr>
-        <p:txBody>
-          <a:bodyPr anchorCtr="0" anchor="b" bIns="91425" lIns="91425" rIns="91425" tIns="91425">
-            <a:noAutofit/>
-          </a:bodyPr>
-          <a:lstStyle/>
-          <a:p>
-            <a:pPr>
-              <a:spcBef>
-                <a:spcPts val="0"/>
-              </a:spcBef>
-              <a:buNone/>
-            </a:pPr>
-            <a:r>
-              <a:rPr lang="en"/>
-              <a:t>Why Couchbase (IMHO)</a:t>
-            </a:r>
-          </a:p>
-        </p:txBody>
-      </p:sp>
-      <p:sp>
-        <p:nvSpPr>
-          <p:cNvPr id="176" name="Shape 176"/>
-          <p:cNvSpPr txBox="1"/>
-          <p:nvPr>
-            <p:ph idx="1" type="body"/>
-          </p:nvPr>
-        </p:nvSpPr>
-        <p:spPr>
-          <a:xfrm>
-            <a:off x="457200" y="1460499"/>
-            <a:ext cx="8229600" cy="3465299"/>
-          </a:xfrm>
-          <a:prstGeom prst="rect">
-            <a:avLst/>
-          </a:prstGeom>
-        </p:spPr>
-        <p:txBody>
-          <a:bodyPr anchorCtr="0" anchor="t" bIns="91425" lIns="91425" rIns="91425" tIns="91425">
-            <a:noAutofit/>
-          </a:bodyPr>
-          <a:lstStyle/>
-          <a:p>
-            <a:pPr indent="-419100" lvl="0" marL="457200" rtl="0">
-              <a:spcBef>
-                <a:spcPts val="0"/>
-              </a:spcBef>
-              <a:buClr>
-                <a:schemeClr val="dk2"/>
-              </a:buClr>
-              <a:buSzPct val="100000"/>
-              <a:buFont typeface="Arial"/>
-              <a:buChar char="●"/>
-            </a:pPr>
-            <a:r>
-              <a:rPr lang="en"/>
-              <a:t>Very Very fast</a:t>
-            </a:r>
-          </a:p>
-          <a:p>
-            <a:pPr indent="-419100" lvl="0" marL="457200" rtl="0">
-              <a:spcBef>
-                <a:spcPts val="0"/>
-              </a:spcBef>
-              <a:buClr>
-                <a:schemeClr val="dk2"/>
-              </a:buClr>
-              <a:buSzPct val="100000"/>
-              <a:buFont typeface="Arial"/>
-              <a:buChar char="●"/>
-            </a:pPr>
-            <a:r>
-              <a:rPr lang="en"/>
-              <a:t>Strong Consistency</a:t>
-            </a:r>
-          </a:p>
-          <a:p>
-            <a:pPr indent="-419100" lvl="0" marL="457200" rtl="0">
-              <a:spcBef>
-                <a:spcPts val="0"/>
-              </a:spcBef>
-              <a:buClr>
-                <a:schemeClr val="dk2"/>
-              </a:buClr>
-              <a:buSzPct val="100000"/>
-              <a:buFont typeface="Arial"/>
-              <a:buChar char="●"/>
-            </a:pPr>
-            <a:r>
-              <a:rPr lang="en"/>
-              <a:t>Cache &amp; DB </a:t>
-            </a:r>
-          </a:p>
-          <a:p>
-            <a:pPr indent="-419100" lvl="0" marL="457200" rtl="0">
-              <a:spcBef>
-                <a:spcPts val="0"/>
-              </a:spcBef>
-              <a:buClr>
-                <a:schemeClr val="dk2"/>
-              </a:buClr>
-              <a:buSzPct val="100000"/>
-              <a:buFont typeface="Arial"/>
-              <a:buChar char="●"/>
-            </a:pPr>
-            <a:r>
-              <a:rPr lang="en"/>
-              <a:t>TTL</a:t>
-            </a:r>
-          </a:p>
-          <a:p>
-            <a:pPr indent="-419100" lvl="0" marL="457200" rtl="0">
-              <a:spcBef>
-                <a:spcPts val="0"/>
-              </a:spcBef>
-              <a:buClr>
-                <a:schemeClr val="dk2"/>
-              </a:buClr>
-              <a:buSzPct val="100000"/>
-              <a:buFont typeface="Arial"/>
-              <a:buChar char="●"/>
-            </a:pPr>
-            <a:r>
-              <a:rPr lang="en"/>
-              <a:t>“Hard” to do slow Operations</a:t>
-            </a:r>
-          </a:p>
-          <a:p>
-            <a:pPr indent="-419100" lvl="0" marL="457200" rtl="0">
-              <a:spcBef>
-                <a:spcPts val="0"/>
-              </a:spcBef>
-              <a:buClr>
-                <a:schemeClr val="dk2"/>
-              </a:buClr>
-              <a:buSzPct val="100000"/>
-              <a:buFont typeface="Arial"/>
-              <a:buChar char="●"/>
-            </a:pPr>
-            <a:r>
-              <a:rPr lang="en"/>
-              <a:t>Easy to use and deploy</a:t>
-            </a:r>
-          </a:p>
-        </p:txBody>
-      </p:sp>
-    </p:spTree>
-  </p:cSld>
-  <p:clrMapOvr>
-    <a:masterClrMapping/>
-  </p:clrMapOvr>
-  <p:transition spd="slow">
-    <p:cut/>
-  </p:transition>
-</p:sld>
-</file>
-
-<file path=ppt/slides/slide17.xml><?xml version="1.0" encoding="utf-8"?>
-<p:sld xmlns:a="http://schemas.openxmlformats.org/drawingml/2006/main" xmlns:r="http://schemas.openxmlformats.org/officeDocument/2006/relationships" xmlns:mc="http://schemas.openxmlformats.org/markup-compatibility/2006" xmlns:mv="urn:schemas-microsoft-com:mac:vml" xmlns:p="http://schemas.openxmlformats.org/presentationml/2006/main" xmlns:c="http://schemas.openxmlformats.org/drawingml/2006/chart" xmlns:dgm="http://schemas.openxmlformats.org/drawingml/2006/diagram" xmlns:o="urn:schemas-microsoft-com:office:office" xmlns:v="urn:schemas-microsoft-com:vml" xmlns:pvml="urn:schemas-microsoft-com:office:powerpoint" xmlns:com="http://schemas.openxmlformats.org/drawingml/2006/compatibility" xmlns:p14="http://schemas.microsoft.com/office/powerpoint/2010/main">
-  <p:cSld>
-    <p:spTree>
-      <p:nvGrpSpPr>
-        <p:cNvPr id="180" name="Shape 180"/>
-        <p:cNvGrpSpPr/>
-        <p:nvPr/>
-      </p:nvGrpSpPr>
-      <p:grpSpPr>
-        <a:xfrm>
-          <a:off x="0" y="0"/>
-          <a:ext cx="0" cy="0"/>
-          <a:chOff x="0" y="0"/>
-          <a:chExt cx="0" cy="0"/>
-        </a:xfrm>
-      </p:grpSpPr>
-      <p:sp>
-        <p:nvSpPr>
-          <p:cNvPr id="181" name="Shape 181"/>
-          <p:cNvSpPr txBox="1"/>
-          <p:nvPr>
-            <p:ph type="title"/>
-          </p:nvPr>
-        </p:nvSpPr>
-        <p:spPr>
-          <a:xfrm>
-            <a:off x="457200" y="205977"/>
-            <a:ext cx="8229600" cy="1141499"/>
-          </a:xfrm>
-          <a:prstGeom prst="rect">
-            <a:avLst/>
-          </a:prstGeom>
-        </p:spPr>
-        <p:txBody>
-          <a:bodyPr anchorCtr="0" anchor="b" bIns="91425" lIns="91425" rIns="91425" tIns="91425">
-            <a:noAutofit/>
-          </a:bodyPr>
-          <a:lstStyle/>
-          <a:p>
-            <a:pPr>
-              <a:spcBef>
-                <a:spcPts val="0"/>
-              </a:spcBef>
-              <a:buNone/>
-            </a:pPr>
-            <a:r>
-              <a:rPr lang="en"/>
-              <a:t>Pitfalls...</a:t>
-            </a:r>
-          </a:p>
-        </p:txBody>
-      </p:sp>
-      <p:sp>
-        <p:nvSpPr>
-          <p:cNvPr id="182" name="Shape 182"/>
-          <p:cNvSpPr txBox="1"/>
-          <p:nvPr>
-            <p:ph idx="1" type="body"/>
-          </p:nvPr>
-        </p:nvSpPr>
-        <p:spPr>
-          <a:xfrm>
-            <a:off x="394600" y="1460499"/>
-            <a:ext cx="8229600" cy="3465299"/>
-          </a:xfrm>
-          <a:prstGeom prst="rect">
-            <a:avLst/>
-          </a:prstGeom>
-        </p:spPr>
-        <p:txBody>
-          <a:bodyPr anchorCtr="0" anchor="t" bIns="91425" lIns="91425" rIns="91425" tIns="91425">
-            <a:noAutofit/>
-          </a:bodyPr>
-          <a:lstStyle/>
-          <a:p>
-            <a:pPr indent="-419100" lvl="0" marL="457200" rtl="0">
-              <a:spcBef>
-                <a:spcPts val="0"/>
-              </a:spcBef>
-              <a:buClr>
-                <a:schemeClr val="dk2"/>
-              </a:buClr>
-              <a:buSzPct val="100000"/>
-              <a:buFont typeface="Arial"/>
-              <a:buChar char="●"/>
-            </a:pPr>
-            <a:r>
-              <a:rPr lang="en"/>
-              <a:t>Objects has to fully read in order to modify</a:t>
-            </a:r>
-          </a:p>
-          <a:p>
-            <a:pPr indent="-381000" lvl="1" marL="914400" rtl="0">
-              <a:spcBef>
-                <a:spcPts val="0"/>
-              </a:spcBef>
-              <a:buClr>
-                <a:schemeClr val="dk2"/>
-              </a:buClr>
-              <a:buSzPct val="80000"/>
-              <a:buFont typeface="Courier New"/>
-              <a:buChar char="o"/>
-            </a:pPr>
-            <a:r>
-              <a:rPr lang="en"/>
-              <a:t>to add item to list, you need to read the full list</a:t>
-            </a:r>
-          </a:p>
-          <a:p>
-            <a:pPr indent="-419100" lvl="0" marL="457200" rtl="0">
-              <a:spcBef>
-                <a:spcPts val="0"/>
-              </a:spcBef>
-              <a:buClr>
-                <a:schemeClr val="dk2"/>
-              </a:buClr>
-              <a:buSzPct val="100000"/>
-              <a:buFont typeface="Arial"/>
-              <a:buChar char="●"/>
-            </a:pPr>
-            <a:r>
-              <a:rPr lang="en"/>
-              <a:t>Since everything in memory, better to delete what you don’t use</a:t>
-            </a:r>
-          </a:p>
-          <a:p>
-            <a:pPr indent="-381000" lvl="1" marL="914400" rtl="0">
-              <a:spcBef>
-                <a:spcPts val="0"/>
-              </a:spcBef>
-              <a:buClr>
-                <a:schemeClr val="dk2"/>
-              </a:buClr>
-              <a:buSzPct val="80000"/>
-              <a:buFont typeface="Courier New"/>
-              <a:buChar char="o"/>
-            </a:pPr>
-            <a:r>
-              <a:rPr lang="en"/>
-              <a:t>Use TTL, whenever you can</a:t>
-            </a:r>
-          </a:p>
-          <a:p>
-            <a:pPr indent="-419100" lvl="0" marL="457200" rtl="0">
-              <a:spcBef>
-                <a:spcPts val="0"/>
-              </a:spcBef>
-              <a:buClr>
-                <a:schemeClr val="dk2"/>
-              </a:buClr>
-              <a:buSzPct val="100000"/>
-              <a:buFont typeface="Arial"/>
-              <a:buChar char="●"/>
-            </a:pPr>
-            <a:r>
-              <a:rPr lang="en"/>
-              <a:t>Enterprise Edition vs. Community Edition</a:t>
-            </a:r>
-          </a:p>
-          <a:p>
-            <a:pPr lvl="0" rtl="0">
-              <a:spcBef>
-                <a:spcPts val="0"/>
-              </a:spcBef>
-              <a:buNone/>
-            </a:pPr>
-            <a:r>
-              <a:t/>
-            </a:r>
-            <a:endParaRPr/>
-          </a:p>
-        </p:txBody>
-      </p:sp>
-    </p:spTree>
-  </p:cSld>
-  <p:clrMapOvr>
-    <a:masterClrMapping/>
-  </p:clrMapOvr>
-  <p:transition spd="slow">
-    <p:cut/>
-  </p:transition>
-</p:sld>
-</file>
-
-<file path=ppt/slides/slide18.xml><?xml version="1.0" encoding="utf-8"?>
-<p:sld xmlns:a="http://schemas.openxmlformats.org/drawingml/2006/main" xmlns:r="http://schemas.openxmlformats.org/officeDocument/2006/relationships" xmlns:mc="http://schemas.openxmlformats.org/markup-compatibility/2006" xmlns:mv="urn:schemas-microsoft-com:mac:vml" xmlns:p="http://schemas.openxmlformats.org/presentationml/2006/main" xmlns:c="http://schemas.openxmlformats.org/drawingml/2006/chart" xmlns:dgm="http://schemas.openxmlformats.org/drawingml/2006/diagram" xmlns:o="urn:schemas-microsoft-com:office:office" xmlns:v="urn:schemas-microsoft-com:vml" xmlns:pvml="urn:schemas-microsoft-com:office:powerpoint" xmlns:com="http://schemas.openxmlformats.org/drawingml/2006/compatibility" xmlns:p14="http://schemas.microsoft.com/office/powerpoint/2010/main">
-  <p:cSld>
-    <p:spTree>
-      <p:nvGrpSpPr>
-        <p:cNvPr id="186" name="Shape 186"/>
-        <p:cNvGrpSpPr/>
-        <p:nvPr/>
-      </p:nvGrpSpPr>
-      <p:grpSpPr>
-        <a:xfrm>
-          <a:off x="0" y="0"/>
-          <a:ext cx="0" cy="0"/>
-          <a:chOff x="0" y="0"/>
-          <a:chExt cx="0" cy="0"/>
-        </a:xfrm>
-      </p:grpSpPr>
-      <p:sp>
-        <p:nvSpPr>
-          <p:cNvPr id="187" name="Shape 187"/>
-          <p:cNvSpPr txBox="1"/>
-          <p:nvPr>
-            <p:ph type="title"/>
-          </p:nvPr>
-        </p:nvSpPr>
-        <p:spPr>
-          <a:xfrm>
-            <a:off x="457200" y="205977"/>
-            <a:ext cx="8229600" cy="1141499"/>
-          </a:xfrm>
-          <a:prstGeom prst="rect">
-            <a:avLst/>
-          </a:prstGeom>
-        </p:spPr>
-        <p:txBody>
-          <a:bodyPr anchorCtr="0" anchor="b" bIns="91425" lIns="91425" rIns="91425" tIns="91425">
-            <a:noAutofit/>
-          </a:bodyPr>
-          <a:lstStyle/>
-          <a:p>
-            <a:pPr rtl="0">
-              <a:spcBef>
-                <a:spcPts val="0"/>
-              </a:spcBef>
-              <a:buNone/>
-            </a:pPr>
-            <a:r>
-              <a:rPr lang="en"/>
-              <a:t>Couchbase Mobile - </a:t>
-            </a:r>
-          </a:p>
-          <a:p>
-            <a:pPr>
-              <a:spcBef>
-                <a:spcPts val="0"/>
-              </a:spcBef>
-              <a:buNone/>
-            </a:pPr>
-            <a:r>
-              <a:rPr lang="en" sz="2400"/>
-              <a:t>Not covered here…	</a:t>
-            </a:r>
-          </a:p>
-        </p:txBody>
-      </p:sp>
-      <p:sp>
-        <p:nvSpPr>
-          <p:cNvPr id="188" name="Shape 188"/>
-          <p:cNvSpPr txBox="1"/>
-          <p:nvPr>
-            <p:ph idx="1" type="body"/>
-          </p:nvPr>
-        </p:nvSpPr>
-        <p:spPr>
-          <a:xfrm>
-            <a:off x="457200" y="1460499"/>
-            <a:ext cx="8229600" cy="3465299"/>
-          </a:xfrm>
-          <a:prstGeom prst="rect">
-            <a:avLst/>
-          </a:prstGeom>
-        </p:spPr>
-        <p:txBody>
-          <a:bodyPr anchorCtr="0" anchor="t" bIns="91425" lIns="91425" rIns="91425" tIns="91425">
-            <a:noAutofit/>
-          </a:bodyPr>
-          <a:lstStyle/>
-          <a:p>
-            <a:pPr rtl="0">
-              <a:spcBef>
-                <a:spcPts val="0"/>
-              </a:spcBef>
-              <a:buNone/>
-            </a:pPr>
-            <a:r>
-              <a:rPr lang="en"/>
-              <a:t>Couchbase mobile is DB for mobile clients (instead of sqlite). </a:t>
-            </a:r>
-          </a:p>
-          <a:p>
-            <a:pPr rtl="0">
-              <a:spcBef>
-                <a:spcPts val="0"/>
-              </a:spcBef>
-              <a:buNone/>
-            </a:pPr>
-            <a:r>
-              <a:rPr lang="en"/>
-              <a:t>You can also sync it with the cloud.</a:t>
-            </a:r>
-          </a:p>
-          <a:p>
-            <a:pPr rtl="0">
-              <a:spcBef>
-                <a:spcPts val="0"/>
-              </a:spcBef>
-              <a:buNone/>
-            </a:pPr>
-            <a:r>
-              <a:rPr lang="en"/>
-              <a:t>We did not use it, and it is not covered here, but just to mention…</a:t>
-            </a:r>
-          </a:p>
-          <a:p>
-            <a:pPr>
-              <a:spcBef>
-                <a:spcPts val="0"/>
-              </a:spcBef>
-              <a:buNone/>
-            </a:pPr>
-            <a:r>
-              <a:t/>
-            </a:r>
-            <a:endParaRPr/>
-          </a:p>
-        </p:txBody>
-      </p:sp>
-    </p:spTree>
-  </p:cSld>
-  <p:clrMapOvr>
-    <a:masterClrMapping/>
-  </p:clrMapOvr>
-  <p:transition spd="slow">
-    <p:cut/>
-  </p:transition>
-</p:sld>
-</file>
-
-<file path=ppt/slides/slide19.xml><?xml version="1.0" encoding="utf-8"?>
-<p:sld xmlns:a="http://schemas.openxmlformats.org/drawingml/2006/main" xmlns:r="http://schemas.openxmlformats.org/officeDocument/2006/relationships" xmlns:mc="http://schemas.openxmlformats.org/markup-compatibility/2006" xmlns:mv="urn:schemas-microsoft-com:mac:vml" xmlns:p="http://schemas.openxmlformats.org/presentationml/2006/main" xmlns:c="http://schemas.openxmlformats.org/drawingml/2006/chart" xmlns:dgm="http://schemas.openxmlformats.org/drawingml/2006/diagram" xmlns:o="urn:schemas-microsoft-com:office:office" xmlns:v="urn:schemas-microsoft-com:vml" xmlns:pvml="urn:schemas-microsoft-com:office:powerpoint" xmlns:com="http://schemas.openxmlformats.org/drawingml/2006/compatibility" xmlns:p14="http://schemas.microsoft.com/office/powerpoint/2010/main">
-  <p:cSld>
-    <p:spTree>
-      <p:nvGrpSpPr>
-        <p:cNvPr id="192" name="Shape 192"/>
-        <p:cNvGrpSpPr/>
-        <p:nvPr/>
-      </p:nvGrpSpPr>
-      <p:grpSpPr>
-        <a:xfrm>
-          <a:off x="0" y="0"/>
-          <a:ext cx="0" cy="0"/>
-          <a:chOff x="0" y="0"/>
-          <a:chExt cx="0" cy="0"/>
-        </a:xfrm>
-      </p:grpSpPr>
-      <p:sp>
-        <p:nvSpPr>
-          <p:cNvPr id="193" name="Shape 193"/>
-          <p:cNvSpPr txBox="1"/>
-          <p:nvPr>
-            <p:ph type="title"/>
-          </p:nvPr>
-        </p:nvSpPr>
-        <p:spPr>
-          <a:xfrm>
-            <a:off x="457200" y="205977"/>
-            <a:ext cx="8229600" cy="1141499"/>
-          </a:xfrm>
-          <a:prstGeom prst="rect">
-            <a:avLst/>
-          </a:prstGeom>
-        </p:spPr>
-        <p:txBody>
-          <a:bodyPr anchorCtr="0" anchor="b" bIns="91425" lIns="91425" rIns="91425" tIns="91425">
-            <a:noAutofit/>
-          </a:bodyPr>
-          <a:lstStyle/>
-          <a:p>
-            <a:pPr>
-              <a:spcBef>
-                <a:spcPts val="0"/>
-              </a:spcBef>
-              <a:buNone/>
-            </a:pPr>
-            <a:r>
-              <a:rPr lang="en"/>
-              <a:t>Let’s start coding...</a:t>
-            </a:r>
-          </a:p>
-        </p:txBody>
-      </p:sp>
     </p:spTree>
   </p:cSld>
   <p:clrMapOvr>
@@ -9401,11 +10882,11 @@
               </a:buClr>
               <a:buSzPct val="100000"/>
               <a:buFont typeface="Arial"/>
-              <a:buChar char="❏"/>
+              <a:buChar char="●"/>
             </a:pPr>
             <a:r>
               <a:rPr lang="en"/>
-              <a:t>About me &amp; INPLAY</a:t>
+              <a:t>About INPLAY &amp; me</a:t>
             </a:r>
           </a:p>
           <a:p>
@@ -9418,11 +10899,11 @@
               </a:buClr>
               <a:buSzPct val="100000"/>
               <a:buFont typeface="Arial"/>
-              <a:buChar char="❏"/>
+              <a:buChar char="●"/>
             </a:pPr>
             <a:r>
               <a:rPr lang="en"/>
-              <a:t>No-SQL</a:t>
+              <a:t>NoSQL What and Why?</a:t>
             </a:r>
           </a:p>
           <a:p>
@@ -9435,11 +10916,11 @@
               </a:buClr>
               <a:buSzPct val="100000"/>
               <a:buFont typeface="Arial"/>
-              <a:buChar char="❏"/>
+              <a:buChar char="●"/>
             </a:pPr>
             <a:r>
               <a:rPr lang="en"/>
-              <a:t>Couchbase Solution</a:t>
+              <a:t>Couchbase Overview</a:t>
             </a:r>
           </a:p>
           <a:p>
@@ -9452,11 +10933,28 @@
               </a:buClr>
               <a:buSzPct val="100000"/>
               <a:buFont typeface="Arial"/>
-              <a:buChar char="❏"/>
+              <a:buChar char="●"/>
             </a:pPr>
             <a:r>
               <a:rPr lang="en"/>
-              <a:t>Some coding…</a:t>
+              <a:t>Coding examples</a:t>
+            </a:r>
+          </a:p>
+          <a:p>
+            <a:pPr indent="-419100" lvl="0" marL="457200" rtl="0">
+              <a:spcBef>
+                <a:spcPts val="0"/>
+              </a:spcBef>
+              <a:buClr>
+                <a:schemeClr val="dk2"/>
+              </a:buClr>
+              <a:buSzPct val="100000"/>
+              <a:buFont typeface="Arial"/>
+              <a:buChar char="●"/>
+            </a:pPr>
+            <a:r>
+              <a:rPr lang="en"/>
+              <a:t>Conclusions</a:t>
             </a:r>
           </a:p>
           <a:p>
@@ -9482,6 +10980,1635 @@
               <a:t/>
             </a:r>
             <a:endParaRPr/>
+          </a:p>
+        </p:txBody>
+      </p:sp>
+    </p:spTree>
+  </p:cSld>
+  <p:clrMapOvr>
+    <a:masterClrMapping/>
+  </p:clrMapOvr>
+  <p:transition spd="slow">
+    <p:cut/>
+  </p:transition>
+</p:sld>
+</file>
+
+<file path=ppt/slides/slide20.xml><?xml version="1.0" encoding="utf-8"?>
+<p:sld xmlns:a="http://schemas.openxmlformats.org/drawingml/2006/main" xmlns:r="http://schemas.openxmlformats.org/officeDocument/2006/relationships" xmlns:mc="http://schemas.openxmlformats.org/markup-compatibility/2006" xmlns:mv="urn:schemas-microsoft-com:mac:vml" xmlns:p="http://schemas.openxmlformats.org/presentationml/2006/main" xmlns:c="http://schemas.openxmlformats.org/drawingml/2006/chart" xmlns:dgm="http://schemas.openxmlformats.org/drawingml/2006/diagram" xmlns:o="urn:schemas-microsoft-com:office:office" xmlns:v="urn:schemas-microsoft-com:vml" xmlns:pvml="urn:schemas-microsoft-com:office:powerpoint" xmlns:com="http://schemas.openxmlformats.org/drawingml/2006/compatibility" xmlns:p14="http://schemas.microsoft.com/office/powerpoint/2010/main">
+  <p:cSld>
+    <p:spTree>
+      <p:nvGrpSpPr>
+        <p:cNvPr id="199" name="Shape 199"/>
+        <p:cNvGrpSpPr/>
+        <p:nvPr/>
+      </p:nvGrpSpPr>
+      <p:grpSpPr>
+        <a:xfrm>
+          <a:off x="0" y="0"/>
+          <a:ext cx="0" cy="0"/>
+          <a:chOff x="0" y="0"/>
+          <a:chExt cx="0" cy="0"/>
+        </a:xfrm>
+      </p:grpSpPr>
+      <p:sp>
+        <p:nvSpPr>
+          <p:cNvPr id="200" name="Shape 200"/>
+          <p:cNvSpPr txBox="1"/>
+          <p:nvPr>
+            <p:ph type="title"/>
+          </p:nvPr>
+        </p:nvSpPr>
+        <p:spPr>
+          <a:xfrm>
+            <a:off x="457200" y="205977"/>
+            <a:ext cx="8229600" cy="1141499"/>
+          </a:xfrm>
+          <a:prstGeom prst="rect">
+            <a:avLst/>
+          </a:prstGeom>
+        </p:spPr>
+        <p:txBody>
+          <a:bodyPr anchorCtr="0" anchor="b" bIns="91425" lIns="91425" rIns="91425" tIns="91425">
+            <a:noAutofit/>
+          </a:bodyPr>
+          <a:lstStyle/>
+          <a:p>
+            <a:pPr>
+              <a:spcBef>
+                <a:spcPts val="0"/>
+              </a:spcBef>
+              <a:buNone/>
+            </a:pPr>
+            <a:r>
+              <a:rPr lang="en"/>
+              <a:t>Why Couchbase (IMHO)</a:t>
+            </a:r>
+          </a:p>
+        </p:txBody>
+      </p:sp>
+      <p:sp>
+        <p:nvSpPr>
+          <p:cNvPr id="201" name="Shape 201"/>
+          <p:cNvSpPr txBox="1"/>
+          <p:nvPr>
+            <p:ph idx="1" type="body"/>
+          </p:nvPr>
+        </p:nvSpPr>
+        <p:spPr>
+          <a:xfrm>
+            <a:off x="457200" y="1460499"/>
+            <a:ext cx="8229600" cy="3465299"/>
+          </a:xfrm>
+          <a:prstGeom prst="rect">
+            <a:avLst/>
+          </a:prstGeom>
+        </p:spPr>
+        <p:txBody>
+          <a:bodyPr anchorCtr="0" anchor="t" bIns="91425" lIns="91425" rIns="91425" tIns="91425">
+            <a:noAutofit/>
+          </a:bodyPr>
+          <a:lstStyle/>
+          <a:p>
+            <a:pPr indent="-419100" lvl="0" marL="457200" rtl="0">
+              <a:spcBef>
+                <a:spcPts val="0"/>
+              </a:spcBef>
+              <a:buClr>
+                <a:schemeClr val="dk2"/>
+              </a:buClr>
+              <a:buSzPct val="100000"/>
+              <a:buFont typeface="Arial"/>
+              <a:buChar char="●"/>
+            </a:pPr>
+            <a:r>
+              <a:rPr lang="en"/>
+              <a:t>Very Very fast</a:t>
+            </a:r>
+          </a:p>
+          <a:p>
+            <a:pPr indent="-419100" lvl="0" marL="457200" rtl="0">
+              <a:spcBef>
+                <a:spcPts val="0"/>
+              </a:spcBef>
+              <a:buClr>
+                <a:schemeClr val="dk2"/>
+              </a:buClr>
+              <a:buSzPct val="100000"/>
+              <a:buFont typeface="Arial"/>
+              <a:buChar char="●"/>
+            </a:pPr>
+            <a:r>
+              <a:rPr lang="en"/>
+              <a:t>Strong Consistency</a:t>
+            </a:r>
+          </a:p>
+          <a:p>
+            <a:pPr indent="-419100" lvl="0" marL="457200" rtl="0">
+              <a:spcBef>
+                <a:spcPts val="0"/>
+              </a:spcBef>
+              <a:buClr>
+                <a:schemeClr val="dk2"/>
+              </a:buClr>
+              <a:buSzPct val="100000"/>
+              <a:buFont typeface="Arial"/>
+              <a:buChar char="●"/>
+            </a:pPr>
+            <a:r>
+              <a:rPr lang="en"/>
+              <a:t>Cache &amp; DB </a:t>
+            </a:r>
+          </a:p>
+          <a:p>
+            <a:pPr indent="-419100" lvl="0" marL="457200" rtl="0">
+              <a:spcBef>
+                <a:spcPts val="0"/>
+              </a:spcBef>
+              <a:buClr>
+                <a:schemeClr val="dk2"/>
+              </a:buClr>
+              <a:buSzPct val="100000"/>
+              <a:buFont typeface="Arial"/>
+              <a:buChar char="●"/>
+            </a:pPr>
+            <a:r>
+              <a:rPr lang="en"/>
+              <a:t>TTL</a:t>
+            </a:r>
+          </a:p>
+          <a:p>
+            <a:pPr indent="-419100" lvl="0" marL="457200" rtl="0">
+              <a:spcBef>
+                <a:spcPts val="0"/>
+              </a:spcBef>
+              <a:buClr>
+                <a:schemeClr val="dk2"/>
+              </a:buClr>
+              <a:buSzPct val="100000"/>
+              <a:buFont typeface="Arial"/>
+              <a:buChar char="●"/>
+            </a:pPr>
+            <a:r>
+              <a:rPr lang="en"/>
+              <a:t>“Hard” to do slow Operations</a:t>
+            </a:r>
+          </a:p>
+          <a:p>
+            <a:pPr indent="-419100" lvl="0" marL="457200" rtl="0">
+              <a:spcBef>
+                <a:spcPts val="0"/>
+              </a:spcBef>
+              <a:buClr>
+                <a:schemeClr val="dk2"/>
+              </a:buClr>
+              <a:buSzPct val="100000"/>
+              <a:buFont typeface="Arial"/>
+              <a:buChar char="●"/>
+            </a:pPr>
+            <a:r>
+              <a:rPr lang="en"/>
+              <a:t>Easy to use and deploy</a:t>
+            </a:r>
+          </a:p>
+        </p:txBody>
+      </p:sp>
+    </p:spTree>
+  </p:cSld>
+  <p:clrMapOvr>
+    <a:masterClrMapping/>
+  </p:clrMapOvr>
+  <p:transition spd="slow">
+    <p:cut/>
+  </p:transition>
+</p:sld>
+</file>
+
+<file path=ppt/slides/slide21.xml><?xml version="1.0" encoding="utf-8"?>
+<p:sld xmlns:a="http://schemas.openxmlformats.org/drawingml/2006/main" xmlns:r="http://schemas.openxmlformats.org/officeDocument/2006/relationships" xmlns:mc="http://schemas.openxmlformats.org/markup-compatibility/2006" xmlns:mv="urn:schemas-microsoft-com:mac:vml" xmlns:p="http://schemas.openxmlformats.org/presentationml/2006/main" xmlns:c="http://schemas.openxmlformats.org/drawingml/2006/chart" xmlns:dgm="http://schemas.openxmlformats.org/drawingml/2006/diagram" xmlns:o="urn:schemas-microsoft-com:office:office" xmlns:v="urn:schemas-microsoft-com:vml" xmlns:pvml="urn:schemas-microsoft-com:office:powerpoint" xmlns:com="http://schemas.openxmlformats.org/drawingml/2006/compatibility" xmlns:p14="http://schemas.microsoft.com/office/powerpoint/2010/main">
+  <p:cSld>
+    <p:spTree>
+      <p:nvGrpSpPr>
+        <p:cNvPr id="205" name="Shape 205"/>
+        <p:cNvGrpSpPr/>
+        <p:nvPr/>
+      </p:nvGrpSpPr>
+      <p:grpSpPr>
+        <a:xfrm>
+          <a:off x="0" y="0"/>
+          <a:ext cx="0" cy="0"/>
+          <a:chOff x="0" y="0"/>
+          <a:chExt cx="0" cy="0"/>
+        </a:xfrm>
+      </p:grpSpPr>
+      <p:sp>
+        <p:nvSpPr>
+          <p:cNvPr id="206" name="Shape 206"/>
+          <p:cNvSpPr txBox="1"/>
+          <p:nvPr>
+            <p:ph type="title"/>
+          </p:nvPr>
+        </p:nvSpPr>
+        <p:spPr>
+          <a:xfrm>
+            <a:off x="457200" y="205977"/>
+            <a:ext cx="8229600" cy="1141499"/>
+          </a:xfrm>
+          <a:prstGeom prst="rect">
+            <a:avLst/>
+          </a:prstGeom>
+        </p:spPr>
+        <p:txBody>
+          <a:bodyPr anchorCtr="0" anchor="b" bIns="91425" lIns="91425" rIns="91425" tIns="91425">
+            <a:noAutofit/>
+          </a:bodyPr>
+          <a:lstStyle/>
+          <a:p>
+            <a:pPr>
+              <a:spcBef>
+                <a:spcPts val="0"/>
+              </a:spcBef>
+              <a:buNone/>
+            </a:pPr>
+            <a:r>
+              <a:rPr lang="en"/>
+              <a:t>Pitfalls...</a:t>
+            </a:r>
+          </a:p>
+        </p:txBody>
+      </p:sp>
+      <p:sp>
+        <p:nvSpPr>
+          <p:cNvPr id="207" name="Shape 207"/>
+          <p:cNvSpPr txBox="1"/>
+          <p:nvPr>
+            <p:ph idx="1" type="body"/>
+          </p:nvPr>
+        </p:nvSpPr>
+        <p:spPr>
+          <a:xfrm>
+            <a:off x="394600" y="1460499"/>
+            <a:ext cx="8229600" cy="3465299"/>
+          </a:xfrm>
+          <a:prstGeom prst="rect">
+            <a:avLst/>
+          </a:prstGeom>
+        </p:spPr>
+        <p:txBody>
+          <a:bodyPr anchorCtr="0" anchor="t" bIns="91425" lIns="91425" rIns="91425" tIns="91425">
+            <a:noAutofit/>
+          </a:bodyPr>
+          <a:lstStyle/>
+          <a:p>
+            <a:pPr indent="-419100" lvl="0" marL="457200" rtl="0">
+              <a:spcBef>
+                <a:spcPts val="0"/>
+              </a:spcBef>
+              <a:buClr>
+                <a:schemeClr val="dk2"/>
+              </a:buClr>
+              <a:buSzPct val="100000"/>
+              <a:buFont typeface="Arial"/>
+              <a:buChar char="●"/>
+            </a:pPr>
+            <a:r>
+              <a:rPr lang="en"/>
+              <a:t>Objects has to fully read in order to modify</a:t>
+            </a:r>
+          </a:p>
+          <a:p>
+            <a:pPr indent="-381000" lvl="1" marL="914400" rtl="0">
+              <a:spcBef>
+                <a:spcPts val="0"/>
+              </a:spcBef>
+              <a:buClr>
+                <a:schemeClr val="dk2"/>
+              </a:buClr>
+              <a:buSzPct val="80000"/>
+              <a:buFont typeface="Courier New"/>
+              <a:buChar char="o"/>
+            </a:pPr>
+            <a:r>
+              <a:rPr lang="en"/>
+              <a:t>to add item to list, you need to read the full list</a:t>
+            </a:r>
+          </a:p>
+          <a:p>
+            <a:pPr indent="-419100" lvl="0" marL="457200" rtl="0">
+              <a:spcBef>
+                <a:spcPts val="0"/>
+              </a:spcBef>
+              <a:buClr>
+                <a:schemeClr val="dk2"/>
+              </a:buClr>
+              <a:buSzPct val="100000"/>
+              <a:buFont typeface="Arial"/>
+              <a:buChar char="●"/>
+            </a:pPr>
+            <a:r>
+              <a:rPr lang="en"/>
+              <a:t>Since everything in memory, better to delete what you don’t use</a:t>
+            </a:r>
+          </a:p>
+          <a:p>
+            <a:pPr indent="-381000" lvl="1" marL="914400" rtl="0">
+              <a:spcBef>
+                <a:spcPts val="0"/>
+              </a:spcBef>
+              <a:buClr>
+                <a:schemeClr val="dk2"/>
+              </a:buClr>
+              <a:buSzPct val="80000"/>
+              <a:buFont typeface="Courier New"/>
+              <a:buChar char="o"/>
+            </a:pPr>
+            <a:r>
+              <a:rPr lang="en"/>
+              <a:t>Use TTL, whenever you can</a:t>
+            </a:r>
+          </a:p>
+          <a:p>
+            <a:pPr indent="-419100" lvl="0" marL="457200" rtl="0">
+              <a:spcBef>
+                <a:spcPts val="0"/>
+              </a:spcBef>
+              <a:buClr>
+                <a:schemeClr val="dk2"/>
+              </a:buClr>
+              <a:buSzPct val="100000"/>
+              <a:buFont typeface="Arial"/>
+              <a:buChar char="●"/>
+            </a:pPr>
+            <a:r>
+              <a:rPr lang="en"/>
+              <a:t>Enterprise Edition vs. Community Edition</a:t>
+            </a:r>
+          </a:p>
+          <a:p>
+            <a:pPr lvl="0" rtl="0">
+              <a:spcBef>
+                <a:spcPts val="0"/>
+              </a:spcBef>
+              <a:buNone/>
+            </a:pPr>
+            <a:r>
+              <a:t/>
+            </a:r>
+            <a:endParaRPr/>
+          </a:p>
+        </p:txBody>
+      </p:sp>
+    </p:spTree>
+  </p:cSld>
+  <p:clrMapOvr>
+    <a:masterClrMapping/>
+  </p:clrMapOvr>
+  <p:transition spd="slow">
+    <p:cut/>
+  </p:transition>
+</p:sld>
+</file>
+
+<file path=ppt/slides/slide22.xml><?xml version="1.0" encoding="utf-8"?>
+<p:sld xmlns:a="http://schemas.openxmlformats.org/drawingml/2006/main" xmlns:r="http://schemas.openxmlformats.org/officeDocument/2006/relationships" xmlns:mc="http://schemas.openxmlformats.org/markup-compatibility/2006" xmlns:mv="urn:schemas-microsoft-com:mac:vml" xmlns:p="http://schemas.openxmlformats.org/presentationml/2006/main" xmlns:c="http://schemas.openxmlformats.org/drawingml/2006/chart" xmlns:dgm="http://schemas.openxmlformats.org/drawingml/2006/diagram" xmlns:o="urn:schemas-microsoft-com:office:office" xmlns:v="urn:schemas-microsoft-com:vml" xmlns:pvml="urn:schemas-microsoft-com:office:powerpoint" xmlns:com="http://schemas.openxmlformats.org/drawingml/2006/compatibility" xmlns:p14="http://schemas.microsoft.com/office/powerpoint/2010/main">
+  <p:cSld>
+    <p:spTree>
+      <p:nvGrpSpPr>
+        <p:cNvPr id="211" name="Shape 211"/>
+        <p:cNvGrpSpPr/>
+        <p:nvPr/>
+      </p:nvGrpSpPr>
+      <p:grpSpPr>
+        <a:xfrm>
+          <a:off x="0" y="0"/>
+          <a:ext cx="0" cy="0"/>
+          <a:chOff x="0" y="0"/>
+          <a:chExt cx="0" cy="0"/>
+        </a:xfrm>
+      </p:grpSpPr>
+      <p:sp>
+        <p:nvSpPr>
+          <p:cNvPr id="212" name="Shape 212"/>
+          <p:cNvSpPr txBox="1"/>
+          <p:nvPr>
+            <p:ph type="title"/>
+          </p:nvPr>
+        </p:nvSpPr>
+        <p:spPr>
+          <a:xfrm>
+            <a:off x="457200" y="205977"/>
+            <a:ext cx="8229600" cy="1141499"/>
+          </a:xfrm>
+          <a:prstGeom prst="rect">
+            <a:avLst/>
+          </a:prstGeom>
+        </p:spPr>
+        <p:txBody>
+          <a:bodyPr anchorCtr="0" anchor="b" bIns="91425" lIns="91425" rIns="91425" tIns="91425">
+            <a:noAutofit/>
+          </a:bodyPr>
+          <a:lstStyle/>
+          <a:p>
+            <a:pPr rtl="0">
+              <a:spcBef>
+                <a:spcPts val="0"/>
+              </a:spcBef>
+              <a:buNone/>
+            </a:pPr>
+            <a:r>
+              <a:rPr lang="en"/>
+              <a:t>Couchbase Mobile - </a:t>
+            </a:r>
+          </a:p>
+          <a:p>
+            <a:pPr>
+              <a:spcBef>
+                <a:spcPts val="0"/>
+              </a:spcBef>
+              <a:buNone/>
+            </a:pPr>
+            <a:r>
+              <a:rPr lang="en" sz="2400"/>
+              <a:t>Not covered here…	</a:t>
+            </a:r>
+          </a:p>
+        </p:txBody>
+      </p:sp>
+      <p:sp>
+        <p:nvSpPr>
+          <p:cNvPr id="213" name="Shape 213"/>
+          <p:cNvSpPr txBox="1"/>
+          <p:nvPr>
+            <p:ph idx="1" type="body"/>
+          </p:nvPr>
+        </p:nvSpPr>
+        <p:spPr>
+          <a:xfrm>
+            <a:off x="457200" y="1460499"/>
+            <a:ext cx="8229600" cy="3465299"/>
+          </a:xfrm>
+          <a:prstGeom prst="rect">
+            <a:avLst/>
+          </a:prstGeom>
+        </p:spPr>
+        <p:txBody>
+          <a:bodyPr anchorCtr="0" anchor="t" bIns="91425" lIns="91425" rIns="91425" tIns="91425">
+            <a:noAutofit/>
+          </a:bodyPr>
+          <a:lstStyle/>
+          <a:p>
+            <a:pPr rtl="0">
+              <a:spcBef>
+                <a:spcPts val="0"/>
+              </a:spcBef>
+              <a:buNone/>
+            </a:pPr>
+            <a:r>
+              <a:rPr lang="en"/>
+              <a:t>Couchbase mobile is DB for mobile clients (instead of sqlite). </a:t>
+            </a:r>
+          </a:p>
+          <a:p>
+            <a:pPr rtl="0">
+              <a:spcBef>
+                <a:spcPts val="0"/>
+              </a:spcBef>
+              <a:buNone/>
+            </a:pPr>
+            <a:r>
+              <a:rPr lang="en"/>
+              <a:t>You can also sync it with the cloud.</a:t>
+            </a:r>
+          </a:p>
+          <a:p>
+            <a:pPr rtl="0">
+              <a:spcBef>
+                <a:spcPts val="0"/>
+              </a:spcBef>
+              <a:buNone/>
+            </a:pPr>
+            <a:r>
+              <a:rPr lang="en"/>
+              <a:t>We did not use it, and it is not covered here, but just to mention…</a:t>
+            </a:r>
+          </a:p>
+          <a:p>
+            <a:pPr>
+              <a:spcBef>
+                <a:spcPts val="0"/>
+              </a:spcBef>
+              <a:buNone/>
+            </a:pPr>
+            <a:r>
+              <a:t/>
+            </a:r>
+            <a:endParaRPr/>
+          </a:p>
+        </p:txBody>
+      </p:sp>
+    </p:spTree>
+  </p:cSld>
+  <p:clrMapOvr>
+    <a:masterClrMapping/>
+  </p:clrMapOvr>
+  <p:transition spd="slow">
+    <p:cut/>
+  </p:transition>
+</p:sld>
+</file>
+
+<file path=ppt/slides/slide23.xml><?xml version="1.0" encoding="utf-8"?>
+<p:sld xmlns:a="http://schemas.openxmlformats.org/drawingml/2006/main" xmlns:r="http://schemas.openxmlformats.org/officeDocument/2006/relationships" xmlns:mc="http://schemas.openxmlformats.org/markup-compatibility/2006" xmlns:mv="urn:schemas-microsoft-com:mac:vml" xmlns:p="http://schemas.openxmlformats.org/presentationml/2006/main" xmlns:c="http://schemas.openxmlformats.org/drawingml/2006/chart" xmlns:dgm="http://schemas.openxmlformats.org/drawingml/2006/diagram" xmlns:o="urn:schemas-microsoft-com:office:office" xmlns:v="urn:schemas-microsoft-com:vml" xmlns:pvml="urn:schemas-microsoft-com:office:powerpoint" xmlns:com="http://schemas.openxmlformats.org/drawingml/2006/compatibility" xmlns:p14="http://schemas.microsoft.com/office/powerpoint/2010/main">
+  <p:cSld>
+    <p:spTree>
+      <p:nvGrpSpPr>
+        <p:cNvPr id="217" name="Shape 217"/>
+        <p:cNvGrpSpPr/>
+        <p:nvPr/>
+      </p:nvGrpSpPr>
+      <p:grpSpPr>
+        <a:xfrm>
+          <a:off x="0" y="0"/>
+          <a:ext cx="0" cy="0"/>
+          <a:chOff x="0" y="0"/>
+          <a:chExt cx="0" cy="0"/>
+        </a:xfrm>
+      </p:grpSpPr>
+      <p:sp>
+        <p:nvSpPr>
+          <p:cNvPr id="218" name="Shape 218"/>
+          <p:cNvSpPr txBox="1"/>
+          <p:nvPr>
+            <p:ph type="ctrTitle"/>
+          </p:nvPr>
+        </p:nvSpPr>
+        <p:spPr>
+          <a:xfrm>
+            <a:off x="685800" y="1300757"/>
+            <a:ext cx="7772400" cy="1684199"/>
+          </a:xfrm>
+          <a:prstGeom prst="rect">
+            <a:avLst/>
+          </a:prstGeom>
+        </p:spPr>
+        <p:txBody>
+          <a:bodyPr anchorCtr="0" anchor="b" bIns="91425" lIns="91425" rIns="91425" tIns="91425">
+            <a:noAutofit/>
+          </a:bodyPr>
+          <a:lstStyle/>
+          <a:p>
+            <a:pPr>
+              <a:spcBef>
+                <a:spcPts val="0"/>
+              </a:spcBef>
+              <a:buNone/>
+            </a:pPr>
+            <a:r>
+              <a:rPr lang="en"/>
+              <a:t>Let’s code	</a:t>
+            </a:r>
+          </a:p>
+        </p:txBody>
+      </p:sp>
+      <p:sp>
+        <p:nvSpPr>
+          <p:cNvPr id="219" name="Shape 219"/>
+          <p:cNvSpPr txBox="1"/>
+          <p:nvPr>
+            <p:ph idx="1" type="subTitle"/>
+          </p:nvPr>
+        </p:nvSpPr>
+        <p:spPr>
+          <a:xfrm>
+            <a:off x="685800" y="3093357"/>
+            <a:ext cx="7772400" cy="712499"/>
+          </a:xfrm>
+          <a:prstGeom prst="rect">
+            <a:avLst/>
+          </a:prstGeom>
+        </p:spPr>
+        <p:txBody>
+          <a:bodyPr anchorCtr="0" anchor="ctr" bIns="91425" lIns="91425" rIns="91425" tIns="91425">
+            <a:noAutofit/>
+          </a:bodyPr>
+          <a:lstStyle/>
+          <a:p>
+            <a:pPr>
+              <a:spcBef>
+                <a:spcPts val="0"/>
+              </a:spcBef>
+              <a:buNone/>
+            </a:pPr>
+            <a:r>
+              <a:t/>
+            </a:r>
+            <a:endParaRPr/>
+          </a:p>
+        </p:txBody>
+      </p:sp>
+    </p:spTree>
+  </p:cSld>
+  <p:clrMapOvr>
+    <a:masterClrMapping/>
+  </p:clrMapOvr>
+  <p:transition spd="slow">
+    <p:cut/>
+  </p:transition>
+</p:sld>
+</file>
+
+<file path=ppt/slides/slide24.xml><?xml version="1.0" encoding="utf-8"?>
+<p:sld xmlns:a="http://schemas.openxmlformats.org/drawingml/2006/main" xmlns:r="http://schemas.openxmlformats.org/officeDocument/2006/relationships" xmlns:mc="http://schemas.openxmlformats.org/markup-compatibility/2006" xmlns:mv="urn:schemas-microsoft-com:mac:vml" xmlns:p="http://schemas.openxmlformats.org/presentationml/2006/main" xmlns:c="http://schemas.openxmlformats.org/drawingml/2006/chart" xmlns:dgm="http://schemas.openxmlformats.org/drawingml/2006/diagram" xmlns:o="urn:schemas-microsoft-com:office:office" xmlns:v="urn:schemas-microsoft-com:vml" xmlns:pvml="urn:schemas-microsoft-com:office:powerpoint" xmlns:com="http://schemas.openxmlformats.org/drawingml/2006/compatibility" xmlns:p14="http://schemas.microsoft.com/office/powerpoint/2010/main">
+  <p:cSld>
+    <p:spTree>
+      <p:nvGrpSpPr>
+        <p:cNvPr id="223" name="Shape 223"/>
+        <p:cNvGrpSpPr/>
+        <p:nvPr/>
+      </p:nvGrpSpPr>
+      <p:grpSpPr>
+        <a:xfrm>
+          <a:off x="0" y="0"/>
+          <a:ext cx="0" cy="0"/>
+          <a:chOff x="0" y="0"/>
+          <a:chExt cx="0" cy="0"/>
+        </a:xfrm>
+      </p:grpSpPr>
+      <p:sp>
+        <p:nvSpPr>
+          <p:cNvPr id="224" name="Shape 224"/>
+          <p:cNvSpPr txBox="1"/>
+          <p:nvPr>
+            <p:ph type="title"/>
+          </p:nvPr>
+        </p:nvSpPr>
+        <p:spPr>
+          <a:xfrm>
+            <a:off x="457200" y="205977"/>
+            <a:ext cx="8229600" cy="1141499"/>
+          </a:xfrm>
+          <a:prstGeom prst="rect">
+            <a:avLst/>
+          </a:prstGeom>
+        </p:spPr>
+        <p:txBody>
+          <a:bodyPr anchorCtr="0" anchor="b" bIns="91425" lIns="91425" rIns="91425" tIns="91425">
+            <a:noAutofit/>
+          </a:bodyPr>
+          <a:lstStyle/>
+          <a:p>
+            <a:pPr>
+              <a:spcBef>
+                <a:spcPts val="0"/>
+              </a:spcBef>
+              <a:buNone/>
+            </a:pPr>
+            <a:r>
+              <a:rPr lang="en"/>
+              <a:t>How Can We:</a:t>
+            </a:r>
+          </a:p>
+        </p:txBody>
+      </p:sp>
+      <p:sp>
+        <p:nvSpPr>
+          <p:cNvPr id="225" name="Shape 225"/>
+          <p:cNvSpPr txBox="1"/>
+          <p:nvPr>
+            <p:ph idx="1" type="body"/>
+          </p:nvPr>
+        </p:nvSpPr>
+        <p:spPr>
+          <a:xfrm>
+            <a:off x="457200" y="1460499"/>
+            <a:ext cx="8229600" cy="3465299"/>
+          </a:xfrm>
+          <a:prstGeom prst="rect">
+            <a:avLst/>
+          </a:prstGeom>
+        </p:spPr>
+        <p:txBody>
+          <a:bodyPr anchorCtr="0" anchor="t" bIns="91425" lIns="91425" rIns="91425" tIns="91425">
+            <a:noAutofit/>
+          </a:bodyPr>
+          <a:lstStyle/>
+          <a:p>
+            <a:pPr indent="-419100" lvl="0" marL="457200" rtl="0">
+              <a:spcBef>
+                <a:spcPts val="0"/>
+              </a:spcBef>
+              <a:buClr>
+                <a:schemeClr val="dk2"/>
+              </a:buClr>
+              <a:buSzPct val="100000"/>
+              <a:buFont typeface="Arial"/>
+              <a:buChar char="●"/>
+            </a:pPr>
+            <a:r>
+              <a:rPr lang="en"/>
+              <a:t>count users per country</a:t>
+            </a:r>
+          </a:p>
+          <a:p>
+            <a:pPr indent="-419100" lvl="0" marL="457200" rtl="0">
+              <a:spcBef>
+                <a:spcPts val="0"/>
+              </a:spcBef>
+              <a:buClr>
+                <a:schemeClr val="dk2"/>
+              </a:buClr>
+              <a:buSzPct val="100000"/>
+              <a:buFont typeface="Arial"/>
+              <a:buChar char="●"/>
+            </a:pPr>
+            <a:r>
+              <a:rPr lang="en"/>
+              <a:t>count users per join year/join month/join day</a:t>
+            </a:r>
+          </a:p>
+          <a:p>
+            <a:pPr indent="-381000" lvl="1" marL="914400" rtl="0">
+              <a:spcBef>
+                <a:spcPts val="0"/>
+              </a:spcBef>
+              <a:buClr>
+                <a:schemeClr val="dk2"/>
+              </a:buClr>
+              <a:buSzPct val="80000"/>
+              <a:buFont typeface="Courier New"/>
+              <a:buChar char="o"/>
+            </a:pPr>
+            <a:r>
+              <a:rPr lang="en"/>
+              <a:t>e.g. 2015?</a:t>
+            </a:r>
+          </a:p>
+          <a:p>
+            <a:pPr indent="-381000" lvl="1" marL="914400" rtl="0">
+              <a:spcBef>
+                <a:spcPts val="0"/>
+              </a:spcBef>
+              <a:buClr>
+                <a:schemeClr val="dk2"/>
+              </a:buClr>
+              <a:buSzPct val="80000"/>
+              <a:buFont typeface="Courier New"/>
+              <a:buChar char="o"/>
+            </a:pPr>
+            <a:r>
+              <a:rPr lang="en"/>
+              <a:t>e.g March 2015?</a:t>
+            </a:r>
+          </a:p>
+          <a:p>
+            <a:pPr indent="-381000" lvl="1" marL="914400" rtl="0">
+              <a:spcBef>
+                <a:spcPts val="0"/>
+              </a:spcBef>
+              <a:buClr>
+                <a:schemeClr val="dk2"/>
+              </a:buClr>
+              <a:buSzPct val="80000"/>
+              <a:buFont typeface="Courier New"/>
+              <a:buChar char="o"/>
+            </a:pPr>
+            <a:r>
+              <a:rPr lang="en"/>
+              <a:t>e.g. 14 March 2014?</a:t>
+            </a:r>
+          </a:p>
+          <a:p>
+            <a:pPr indent="-419100" lvl="0" marL="457200" rtl="0">
+              <a:spcBef>
+                <a:spcPts val="0"/>
+              </a:spcBef>
+              <a:buClr>
+                <a:schemeClr val="dk2"/>
+              </a:buClr>
+              <a:buSzPct val="100000"/>
+              <a:buFont typeface="Arial"/>
+              <a:buChar char="●"/>
+            </a:pPr>
+            <a:r>
+              <a:rPr lang="en"/>
+              <a:t>Send messages to all IL Users?</a:t>
+            </a:r>
+          </a:p>
+          <a:p>
+            <a:pPr indent="-419100" lvl="0" marL="457200" rtl="0">
+              <a:spcBef>
+                <a:spcPts val="0"/>
+              </a:spcBef>
+              <a:buClr>
+                <a:schemeClr val="dk2"/>
+              </a:buClr>
+              <a:buSzPct val="100000"/>
+              <a:buFont typeface="Arial"/>
+              <a:buChar char="●"/>
+            </a:pPr>
+            <a:r>
+              <a:rPr lang="en"/>
+              <a:t>Sort the users by name? Find users whose name start with B?</a:t>
+            </a:r>
+          </a:p>
+          <a:p>
+            <a:pPr>
+              <a:spcBef>
+                <a:spcPts val="0"/>
+              </a:spcBef>
+              <a:buNone/>
+            </a:pPr>
+            <a:r>
+              <a:t/>
+            </a:r>
+            <a:endParaRPr/>
+          </a:p>
+        </p:txBody>
+      </p:sp>
+    </p:spTree>
+  </p:cSld>
+  <p:clrMapOvr>
+    <a:masterClrMapping/>
+  </p:clrMapOvr>
+  <p:transition spd="slow">
+    <p:cut/>
+  </p:transition>
+</p:sld>
+</file>
+
+<file path=ppt/slides/slide25.xml><?xml version="1.0" encoding="utf-8"?>
+<p:sld xmlns:a="http://schemas.openxmlformats.org/drawingml/2006/main" xmlns:r="http://schemas.openxmlformats.org/officeDocument/2006/relationships" xmlns:mc="http://schemas.openxmlformats.org/markup-compatibility/2006" xmlns:mv="urn:schemas-microsoft-com:mac:vml" xmlns:p="http://schemas.openxmlformats.org/presentationml/2006/main" xmlns:c="http://schemas.openxmlformats.org/drawingml/2006/chart" xmlns:dgm="http://schemas.openxmlformats.org/drawingml/2006/diagram" xmlns:o="urn:schemas-microsoft-com:office:office" xmlns:v="urn:schemas-microsoft-com:vml" xmlns:pvml="urn:schemas-microsoft-com:office:powerpoint" xmlns:com="http://schemas.openxmlformats.org/drawingml/2006/compatibility" xmlns:p14="http://schemas.microsoft.com/office/powerpoint/2010/main">
+  <p:cSld>
+    <p:spTree>
+      <p:nvGrpSpPr>
+        <p:cNvPr id="229" name="Shape 229"/>
+        <p:cNvGrpSpPr/>
+        <p:nvPr/>
+      </p:nvGrpSpPr>
+      <p:grpSpPr>
+        <a:xfrm>
+          <a:off x="0" y="0"/>
+          <a:ext cx="0" cy="0"/>
+          <a:chOff x="0" y="0"/>
+          <a:chExt cx="0" cy="0"/>
+        </a:xfrm>
+      </p:grpSpPr>
+      <p:sp>
+        <p:nvSpPr>
+          <p:cNvPr id="230" name="Shape 230"/>
+          <p:cNvSpPr txBox="1"/>
+          <p:nvPr>
+            <p:ph type="title"/>
+          </p:nvPr>
+        </p:nvSpPr>
+        <p:spPr>
+          <a:xfrm>
+            <a:off x="457200" y="205977"/>
+            <a:ext cx="8229600" cy="1141499"/>
+          </a:xfrm>
+          <a:prstGeom prst="rect">
+            <a:avLst/>
+          </a:prstGeom>
+        </p:spPr>
+        <p:txBody>
+          <a:bodyPr anchorCtr="0" anchor="b" bIns="91425" lIns="91425" rIns="91425" tIns="91425">
+            <a:noAutofit/>
+          </a:bodyPr>
+          <a:lstStyle/>
+          <a:p>
+            <a:pPr>
+              <a:spcBef>
+                <a:spcPts val="0"/>
+              </a:spcBef>
+              <a:buNone/>
+            </a:pPr>
+            <a:r>
+              <a:t/>
+            </a:r>
+            <a:endParaRPr/>
+          </a:p>
+        </p:txBody>
+      </p:sp>
+      <p:sp>
+        <p:nvSpPr>
+          <p:cNvPr id="231" name="Shape 231"/>
+          <p:cNvSpPr txBox="1"/>
+          <p:nvPr>
+            <p:ph idx="1" type="body"/>
+          </p:nvPr>
+        </p:nvSpPr>
+        <p:spPr>
+          <a:xfrm>
+            <a:off x="457200" y="1460499"/>
+            <a:ext cx="8229600" cy="3465299"/>
+          </a:xfrm>
+          <a:prstGeom prst="rect">
+            <a:avLst/>
+          </a:prstGeom>
+        </p:spPr>
+        <p:txBody>
+          <a:bodyPr anchorCtr="0" anchor="t" bIns="91425" lIns="91425" rIns="91425" tIns="91425">
+            <a:noAutofit/>
+          </a:bodyPr>
+          <a:lstStyle/>
+          <a:p>
+            <a:pPr rtl="0">
+              <a:spcBef>
+                <a:spcPts val="0"/>
+              </a:spcBef>
+              <a:buNone/>
+            </a:pPr>
+            <a:r>
+              <a:rPr lang="en"/>
+              <a:t>We can do some manually, like the phone, but:</a:t>
+            </a:r>
+          </a:p>
+          <a:p>
+            <a:pPr indent="-419100" lvl="0" marL="457200" rtl="0">
+              <a:spcBef>
+                <a:spcPts val="0"/>
+              </a:spcBef>
+              <a:buClr>
+                <a:schemeClr val="dk2"/>
+              </a:buClr>
+              <a:buSzPct val="100000"/>
+              <a:buFont typeface="Arial"/>
+              <a:buChar char="●"/>
+            </a:pPr>
+            <a:r>
+              <a:rPr lang="en"/>
+              <a:t>big lists</a:t>
+            </a:r>
+          </a:p>
+          <a:p>
+            <a:pPr indent="-419100" lvl="0" marL="457200" rtl="0">
+              <a:spcBef>
+                <a:spcPts val="0"/>
+              </a:spcBef>
+              <a:buClr>
+                <a:schemeClr val="dk2"/>
+              </a:buClr>
+              <a:buSzPct val="100000"/>
+              <a:buFont typeface="Arial"/>
+              <a:buChar char="●"/>
+            </a:pPr>
+            <a:r>
+              <a:rPr lang="en"/>
+              <a:t>need to maintain sorted</a:t>
+            </a:r>
+          </a:p>
+          <a:p>
+            <a:pPr indent="-419100" lvl="0" marL="457200" rtl="0">
+              <a:spcBef>
+                <a:spcPts val="0"/>
+              </a:spcBef>
+              <a:buClr>
+                <a:schemeClr val="dk2"/>
+              </a:buClr>
+              <a:buSzPct val="100000"/>
+              <a:buFont typeface="Arial"/>
+              <a:buChar char="●"/>
+            </a:pPr>
+            <a:r>
+              <a:rPr lang="en"/>
+              <a:t>need to update every time user change name or country</a:t>
+            </a:r>
+          </a:p>
+          <a:p>
+            <a:pPr indent="-419100" lvl="0" marL="457200" rtl="0">
+              <a:spcBef>
+                <a:spcPts val="0"/>
+              </a:spcBef>
+              <a:buClr>
+                <a:schemeClr val="dk2"/>
+              </a:buClr>
+              <a:buSzPct val="100000"/>
+              <a:buFont typeface="Arial"/>
+              <a:buChar char="●"/>
+            </a:pPr>
+            <a:r>
+              <a:rPr lang="en"/>
+              <a:t>Need to transfer the full list in one chunk</a:t>
+            </a:r>
+          </a:p>
+          <a:p>
+            <a:pPr indent="-419100" lvl="0" marL="457200" rtl="0">
+              <a:spcBef>
+                <a:spcPts val="0"/>
+              </a:spcBef>
+              <a:buClr>
+                <a:schemeClr val="dk2"/>
+              </a:buClr>
+              <a:buSzPct val="100000"/>
+              <a:buFont typeface="Arial"/>
+              <a:buChar char="●"/>
+            </a:pPr>
+            <a:r>
+              <a:rPr lang="en"/>
+              <a:t>List can be too big for one couchbase doc (20 MB)</a:t>
+            </a:r>
+          </a:p>
+        </p:txBody>
+      </p:sp>
+    </p:spTree>
+  </p:cSld>
+  <p:clrMapOvr>
+    <a:masterClrMapping/>
+  </p:clrMapOvr>
+  <p:transition spd="slow">
+    <p:cut/>
+  </p:transition>
+</p:sld>
+</file>
+
+<file path=ppt/slides/slide26.xml><?xml version="1.0" encoding="utf-8"?>
+<p:sld xmlns:a="http://schemas.openxmlformats.org/drawingml/2006/main" xmlns:r="http://schemas.openxmlformats.org/officeDocument/2006/relationships" xmlns:mc="http://schemas.openxmlformats.org/markup-compatibility/2006" xmlns:mv="urn:schemas-microsoft-com:mac:vml" xmlns:p="http://schemas.openxmlformats.org/presentationml/2006/main" xmlns:c="http://schemas.openxmlformats.org/drawingml/2006/chart" xmlns:dgm="http://schemas.openxmlformats.org/drawingml/2006/diagram" xmlns:o="urn:schemas-microsoft-com:office:office" xmlns:v="urn:schemas-microsoft-com:vml" xmlns:pvml="urn:schemas-microsoft-com:office:powerpoint" xmlns:com="http://schemas.openxmlformats.org/drawingml/2006/compatibility" xmlns:p14="http://schemas.microsoft.com/office/powerpoint/2010/main">
+  <p:cSld>
+    <p:spTree>
+      <p:nvGrpSpPr>
+        <p:cNvPr id="235" name="Shape 235"/>
+        <p:cNvGrpSpPr/>
+        <p:nvPr/>
+      </p:nvGrpSpPr>
+      <p:grpSpPr>
+        <a:xfrm>
+          <a:off x="0" y="0"/>
+          <a:ext cx="0" cy="0"/>
+          <a:chOff x="0" y="0"/>
+          <a:chExt cx="0" cy="0"/>
+        </a:xfrm>
+      </p:grpSpPr>
+      <p:sp>
+        <p:nvSpPr>
+          <p:cNvPr id="236" name="Shape 236"/>
+          <p:cNvSpPr txBox="1"/>
+          <p:nvPr>
+            <p:ph type="title"/>
+          </p:nvPr>
+        </p:nvSpPr>
+        <p:spPr>
+          <a:xfrm>
+            <a:off x="457200" y="205977"/>
+            <a:ext cx="8229600" cy="1141499"/>
+          </a:xfrm>
+          <a:prstGeom prst="rect">
+            <a:avLst/>
+          </a:prstGeom>
+        </p:spPr>
+        <p:txBody>
+          <a:bodyPr anchorCtr="0" anchor="b" bIns="91425" lIns="91425" rIns="91425" tIns="91425">
+            <a:noAutofit/>
+          </a:bodyPr>
+          <a:lstStyle/>
+          <a:p>
+            <a:pPr>
+              <a:spcBef>
+                <a:spcPts val="0"/>
+              </a:spcBef>
+              <a:buNone/>
+            </a:pPr>
+            <a:r>
+              <a:rPr lang="en"/>
+              <a:t>Solution: Views</a:t>
+            </a:r>
+          </a:p>
+        </p:txBody>
+      </p:sp>
+      <p:sp>
+        <p:nvSpPr>
+          <p:cNvPr id="237" name="Shape 237"/>
+          <p:cNvSpPr txBox="1"/>
+          <p:nvPr>
+            <p:ph idx="1" type="body"/>
+          </p:nvPr>
+        </p:nvSpPr>
+        <p:spPr>
+          <a:xfrm>
+            <a:off x="457200" y="1460499"/>
+            <a:ext cx="8229600" cy="3465299"/>
+          </a:xfrm>
+          <a:prstGeom prst="rect">
+            <a:avLst/>
+          </a:prstGeom>
+        </p:spPr>
+        <p:txBody>
+          <a:bodyPr anchorCtr="0" anchor="t" bIns="91425" lIns="91425" rIns="91425" tIns="91425">
+            <a:noAutofit/>
+          </a:bodyPr>
+          <a:lstStyle/>
+          <a:p>
+            <a:pPr indent="-419100" lvl="0" marL="457200" rtl="0">
+              <a:spcBef>
+                <a:spcPts val="0"/>
+              </a:spcBef>
+              <a:buClr>
+                <a:schemeClr val="dk2"/>
+              </a:buClr>
+              <a:buSzPct val="100000"/>
+              <a:buFont typeface="Arial"/>
+              <a:buChar char="●"/>
+            </a:pPr>
+            <a:r>
+              <a:rPr lang="en"/>
+              <a:t>Views are a way to define secondary indexes using Javascript and map-reduce</a:t>
+            </a:r>
+          </a:p>
+          <a:p>
+            <a:pPr indent="-419100" lvl="0" marL="457200" rtl="0">
+              <a:spcBef>
+                <a:spcPts val="0"/>
+              </a:spcBef>
+              <a:buClr>
+                <a:schemeClr val="dk2"/>
+              </a:buClr>
+              <a:buSzPct val="100000"/>
+              <a:buFont typeface="Arial"/>
+              <a:buChar char="●"/>
+            </a:pPr>
+            <a:r>
+              <a:rPr lang="en"/>
+              <a:t>Views are eventual consistent</a:t>
+            </a:r>
+          </a:p>
+          <a:p>
+            <a:pPr indent="-419100" lvl="0" marL="457200" rtl="0">
+              <a:spcBef>
+                <a:spcPts val="0"/>
+              </a:spcBef>
+              <a:buClr>
+                <a:schemeClr val="dk2"/>
+              </a:buClr>
+              <a:buSzPct val="100000"/>
+              <a:buFont typeface="Arial"/>
+              <a:buChar char="●"/>
+            </a:pPr>
+            <a:r>
+              <a:rPr lang="en"/>
+              <a:t>Prior to couchbase 3.0, there was big latency, but in couchbase 3.0 latency is very small</a:t>
+            </a:r>
+          </a:p>
+          <a:p>
+            <a:pPr>
+              <a:spcBef>
+                <a:spcPts val="0"/>
+              </a:spcBef>
+              <a:buNone/>
+            </a:pPr>
+            <a:r>
+              <a:t/>
+            </a:r>
+            <a:endParaRPr/>
+          </a:p>
+        </p:txBody>
+      </p:sp>
+    </p:spTree>
+  </p:cSld>
+  <p:clrMapOvr>
+    <a:masterClrMapping/>
+  </p:clrMapOvr>
+  <p:transition spd="slow">
+    <p:cut/>
+  </p:transition>
+</p:sld>
+</file>
+
+<file path=ppt/slides/slide27.xml><?xml version="1.0" encoding="utf-8"?>
+<p:sld xmlns:a="http://schemas.openxmlformats.org/drawingml/2006/main" xmlns:r="http://schemas.openxmlformats.org/officeDocument/2006/relationships" xmlns:mc="http://schemas.openxmlformats.org/markup-compatibility/2006" xmlns:mv="urn:schemas-microsoft-com:mac:vml" xmlns:p="http://schemas.openxmlformats.org/presentationml/2006/main" xmlns:c="http://schemas.openxmlformats.org/drawingml/2006/chart" xmlns:dgm="http://schemas.openxmlformats.org/drawingml/2006/diagram" xmlns:o="urn:schemas-microsoft-com:office:office" xmlns:v="urn:schemas-microsoft-com:vml" xmlns:pvml="urn:schemas-microsoft-com:office:powerpoint" xmlns:com="http://schemas.openxmlformats.org/drawingml/2006/compatibility" xmlns:p14="http://schemas.microsoft.com/office/powerpoint/2010/main">
+  <p:cSld>
+    <p:spTree>
+      <p:nvGrpSpPr>
+        <p:cNvPr id="241" name="Shape 241"/>
+        <p:cNvGrpSpPr/>
+        <p:nvPr/>
+      </p:nvGrpSpPr>
+      <p:grpSpPr>
+        <a:xfrm>
+          <a:off x="0" y="0"/>
+          <a:ext cx="0" cy="0"/>
+          <a:chOff x="0" y="0"/>
+          <a:chExt cx="0" cy="0"/>
+        </a:xfrm>
+      </p:grpSpPr>
+      <p:sp>
+        <p:nvSpPr>
+          <p:cNvPr id="242" name="Shape 242"/>
+          <p:cNvSpPr txBox="1"/>
+          <p:nvPr>
+            <p:ph type="title"/>
+          </p:nvPr>
+        </p:nvSpPr>
+        <p:spPr>
+          <a:xfrm>
+            <a:off x="457200" y="205977"/>
+            <a:ext cx="8229600" cy="1141499"/>
+          </a:xfrm>
+          <a:prstGeom prst="rect">
+            <a:avLst/>
+          </a:prstGeom>
+        </p:spPr>
+        <p:txBody>
+          <a:bodyPr anchorCtr="0" anchor="b" bIns="91425" lIns="91425" rIns="91425" tIns="91425">
+            <a:noAutofit/>
+          </a:bodyPr>
+          <a:lstStyle/>
+          <a:p>
+            <a:pPr>
+              <a:spcBef>
+                <a:spcPts val="0"/>
+              </a:spcBef>
+              <a:buNone/>
+            </a:pPr>
+            <a:r>
+              <a:t/>
+            </a:r>
+            <a:endParaRPr/>
+          </a:p>
+        </p:txBody>
+      </p:sp>
+      <p:sp>
+        <p:nvSpPr>
+          <p:cNvPr id="243" name="Shape 243"/>
+          <p:cNvSpPr txBox="1"/>
+          <p:nvPr>
+            <p:ph idx="1" type="body"/>
+          </p:nvPr>
+        </p:nvSpPr>
+        <p:spPr>
+          <a:xfrm>
+            <a:off x="457200" y="1460499"/>
+            <a:ext cx="8229600" cy="3465299"/>
+          </a:xfrm>
+          <a:prstGeom prst="rect">
+            <a:avLst/>
+          </a:prstGeom>
+        </p:spPr>
+        <p:txBody>
+          <a:bodyPr anchorCtr="0" anchor="t" bIns="91425" lIns="91425" rIns="91425" tIns="91425">
+            <a:noAutofit/>
+          </a:bodyPr>
+          <a:lstStyle/>
+          <a:p>
+            <a:pPr rtl="0">
+              <a:spcBef>
+                <a:spcPts val="0"/>
+              </a:spcBef>
+              <a:buNone/>
+            </a:pPr>
+            <a:r>
+              <a:rPr lang="en"/>
+              <a:t>Views are defined/edited and checked in development mode, and then moved to production</a:t>
+            </a:r>
+          </a:p>
+          <a:p>
+            <a:pPr>
+              <a:spcBef>
+                <a:spcPts val="0"/>
+              </a:spcBef>
+              <a:buNone/>
+            </a:pPr>
+            <a:r>
+              <a:t/>
+            </a:r>
+            <a:endParaRPr/>
+          </a:p>
+        </p:txBody>
+      </p:sp>
+    </p:spTree>
+  </p:cSld>
+  <p:clrMapOvr>
+    <a:masterClrMapping/>
+  </p:clrMapOvr>
+  <p:transition spd="slow">
+    <p:cut/>
+  </p:transition>
+</p:sld>
+</file>
+
+<file path=ppt/slides/slide28.xml><?xml version="1.0" encoding="utf-8"?>
+<p:sld xmlns:a="http://schemas.openxmlformats.org/drawingml/2006/main" xmlns:r="http://schemas.openxmlformats.org/officeDocument/2006/relationships" xmlns:mc="http://schemas.openxmlformats.org/markup-compatibility/2006" xmlns:mv="urn:schemas-microsoft-com:mac:vml" xmlns:p="http://schemas.openxmlformats.org/presentationml/2006/main" xmlns:c="http://schemas.openxmlformats.org/drawingml/2006/chart" xmlns:dgm="http://schemas.openxmlformats.org/drawingml/2006/diagram" xmlns:o="urn:schemas-microsoft-com:office:office" xmlns:v="urn:schemas-microsoft-com:vml" xmlns:pvml="urn:schemas-microsoft-com:office:powerpoint" xmlns:com="http://schemas.openxmlformats.org/drawingml/2006/compatibility" xmlns:p14="http://schemas.microsoft.com/office/powerpoint/2010/main">
+  <p:cSld>
+    <p:spTree>
+      <p:nvGrpSpPr>
+        <p:cNvPr id="247" name="Shape 247"/>
+        <p:cNvGrpSpPr/>
+        <p:nvPr/>
+      </p:nvGrpSpPr>
+      <p:grpSpPr>
+        <a:xfrm>
+          <a:off x="0" y="0"/>
+          <a:ext cx="0" cy="0"/>
+          <a:chOff x="0" y="0"/>
+          <a:chExt cx="0" cy="0"/>
+        </a:xfrm>
+      </p:grpSpPr>
+      <p:sp>
+        <p:nvSpPr>
+          <p:cNvPr id="248" name="Shape 248"/>
+          <p:cNvSpPr txBox="1"/>
+          <p:nvPr>
+            <p:ph type="title"/>
+          </p:nvPr>
+        </p:nvSpPr>
+        <p:spPr>
+          <a:xfrm>
+            <a:off x="457200" y="205977"/>
+            <a:ext cx="8229600" cy="1141499"/>
+          </a:xfrm>
+          <a:prstGeom prst="rect">
+            <a:avLst/>
+          </a:prstGeom>
+        </p:spPr>
+        <p:txBody>
+          <a:bodyPr anchorCtr="0" anchor="b" bIns="91425" lIns="91425" rIns="91425" tIns="91425">
+            <a:noAutofit/>
+          </a:bodyPr>
+          <a:lstStyle/>
+          <a:p>
+            <a:pPr lvl="0" rtl="0">
+              <a:spcBef>
+                <a:spcPts val="0"/>
+              </a:spcBef>
+              <a:buNone/>
+            </a:pPr>
+            <a:r>
+              <a:rPr lang="en"/>
+              <a:t>Agenda</a:t>
+            </a:r>
+          </a:p>
+        </p:txBody>
+      </p:sp>
+      <p:sp>
+        <p:nvSpPr>
+          <p:cNvPr id="249" name="Shape 249"/>
+          <p:cNvSpPr txBox="1"/>
+          <p:nvPr>
+            <p:ph idx="1" type="body"/>
+          </p:nvPr>
+        </p:nvSpPr>
+        <p:spPr>
+          <a:xfrm>
+            <a:off x="457200" y="1460499"/>
+            <a:ext cx="8229600" cy="3465299"/>
+          </a:xfrm>
+          <a:prstGeom prst="rect">
+            <a:avLst/>
+          </a:prstGeom>
+          <a:ln>
+            <a:noFill/>
+          </a:ln>
+        </p:spPr>
+        <p:txBody>
+          <a:bodyPr anchorCtr="0" anchor="t" bIns="91425" lIns="91425" rIns="91425" tIns="91425">
+            <a:noAutofit/>
+          </a:bodyPr>
+          <a:lstStyle/>
+          <a:p>
+            <a:pPr indent="-419100" lvl="0" marL="457200" rtl="0">
+              <a:spcBef>
+                <a:spcPts val="0"/>
+              </a:spcBef>
+              <a:buClr>
+                <a:schemeClr val="dk2"/>
+              </a:buClr>
+              <a:buSzPct val="100000"/>
+              <a:buFont typeface="Arial"/>
+              <a:buChar char="●"/>
+            </a:pPr>
+            <a:r>
+              <a:rPr lang="en"/>
+              <a:t>About INPLAY &amp; me</a:t>
+            </a:r>
+          </a:p>
+          <a:p>
+            <a:pPr indent="-419100" lvl="0" marL="457200" rtl="0">
+              <a:spcBef>
+                <a:spcPts val="0"/>
+              </a:spcBef>
+              <a:buClr>
+                <a:schemeClr val="dk2"/>
+              </a:buClr>
+              <a:buSzPct val="100000"/>
+              <a:buFont typeface="Arial"/>
+              <a:buChar char="●"/>
+            </a:pPr>
+            <a:r>
+              <a:rPr lang="en"/>
+              <a:t>NoSQL What and Why?</a:t>
+            </a:r>
+          </a:p>
+          <a:p>
+            <a:pPr indent="-419100" lvl="0" marL="457200" rtl="0">
+              <a:spcBef>
+                <a:spcPts val="0"/>
+              </a:spcBef>
+              <a:buClr>
+                <a:schemeClr val="dk2"/>
+              </a:buClr>
+              <a:buSzPct val="100000"/>
+              <a:buFont typeface="Arial"/>
+              <a:buChar char="●"/>
+            </a:pPr>
+            <a:r>
+              <a:rPr lang="en"/>
+              <a:t>Couchbase Overview</a:t>
+            </a:r>
+          </a:p>
+          <a:p>
+            <a:pPr indent="-419100" lvl="0" marL="457200" rtl="0">
+              <a:spcBef>
+                <a:spcPts val="0"/>
+              </a:spcBef>
+              <a:buClr>
+                <a:schemeClr val="dk2"/>
+              </a:buClr>
+              <a:buSzPct val="100000"/>
+              <a:buFont typeface="Arial"/>
+              <a:buChar char="●"/>
+            </a:pPr>
+            <a:r>
+              <a:rPr lang="en"/>
+              <a:t>Coding examples</a:t>
+            </a:r>
+          </a:p>
+          <a:p>
+            <a:pPr indent="-419100" lvl="0" marL="457200" rtl="0">
+              <a:spcBef>
+                <a:spcPts val="0"/>
+              </a:spcBef>
+              <a:buClr>
+                <a:schemeClr val="dk2"/>
+              </a:buClr>
+              <a:buSzPct val="100000"/>
+              <a:buFont typeface="Arial"/>
+              <a:buChar char="●"/>
+            </a:pPr>
+            <a:r>
+              <a:rPr lang="en"/>
+              <a:t>Conclusions</a:t>
+            </a:r>
+          </a:p>
+          <a:p>
+            <a:pPr lvl="0" rtl="0">
+              <a:spcBef>
+                <a:spcPts val="0"/>
+              </a:spcBef>
+              <a:buNone/>
+            </a:pPr>
+            <a:r>
+              <a:t/>
+            </a:r>
+            <a:endParaRPr/>
+          </a:p>
+          <a:p>
+            <a:pPr lvl="0" rtl="0">
+              <a:spcBef>
+                <a:spcPts val="0"/>
+              </a:spcBef>
+              <a:buNone/>
+            </a:pPr>
+            <a:r>
+              <a:t/>
+            </a:r>
+            <a:endParaRPr/>
+          </a:p>
+        </p:txBody>
+      </p:sp>
+    </p:spTree>
+  </p:cSld>
+  <p:clrMapOvr>
+    <a:masterClrMapping/>
+  </p:clrMapOvr>
+  <p:transition spd="slow">
+    <p:cut/>
+  </p:transition>
+</p:sld>
+</file>
+
+<file path=ppt/slides/slide29.xml><?xml version="1.0" encoding="utf-8"?>
+<p:sld xmlns:a="http://schemas.openxmlformats.org/drawingml/2006/main" xmlns:r="http://schemas.openxmlformats.org/officeDocument/2006/relationships" xmlns:mc="http://schemas.openxmlformats.org/markup-compatibility/2006" xmlns:mv="urn:schemas-microsoft-com:mac:vml" xmlns:p="http://schemas.openxmlformats.org/presentationml/2006/main" xmlns:c="http://schemas.openxmlformats.org/drawingml/2006/chart" xmlns:dgm="http://schemas.openxmlformats.org/drawingml/2006/diagram" xmlns:o="urn:schemas-microsoft-com:office:office" xmlns:v="urn:schemas-microsoft-com:vml" xmlns:pvml="urn:schemas-microsoft-com:office:powerpoint" xmlns:com="http://schemas.openxmlformats.org/drawingml/2006/compatibility" xmlns:p14="http://schemas.microsoft.com/office/powerpoint/2010/main">
+  <p:cSld>
+    <p:spTree>
+      <p:nvGrpSpPr>
+        <p:cNvPr id="253" name="Shape 253"/>
+        <p:cNvGrpSpPr/>
+        <p:nvPr/>
+      </p:nvGrpSpPr>
+      <p:grpSpPr>
+        <a:xfrm>
+          <a:off x="0" y="0"/>
+          <a:ext cx="0" cy="0"/>
+          <a:chOff x="0" y="0"/>
+          <a:chExt cx="0" cy="0"/>
+        </a:xfrm>
+      </p:grpSpPr>
+      <p:sp>
+        <p:nvSpPr>
+          <p:cNvPr id="254" name="Shape 254"/>
+          <p:cNvSpPr txBox="1"/>
+          <p:nvPr>
+            <p:ph type="title"/>
+          </p:nvPr>
+        </p:nvSpPr>
+        <p:spPr>
+          <a:xfrm>
+            <a:off x="457200" y="205977"/>
+            <a:ext cx="8229600" cy="1141499"/>
+          </a:xfrm>
+          <a:prstGeom prst="rect">
+            <a:avLst/>
+          </a:prstGeom>
+        </p:spPr>
+        <p:txBody>
+          <a:bodyPr anchorCtr="0" anchor="b" bIns="91425" lIns="91425" rIns="91425" tIns="91425">
+            <a:noAutofit/>
+          </a:bodyPr>
+          <a:lstStyle/>
+          <a:p>
+            <a:pPr>
+              <a:spcBef>
+                <a:spcPts val="0"/>
+              </a:spcBef>
+              <a:buNone/>
+            </a:pPr>
+            <a:r>
+              <a:rPr lang="en"/>
+              <a:t>What’s more?</a:t>
+            </a:r>
+          </a:p>
+        </p:txBody>
+      </p:sp>
+      <p:sp>
+        <p:nvSpPr>
+          <p:cNvPr id="255" name="Shape 255"/>
+          <p:cNvSpPr txBox="1"/>
+          <p:nvPr>
+            <p:ph idx="1" type="body"/>
+          </p:nvPr>
+        </p:nvSpPr>
+        <p:spPr>
+          <a:xfrm>
+            <a:off x="457200" y="1460499"/>
+            <a:ext cx="8229600" cy="3465299"/>
+          </a:xfrm>
+          <a:prstGeom prst="rect">
+            <a:avLst/>
+          </a:prstGeom>
+        </p:spPr>
+        <p:txBody>
+          <a:bodyPr anchorCtr="0" anchor="t" bIns="91425" lIns="91425" rIns="91425" tIns="91425">
+            <a:noAutofit/>
+          </a:bodyPr>
+          <a:lstStyle/>
+          <a:p>
+            <a:pPr indent="-419100" lvl="0" marL="457200" rtl="0">
+              <a:spcBef>
+                <a:spcPts val="0"/>
+              </a:spcBef>
+              <a:buClr>
+                <a:schemeClr val="dk2"/>
+              </a:buClr>
+              <a:buSzPct val="100000"/>
+              <a:buFont typeface="Arial"/>
+              <a:buChar char="●"/>
+            </a:pPr>
+            <a:r>
+              <a:rPr lang="en"/>
+              <a:t>N1QL - Query language for the data</a:t>
+            </a:r>
+          </a:p>
+          <a:p>
+            <a:pPr indent="-419100" lvl="0" marL="457200" rtl="0">
+              <a:spcBef>
+                <a:spcPts val="0"/>
+              </a:spcBef>
+              <a:buClr>
+                <a:schemeClr val="dk2"/>
+              </a:buClr>
+              <a:buSzPct val="100000"/>
+              <a:buFont typeface="Arial"/>
+              <a:buChar char="●"/>
+            </a:pPr>
+            <a:r>
+              <a:rPr lang="en"/>
+              <a:t>Integration with search engines and other 3rd party?</a:t>
+            </a:r>
+          </a:p>
+          <a:p>
+            <a:pPr indent="-419100" lvl="0" marL="457200">
+              <a:spcBef>
+                <a:spcPts val="0"/>
+              </a:spcBef>
+              <a:buClr>
+                <a:schemeClr val="dk2"/>
+              </a:buClr>
+              <a:buSzPct val="100000"/>
+              <a:buFont typeface="Arial"/>
+              <a:buChar char="●"/>
+            </a:pPr>
+            <a:r>
+              <a:rPr lang="en"/>
+              <a:t>Couchbase 4.0 - now in beta</a:t>
+            </a:r>
           </a:p>
         </p:txBody>
       </p:sp>
@@ -9536,7 +12663,7 @@
           </a:bodyPr>
           <a:lstStyle/>
           <a:p>
-            <a:pPr>
+            <a:pPr lvl="0" rtl="0">
               <a:spcBef>
                 <a:spcPts val="0"/>
               </a:spcBef>
@@ -9544,7 +12671,7 @@
             </a:pPr>
             <a:r>
               <a:rPr lang="en"/>
-              <a:t>INPLAY</a:t>
+              <a:t>Agenda</a:t>
             </a:r>
           </a:p>
         </p:txBody>
@@ -9565,6 +12692,9 @@
           <a:prstGeom prst="rect">
             <a:avLst/>
           </a:prstGeom>
+          <a:ln>
+            <a:noFill/>
+          </a:ln>
         </p:spPr>
         <p:txBody>
           <a:bodyPr anchorCtr="0" anchor="t" bIns="91425" lIns="91425" rIns="91425" tIns="91425">
@@ -9581,11 +12711,11 @@
               </a:buClr>
               <a:buSzPct val="100000"/>
               <a:buFont typeface="Arial"/>
-              <a:buChar char="❏"/>
+              <a:buChar char="●"/>
             </a:pPr>
             <a:r>
               <a:rPr lang="en"/>
-              <a:t>“Whatsapp” for football fans</a:t>
+              <a:t>About INPLAY &amp; me</a:t>
             </a:r>
           </a:p>
           <a:p>
@@ -9598,62 +12728,11 @@
               </a:buClr>
               <a:buSzPct val="100000"/>
               <a:buFont typeface="Arial"/>
-              <a:buChar char="❏"/>
+              <a:buChar char="●"/>
             </a:pPr>
             <a:r>
               <a:rPr lang="en"/>
-              <a:t>Chat application with unique tools for football fans:</a:t>
-            </a:r>
-          </a:p>
-          <a:p>
-            <a:pPr indent="-381000" lvl="1" marL="914400" rtl="0">
-              <a:spcBef>
-                <a:spcPts val="0"/>
-              </a:spcBef>
-              <a:buClr>
-                <a:schemeClr val="dk2"/>
-              </a:buClr>
-              <a:buSzPct val="80000"/>
-              <a:buFont typeface="Arial"/>
-              <a:buChar char="❏"/>
-            </a:pPr>
-            <a:r>
-              <a:rPr lang="en"/>
-              <a:t>predictions</a:t>
-            </a:r>
-          </a:p>
-          <a:p>
-            <a:pPr indent="-381000" lvl="1" marL="914400" rtl="0">
-              <a:spcBef>
-                <a:spcPts val="0"/>
-              </a:spcBef>
-              <a:buClr>
-                <a:schemeClr val="dk2"/>
-              </a:buClr>
-              <a:buSzPct val="80000"/>
-              <a:buFont typeface="Arial"/>
-              <a:buChar char="❏"/>
-            </a:pPr>
-            <a:r>
-              <a:rPr lang="en"/>
-              <a:t>special stickers</a:t>
-            </a:r>
-          </a:p>
-          <a:p>
-            <a:pPr indent="-381000" lvl="1" marL="914400" rtl="0">
-              <a:spcBef>
-                <a:spcPts val="0"/>
-              </a:spcBef>
-              <a:buClr>
-                <a:schemeClr val="dk2"/>
-              </a:buClr>
-              <a:buSzPct val="80000"/>
-              <a:buFont typeface="Arial"/>
-              <a:buChar char="❏"/>
-            </a:pPr>
-            <a:r>
-              <a:rPr lang="en"/>
-              <a:t>social media stream</a:t>
+              <a:t>NoSQL What and Why?</a:t>
             </a:r>
           </a:p>
           <a:p>
@@ -9666,15 +12745,61 @@
               </a:buClr>
               <a:buSzPct val="100000"/>
               <a:buFont typeface="Arial"/>
-              <a:buChar char="❏"/>
+              <a:buChar char="●"/>
             </a:pPr>
             <a:r>
               <a:rPr lang="en"/>
-              <a:t>Successful campaign with ONE</a:t>
-            </a:r>
-          </a:p>
-          <a:p>
-            <a:pPr>
+              <a:t>Couchbase Overview</a:t>
+            </a:r>
+          </a:p>
+          <a:p>
+            <a:pPr indent="-419100" lvl="0" marL="457200" rtl="0">
+              <a:spcBef>
+                <a:spcPts val="0"/>
+              </a:spcBef>
+              <a:buClr>
+                <a:schemeClr val="dk2"/>
+              </a:buClr>
+              <a:buSzPct val="100000"/>
+              <a:buFont typeface="Arial"/>
+              <a:buChar char="●"/>
+            </a:pPr>
+            <a:r>
+              <a:rPr lang="en"/>
+              <a:t>Coding examples</a:t>
+            </a:r>
+          </a:p>
+          <a:p>
+            <a:pPr indent="-419100" lvl="0" marL="457200" rtl="0">
+              <a:spcBef>
+                <a:spcPts val="0"/>
+              </a:spcBef>
+              <a:buClr>
+                <a:schemeClr val="dk2"/>
+              </a:buClr>
+              <a:buSzPct val="100000"/>
+              <a:buFont typeface="Arial"/>
+              <a:buChar char="●"/>
+            </a:pPr>
+            <a:r>
+              <a:rPr lang="en"/>
+              <a:t>Conclusions</a:t>
+            </a:r>
+          </a:p>
+          <a:p>
+            <a:pPr lvl="0" rtl="0">
+              <a:spcBef>
+                <a:spcPts val="0"/>
+              </a:spcBef>
+              <a:buNone/>
+            </a:pPr>
+            <a:r>
+              <a:t/>
+            </a:r>
+            <a:endParaRPr/>
+          </a:p>
+          <a:p>
+            <a:pPr lvl="0" rtl="0">
               <a:spcBef>
                 <a:spcPts val="0"/>
               </a:spcBef>
@@ -9715,90 +12840,180 @@
           <a:chExt cx="0" cy="0"/>
         </a:xfrm>
       </p:grpSpPr>
-      <p:pic>
-        <p:nvPicPr>
+      <p:sp>
+        <p:nvSpPr>
           <p:cNvPr id="54" name="Shape 54"/>
-          <p:cNvPicPr preferRelativeResize="0"/>
-          <p:nvPr/>
-        </p:nvPicPr>
-        <p:blipFill>
-          <a:blip r:embed="rId3">
-            <a:alphaModFix/>
-          </a:blip>
-          <a:stretch>
-            <a:fillRect/>
-          </a:stretch>
-        </p:blipFill>
-        <p:spPr>
-          <a:xfrm>
-            <a:off x="6559100" y="542525"/>
-            <a:ext cx="2072750" cy="3679126"/>
+          <p:cNvSpPr txBox="1"/>
+          <p:nvPr>
+            <p:ph type="title"/>
+          </p:nvPr>
+        </p:nvSpPr>
+        <p:spPr>
+          <a:xfrm>
+            <a:off x="457200" y="205977"/>
+            <a:ext cx="8229600" cy="1141499"/>
           </a:xfrm>
           <a:prstGeom prst="rect">
             <a:avLst/>
           </a:prstGeom>
-          <a:noFill/>
-          <a:ln>
-            <a:noFill/>
-          </a:ln>
-        </p:spPr>
-      </p:pic>
-      <p:pic>
-        <p:nvPicPr>
+        </p:spPr>
+        <p:txBody>
+          <a:bodyPr anchorCtr="0" anchor="b" bIns="91425" lIns="91425" rIns="91425" tIns="91425">
+            <a:noAutofit/>
+          </a:bodyPr>
+          <a:lstStyle/>
+          <a:p>
+            <a:pPr>
+              <a:spcBef>
+                <a:spcPts val="0"/>
+              </a:spcBef>
+              <a:buNone/>
+            </a:pPr>
+            <a:r>
+              <a:rPr lang="en"/>
+              <a:t>INPLAY</a:t>
+            </a:r>
+          </a:p>
+        </p:txBody>
+      </p:sp>
+      <p:sp>
+        <p:nvSpPr>
           <p:cNvPr id="55" name="Shape 55"/>
-          <p:cNvPicPr preferRelativeResize="0"/>
-          <p:nvPr/>
-        </p:nvPicPr>
-        <p:blipFill>
-          <a:blip r:embed="rId4">
-            <a:alphaModFix/>
-          </a:blip>
-          <a:stretch>
-            <a:fillRect/>
-          </a:stretch>
-        </p:blipFill>
-        <p:spPr>
-          <a:xfrm>
-            <a:off x="3856425" y="549974"/>
-            <a:ext cx="2072750" cy="3679100"/>
+          <p:cNvSpPr txBox="1"/>
+          <p:nvPr>
+            <p:ph idx="1" type="body"/>
+          </p:nvPr>
+        </p:nvSpPr>
+        <p:spPr>
+          <a:xfrm>
+            <a:off x="457200" y="1460499"/>
+            <a:ext cx="8229600" cy="3465299"/>
           </a:xfrm>
           <a:prstGeom prst="rect">
             <a:avLst/>
           </a:prstGeom>
-          <a:noFill/>
-          <a:ln>
-            <a:noFill/>
-          </a:ln>
-        </p:spPr>
-      </p:pic>
-      <p:pic>
-        <p:nvPicPr>
-          <p:cNvPr id="56" name="Shape 56"/>
-          <p:cNvPicPr preferRelativeResize="0"/>
-          <p:nvPr/>
-        </p:nvPicPr>
-        <p:blipFill>
-          <a:blip r:embed="rId5">
-            <a:alphaModFix/>
-          </a:blip>
-          <a:stretch>
-            <a:fillRect/>
-          </a:stretch>
-        </p:blipFill>
-        <p:spPr>
-          <a:xfrm>
-            <a:off x="650900" y="542525"/>
-            <a:ext cx="2072750" cy="3679143"/>
-          </a:xfrm>
-          <a:prstGeom prst="rect">
-            <a:avLst/>
-          </a:prstGeom>
-          <a:noFill/>
-          <a:ln>
-            <a:noFill/>
-          </a:ln>
-        </p:spPr>
-      </p:pic>
+        </p:spPr>
+        <p:txBody>
+          <a:bodyPr anchorCtr="0" anchor="t" bIns="91425" lIns="91425" rIns="91425" tIns="91425">
+            <a:noAutofit/>
+          </a:bodyPr>
+          <a:lstStyle/>
+          <a:p>
+            <a:pPr indent="-419100" lvl="0" marL="457200" rtl="0">
+              <a:spcBef>
+                <a:spcPts val="0"/>
+              </a:spcBef>
+              <a:buClr>
+                <a:schemeClr val="dk2"/>
+              </a:buClr>
+              <a:buSzPct val="100000"/>
+              <a:buFont typeface="Arial"/>
+              <a:buChar char="❏"/>
+            </a:pPr>
+            <a:r>
+              <a:rPr lang="en"/>
+              <a:t>“Whatsapp” for football fans</a:t>
+            </a:r>
+          </a:p>
+          <a:p>
+            <a:pPr indent="-419100" lvl="0" marL="457200" rtl="0">
+              <a:spcBef>
+                <a:spcPts val="0"/>
+              </a:spcBef>
+              <a:buClr>
+                <a:schemeClr val="dk2"/>
+              </a:buClr>
+              <a:buSzPct val="100000"/>
+              <a:buFont typeface="Arial"/>
+              <a:buChar char="❏"/>
+            </a:pPr>
+            <a:r>
+              <a:rPr lang="en"/>
+              <a:t>Chat application with unique tools for football fans:</a:t>
+            </a:r>
+          </a:p>
+          <a:p>
+            <a:pPr indent="-381000" lvl="1" marL="914400" rtl="0">
+              <a:spcBef>
+                <a:spcPts val="0"/>
+              </a:spcBef>
+              <a:buClr>
+                <a:schemeClr val="dk2"/>
+              </a:buClr>
+              <a:buSzPct val="80000"/>
+              <a:buFont typeface="Arial"/>
+              <a:buChar char="❏"/>
+            </a:pPr>
+            <a:r>
+              <a:rPr lang="en"/>
+              <a:t>predictions</a:t>
+            </a:r>
+          </a:p>
+          <a:p>
+            <a:pPr indent="-381000" lvl="1" marL="914400" rtl="0">
+              <a:spcBef>
+                <a:spcPts val="0"/>
+              </a:spcBef>
+              <a:buClr>
+                <a:schemeClr val="dk2"/>
+              </a:buClr>
+              <a:buSzPct val="80000"/>
+              <a:buFont typeface="Arial"/>
+              <a:buChar char="❏"/>
+            </a:pPr>
+            <a:r>
+              <a:rPr lang="en"/>
+              <a:t>special stickers</a:t>
+            </a:r>
+          </a:p>
+          <a:p>
+            <a:pPr indent="-381000" lvl="1" marL="914400" rtl="0">
+              <a:spcBef>
+                <a:spcPts val="0"/>
+              </a:spcBef>
+              <a:buClr>
+                <a:schemeClr val="dk2"/>
+              </a:buClr>
+              <a:buSzPct val="80000"/>
+              <a:buFont typeface="Arial"/>
+              <a:buChar char="❏"/>
+            </a:pPr>
+            <a:r>
+              <a:rPr lang="en"/>
+              <a:t>social media stream</a:t>
+            </a:r>
+          </a:p>
+          <a:p>
+            <a:pPr indent="-419100" lvl="0" marL="457200" rtl="0">
+              <a:spcBef>
+                <a:spcPts val="0"/>
+              </a:spcBef>
+              <a:buClr>
+                <a:schemeClr val="dk2"/>
+              </a:buClr>
+              <a:buSzPct val="100000"/>
+              <a:buFont typeface="Arial"/>
+              <a:buChar char="❏"/>
+            </a:pPr>
+            <a:r>
+              <a:rPr lang="en"/>
+              <a:t>Successful campaign with ONE</a:t>
+            </a:r>
+          </a:p>
+          <a:p>
+            <a:pPr>
+              <a:spcBef>
+                <a:spcPts val="0"/>
+              </a:spcBef>
+              <a:buNone/>
+            </a:pPr>
+            <a:r>
+              <a:t/>
+            </a:r>
+            <a:endParaRPr/>
+          </a:p>
+        </p:txBody>
+      </p:sp>
     </p:spTree>
   </p:cSld>
   <p:clrMapOvr>
@@ -9815,7 +13030,7 @@
   <p:cSld>
     <p:spTree>
       <p:nvGrpSpPr>
-        <p:cNvPr id="60" name="Shape 60"/>
+        <p:cNvPr id="59" name="Shape 59"/>
         <p:cNvGrpSpPr/>
         <p:nvPr/>
       </p:nvGrpSpPr>
@@ -9829,7 +13044,7 @@
       </p:grpSpPr>
       <p:pic>
         <p:nvPicPr>
-          <p:cNvPr id="61" name="Shape 61"/>
+          <p:cNvPr id="60" name="Shape 60"/>
           <p:cNvPicPr preferRelativeResize="0"/>
           <p:nvPr/>
         </p:nvPicPr>
@@ -9843,8 +13058,8 @@
         </p:blipFill>
         <p:spPr>
           <a:xfrm>
-            <a:off x="4146100" y="744637"/>
-            <a:ext cx="4679650" cy="2219974"/>
+            <a:off x="6559100" y="542525"/>
+            <a:ext cx="2072750" cy="3679126"/>
           </a:xfrm>
           <a:prstGeom prst="rect">
             <a:avLst/>
@@ -9857,7 +13072,7 @@
       </p:pic>
       <p:pic>
         <p:nvPicPr>
-          <p:cNvPr id="62" name="Shape 62"/>
+          <p:cNvPr id="61" name="Shape 61"/>
           <p:cNvPicPr preferRelativeResize="0"/>
           <p:nvPr/>
         </p:nvPicPr>
@@ -9871,8 +13086,8 @@
         </p:blipFill>
         <p:spPr>
           <a:xfrm>
-            <a:off x="304800" y="880975"/>
-            <a:ext cx="3183475" cy="1758874"/>
+            <a:off x="3856425" y="549974"/>
+            <a:ext cx="2072750" cy="3679100"/>
           </a:xfrm>
           <a:prstGeom prst="rect">
             <a:avLst/>
@@ -9885,7 +13100,7 @@
       </p:pic>
       <p:pic>
         <p:nvPicPr>
-          <p:cNvPr id="63" name="Shape 63"/>
+          <p:cNvPr id="62" name="Shape 62"/>
           <p:cNvPicPr preferRelativeResize="0"/>
           <p:nvPr/>
         </p:nvPicPr>
@@ -9899,8 +13114,8 @@
         </p:blipFill>
         <p:spPr>
           <a:xfrm>
-            <a:off x="581900" y="3336975"/>
-            <a:ext cx="8086725" cy="1304925"/>
+            <a:off x="650900" y="542525"/>
+            <a:ext cx="2072750" cy="3679143"/>
           </a:xfrm>
           <a:prstGeom prst="rect">
             <a:avLst/>
@@ -9927,7 +13142,7 @@
   <p:cSld>
     <p:spTree>
       <p:nvGrpSpPr>
-        <p:cNvPr id="67" name="Shape 67"/>
+        <p:cNvPr id="66" name="Shape 66"/>
         <p:cNvGrpSpPr/>
         <p:nvPr/>
       </p:nvGrpSpPr>
@@ -9939,157 +13154,9 @@
           <a:chExt cx="0" cy="0"/>
         </a:xfrm>
       </p:grpSpPr>
-      <p:sp>
-        <p:nvSpPr>
-          <p:cNvPr id="68" name="Shape 68"/>
-          <p:cNvSpPr txBox="1"/>
-          <p:nvPr>
-            <p:ph type="title"/>
-          </p:nvPr>
-        </p:nvSpPr>
-        <p:spPr>
-          <a:xfrm>
-            <a:off x="-2025500" y="3834527"/>
-            <a:ext cx="8229600" cy="1141499"/>
-          </a:xfrm>
-          <a:prstGeom prst="rect">
-            <a:avLst/>
-          </a:prstGeom>
-          <a:noFill/>
-          <a:ln>
-            <a:noFill/>
-          </a:ln>
-        </p:spPr>
-        <p:txBody>
-          <a:bodyPr anchorCtr="0" anchor="b" bIns="91425" lIns="91425" rIns="91425" tIns="91425">
-            <a:noAutofit/>
-          </a:bodyPr>
-          <a:lstStyle/>
-          <a:p>
-            <a:pPr>
-              <a:spcBef>
-                <a:spcPts val="0"/>
-              </a:spcBef>
-              <a:buNone/>
-            </a:pPr>
-            <a:r>
-              <a:rPr lang="en"/>
-              <a:t>About me</a:t>
-            </a:r>
-          </a:p>
-        </p:txBody>
-      </p:sp>
-      <p:sp>
-        <p:nvSpPr>
-          <p:cNvPr id="69" name="Shape 69"/>
-          <p:cNvSpPr txBox="1"/>
-          <p:nvPr>
-            <p:ph idx="1" type="body"/>
-          </p:nvPr>
-        </p:nvSpPr>
-        <p:spPr>
-          <a:xfrm>
-            <a:off x="457200" y="532075"/>
-            <a:ext cx="8229600" cy="4393799"/>
-          </a:xfrm>
-          <a:prstGeom prst="rect">
-            <a:avLst/>
-          </a:prstGeom>
-          <a:noFill/>
-          <a:ln>
-            <a:noFill/>
-          </a:ln>
-        </p:spPr>
-        <p:txBody>
-          <a:bodyPr anchorCtr="0" anchor="t" bIns="91425" lIns="91425" rIns="91425" tIns="91425">
-            <a:noAutofit/>
-          </a:bodyPr>
-          <a:lstStyle/>
-          <a:p>
-            <a:pPr indent="-419100" lvl="0" marL="457200" rtl="0">
-              <a:spcBef>
-                <a:spcPts val="0"/>
-              </a:spcBef>
-              <a:buClr>
-                <a:schemeClr val="dk2"/>
-              </a:buClr>
-              <a:buSzPct val="100000"/>
-              <a:buFont typeface="Arial"/>
-              <a:buChar char="❏"/>
-            </a:pPr>
-            <a:r>
-              <a:rPr lang="en"/>
-              <a:t>Eran Keydar </a:t>
-            </a:r>
-          </a:p>
-          <a:p>
-            <a:pPr indent="-419100" lvl="0" marL="457200" rtl="0">
-              <a:spcBef>
-                <a:spcPts val="0"/>
-              </a:spcBef>
-              <a:buClr>
-                <a:schemeClr val="dk2"/>
-              </a:buClr>
-              <a:buSzPct val="100000"/>
-              <a:buFont typeface="Arial"/>
-              <a:buChar char="❏"/>
-            </a:pPr>
-            <a:r>
-              <a:rPr lang="en"/>
-              <a:t>Worked 10 years in Verisity/Cadence</a:t>
-            </a:r>
-          </a:p>
-          <a:p>
-            <a:pPr indent="-419100" lvl="0" marL="457200" rtl="0">
-              <a:spcBef>
-                <a:spcPts val="0"/>
-              </a:spcBef>
-              <a:buClr>
-                <a:schemeClr val="dk2"/>
-              </a:buClr>
-              <a:buSzPct val="100000"/>
-              <a:buFont typeface="Arial"/>
-              <a:buChar char="❏"/>
-            </a:pPr>
-            <a:r>
-              <a:rPr lang="en"/>
-              <a:t>Moved to server side developing and worked in INPLAY</a:t>
-            </a:r>
-          </a:p>
-          <a:p>
-            <a:pPr indent="-419100" lvl="0" marL="457200" rtl="0">
-              <a:spcBef>
-                <a:spcPts val="0"/>
-              </a:spcBef>
-              <a:buClr>
-                <a:schemeClr val="dk2"/>
-              </a:buClr>
-              <a:buSzPct val="100000"/>
-              <a:buFont typeface="Arial"/>
-              <a:buChar char="❏"/>
-            </a:pPr>
-            <a:r>
-              <a:rPr lang="en"/>
-              <a:t>Active in Public Knowledge Workshop</a:t>
-            </a:r>
-          </a:p>
-          <a:p>
-            <a:pPr>
-              <a:spcBef>
-                <a:spcPts val="0"/>
-              </a:spcBef>
-              <a:buNone/>
-            </a:pPr>
-            <a:r>
-              <a:t/>
-            </a:r>
-            <a:endParaRPr/>
-          </a:p>
-        </p:txBody>
-      </p:sp>
       <p:pic>
         <p:nvPicPr>
-          <p:cNvPr id="70" name="Shape 70"/>
+          <p:cNvPr id="67" name="Shape 67"/>
           <p:cNvPicPr preferRelativeResize="0"/>
           <p:nvPr/>
         </p:nvPicPr>
@@ -10103,8 +13170,8 @@
         </p:blipFill>
         <p:spPr>
           <a:xfrm>
-            <a:off x="7616775" y="2457125"/>
-            <a:ext cx="646999" cy="646999"/>
+            <a:off x="4146100" y="744637"/>
+            <a:ext cx="4679650" cy="2219974"/>
           </a:xfrm>
           <a:prstGeom prst="rect">
             <a:avLst/>
@@ -10117,7 +13184,7 @@
       </p:pic>
       <p:pic>
         <p:nvPicPr>
-          <p:cNvPr id="71" name="Shape 71"/>
+          <p:cNvPr id="68" name="Shape 68"/>
           <p:cNvPicPr preferRelativeResize="0"/>
           <p:nvPr/>
         </p:nvPicPr>
@@ -10131,8 +13198,36 @@
         </p:blipFill>
         <p:spPr>
           <a:xfrm>
-            <a:off x="7268750" y="983550"/>
-            <a:ext cx="1343025" cy="495300"/>
+            <a:off x="304800" y="880975"/>
+            <a:ext cx="3183475" cy="1758874"/>
+          </a:xfrm>
+          <a:prstGeom prst="rect">
+            <a:avLst/>
+          </a:prstGeom>
+          <a:noFill/>
+          <a:ln>
+            <a:noFill/>
+          </a:ln>
+        </p:spPr>
+      </p:pic>
+      <p:pic>
+        <p:nvPicPr>
+          <p:cNvPr id="69" name="Shape 69"/>
+          <p:cNvPicPr preferRelativeResize="0"/>
+          <p:nvPr/>
+        </p:nvPicPr>
+        <p:blipFill>
+          <a:blip r:embed="rId5">
+            <a:alphaModFix/>
+          </a:blip>
+          <a:stretch>
+            <a:fillRect/>
+          </a:stretch>
+        </p:blipFill>
+        <p:spPr>
+          <a:xfrm>
+            <a:off x="581900" y="3336975"/>
+            <a:ext cx="8086725" cy="1304925"/>
           </a:xfrm>
           <a:prstGeom prst="rect">
             <a:avLst/>
@@ -10159,7 +13254,7 @@
   <p:cSld>
     <p:spTree>
       <p:nvGrpSpPr>
-        <p:cNvPr id="75" name="Shape 75"/>
+        <p:cNvPr id="73" name="Shape 73"/>
         <p:cNvGrpSpPr/>
         <p:nvPr/>
       </p:nvGrpSpPr>
@@ -10173,7 +13268,7 @@
       </p:grpSpPr>
       <p:sp>
         <p:nvSpPr>
-          <p:cNvPr id="76" name="Shape 76"/>
+          <p:cNvPr id="74" name="Shape 74"/>
           <p:cNvSpPr txBox="1"/>
           <p:nvPr>
             <p:ph type="title"/>
@@ -10181,12 +13276,16 @@
         </p:nvSpPr>
         <p:spPr>
           <a:xfrm>
-            <a:off x="457200" y="205977"/>
+            <a:off x="-2025500" y="3834527"/>
             <a:ext cx="8229600" cy="1141499"/>
           </a:xfrm>
           <a:prstGeom prst="rect">
             <a:avLst/>
           </a:prstGeom>
+          <a:noFill/>
+          <a:ln>
+            <a:noFill/>
+          </a:ln>
         </p:spPr>
         <p:txBody>
           <a:bodyPr anchorCtr="0" anchor="b" bIns="91425" lIns="91425" rIns="91425" tIns="91425">
@@ -10201,6 +13300,114 @@
               <a:buNone/>
             </a:pPr>
             <a:r>
+              <a:rPr lang="en"/>
+              <a:t>About me</a:t>
+            </a:r>
+          </a:p>
+        </p:txBody>
+      </p:sp>
+      <p:sp>
+        <p:nvSpPr>
+          <p:cNvPr id="75" name="Shape 75"/>
+          <p:cNvSpPr txBox="1"/>
+          <p:nvPr>
+            <p:ph idx="1" type="body"/>
+          </p:nvPr>
+        </p:nvSpPr>
+        <p:spPr>
+          <a:xfrm>
+            <a:off x="457200" y="532075"/>
+            <a:ext cx="8229600" cy="4393799"/>
+          </a:xfrm>
+          <a:prstGeom prst="rect">
+            <a:avLst/>
+          </a:prstGeom>
+          <a:noFill/>
+          <a:ln>
+            <a:noFill/>
+          </a:ln>
+        </p:spPr>
+        <p:txBody>
+          <a:bodyPr anchorCtr="0" anchor="t" bIns="91425" lIns="91425" rIns="91425" tIns="91425">
+            <a:noAutofit/>
+          </a:bodyPr>
+          <a:lstStyle/>
+          <a:p>
+            <a:pPr indent="-419100" lvl="0" marL="457200" rtl="0">
+              <a:spcBef>
+                <a:spcPts val="0"/>
+              </a:spcBef>
+              <a:buClr>
+                <a:schemeClr val="dk2"/>
+              </a:buClr>
+              <a:buSzPct val="100000"/>
+              <a:buFont typeface="Arial"/>
+              <a:buChar char="❏"/>
+            </a:pPr>
+            <a:r>
+              <a:rPr lang="en"/>
+              <a:t>Eran Keydar </a:t>
+            </a:r>
+          </a:p>
+          <a:p>
+            <a:pPr indent="-419100" lvl="0" marL="457200" rtl="0">
+              <a:spcBef>
+                <a:spcPts val="0"/>
+              </a:spcBef>
+              <a:buClr>
+                <a:schemeClr val="dk2"/>
+              </a:buClr>
+              <a:buSzPct val="100000"/>
+              <a:buFont typeface="Arial"/>
+              <a:buChar char="❏"/>
+            </a:pPr>
+            <a:r>
+              <a:rPr lang="en"/>
+              <a:t>Worked 10 years in Verisity/Cadence</a:t>
+            </a:r>
+          </a:p>
+          <a:p>
+            <a:pPr indent="-419100" lvl="0" marL="457200" rtl="0">
+              <a:spcBef>
+                <a:spcPts val="0"/>
+              </a:spcBef>
+              <a:buClr>
+                <a:schemeClr val="dk2"/>
+              </a:buClr>
+              <a:buSzPct val="100000"/>
+              <a:buFont typeface="Arial"/>
+              <a:buChar char="❏"/>
+            </a:pPr>
+            <a:r>
+              <a:rPr lang="en"/>
+              <a:t>Moved to server side developing and worked in INPLAY</a:t>
+            </a:r>
+          </a:p>
+          <a:p>
+            <a:pPr indent="-419100" lvl="0" marL="457200" rtl="0">
+              <a:spcBef>
+                <a:spcPts val="0"/>
+              </a:spcBef>
+              <a:buClr>
+                <a:schemeClr val="dk2"/>
+              </a:buClr>
+              <a:buSzPct val="100000"/>
+              <a:buFont typeface="Arial"/>
+              <a:buChar char="❏"/>
+            </a:pPr>
+            <a:r>
+              <a:rPr lang="en"/>
+              <a:t>Active in Public Knowledge Workshop</a:t>
+            </a:r>
+          </a:p>
+          <a:p>
+            <a:pPr>
+              <a:spcBef>
+                <a:spcPts val="0"/>
+              </a:spcBef>
+              <a:buNone/>
+            </a:pPr>
+            <a:r>
               <a:t/>
             </a:r>
             <a:endParaRPr/>
@@ -10209,7 +13416,7 @@
       </p:sp>
       <p:pic>
         <p:nvPicPr>
-          <p:cNvPr id="77" name="Shape 77"/>
+          <p:cNvPr id="76" name="Shape 76"/>
           <p:cNvPicPr preferRelativeResize="0"/>
           <p:nvPr/>
         </p:nvPicPr>
@@ -10223,8 +13430,36 @@
         </p:blipFill>
         <p:spPr>
           <a:xfrm>
-            <a:off x="319975" y="655225"/>
-            <a:ext cx="7183199" cy="3964499"/>
+            <a:off x="7616775" y="2457125"/>
+            <a:ext cx="646999" cy="646999"/>
+          </a:xfrm>
+          <a:prstGeom prst="rect">
+            <a:avLst/>
+          </a:prstGeom>
+          <a:noFill/>
+          <a:ln>
+            <a:noFill/>
+          </a:ln>
+        </p:spPr>
+      </p:pic>
+      <p:pic>
+        <p:nvPicPr>
+          <p:cNvPr id="77" name="Shape 77"/>
+          <p:cNvPicPr preferRelativeResize="0"/>
+          <p:nvPr/>
+        </p:nvPicPr>
+        <p:blipFill>
+          <a:blip r:embed="rId4">
+            <a:alphaModFix/>
+          </a:blip>
+          <a:stretch>
+            <a:fillRect/>
+          </a:stretch>
+        </p:blipFill>
+        <p:spPr>
+          <a:xfrm>
+            <a:off x="7268750" y="983550"/>
+            <a:ext cx="1343025" cy="495300"/>
           </a:xfrm>
           <a:prstGeom prst="rect">
             <a:avLst/>
@@ -10286,7 +13521,7 @@
           </a:bodyPr>
           <a:lstStyle/>
           <a:p>
-            <a:pPr>
+            <a:pPr lvl="0" rtl="0">
               <a:spcBef>
                 <a:spcPts val="0"/>
               </a:spcBef>
@@ -10294,7 +13529,7 @@
             </a:pPr>
             <a:r>
               <a:rPr lang="en"/>
-              <a:t>NoSQL</a:t>
+              <a:t>Agenda</a:t>
             </a:r>
           </a:p>
         </p:txBody>
@@ -10315,6 +13550,9 @@
           <a:prstGeom prst="rect">
             <a:avLst/>
           </a:prstGeom>
+          <a:ln>
+            <a:noFill/>
+          </a:ln>
         </p:spPr>
         <p:txBody>
           <a:bodyPr anchorCtr="0" anchor="t" bIns="91425" lIns="91425" rIns="91425" tIns="91425">
@@ -10335,7 +13573,7 @@
             </a:pPr>
             <a:r>
               <a:rPr lang="en"/>
-              <a:t>RDBMS are hard to scale</a:t>
+              <a:t>About INPLAY &amp; me</a:t>
             </a:r>
           </a:p>
           <a:p>
@@ -10352,7 +13590,7 @@
             </a:pPr>
             <a:r>
               <a:rPr lang="en"/>
-              <a:t>Flexible data model (semi-structured or not-structured) - no migrations</a:t>
+              <a:t>NoSQL What and Why?</a:t>
             </a:r>
           </a:p>
           <a:p>
@@ -10369,7 +13607,7 @@
             </a:pPr>
             <a:r>
               <a:rPr lang="en"/>
-              <a:t>Built to be distributed, horizontal scaling on commodity HW</a:t>
+              <a:t>Couchbase Overview</a:t>
             </a:r>
           </a:p>
           <a:p>
@@ -10386,7 +13624,7 @@
             </a:pPr>
             <a:r>
               <a:rPr lang="en"/>
-              <a:t>Built for web</a:t>
+              <a:t>Coding examples</a:t>
             </a:r>
           </a:p>
           <a:p>
@@ -10403,7 +13641,7 @@
             </a:pPr>
             <a:r>
               <a:rPr lang="en"/>
-              <a:t>Big Data</a:t>
+              <a:t>Conclusions</a:t>
             </a:r>
           </a:p>
           <a:p>
@@ -10419,7 +13657,7 @@
             <a:endParaRPr/>
           </a:p>
           <a:p>
-            <a:pPr>
+            <a:pPr lvl="0" rtl="0">
               <a:spcBef>
                 <a:spcPts val="0"/>
               </a:spcBef>
@@ -10490,9 +13728,9 @@
               <a:buNone/>
             </a:pPr>
             <a:r>
-              <a:rPr lang="en"/>
-              <a:t>NoSQL Examples</a:t>
-            </a:r>
+              <a:t/>
+            </a:r>
+            <a:endParaRPr/>
           </a:p>
         </p:txBody>
       </p:sp>
@@ -10512,8 +13750,8 @@
         </p:blipFill>
         <p:spPr>
           <a:xfrm>
-            <a:off x="457200" y="1524700"/>
-            <a:ext cx="2031598" cy="1141499"/>
+            <a:off x="319975" y="655225"/>
+            <a:ext cx="7183199" cy="3964499"/>
           </a:xfrm>
           <a:prstGeom prst="rect">
             <a:avLst/>
@@ -10524,381 +13762,6 @@
           </a:ln>
         </p:spPr>
       </p:pic>
-      <p:pic>
-        <p:nvPicPr>
-          <p:cNvPr id="90" name="Shape 90"/>
-          <p:cNvPicPr preferRelativeResize="0"/>
-          <p:nvPr/>
-        </p:nvPicPr>
-        <p:blipFill>
-          <a:blip r:embed="rId4">
-            <a:alphaModFix/>
-          </a:blip>
-          <a:stretch>
-            <a:fillRect/>
-          </a:stretch>
-        </p:blipFill>
-        <p:spPr>
-          <a:xfrm>
-            <a:off x="2620750" y="1484050"/>
-            <a:ext cx="3429000" cy="1276350"/>
-          </a:xfrm>
-          <a:prstGeom prst="rect">
-            <a:avLst/>
-          </a:prstGeom>
-          <a:noFill/>
-          <a:ln>
-            <a:noFill/>
-          </a:ln>
-        </p:spPr>
-      </p:pic>
-      <p:pic>
-        <p:nvPicPr>
-          <p:cNvPr id="91" name="Shape 91"/>
-          <p:cNvPicPr preferRelativeResize="0"/>
-          <p:nvPr/>
-        </p:nvPicPr>
-        <p:blipFill rotWithShape="1">
-          <a:blip r:embed="rId5">
-            <a:alphaModFix/>
-          </a:blip>
-          <a:srcRect b="-12880" l="0" r="0" t="12880"/>
-          <a:stretch/>
-        </p:blipFill>
-        <p:spPr>
-          <a:xfrm>
-            <a:off x="5515900" y="1634237"/>
-            <a:ext cx="3467100" cy="1057275"/>
-          </a:xfrm>
-          <a:prstGeom prst="rect">
-            <a:avLst/>
-          </a:prstGeom>
-          <a:noFill/>
-          <a:ln>
-            <a:noFill/>
-          </a:ln>
-        </p:spPr>
-      </p:pic>
-      <p:pic>
-        <p:nvPicPr>
-          <p:cNvPr id="92" name="Shape 92"/>
-          <p:cNvPicPr preferRelativeResize="0"/>
-          <p:nvPr/>
-        </p:nvPicPr>
-        <p:blipFill>
-          <a:blip r:embed="rId6">
-            <a:alphaModFix/>
-          </a:blip>
-          <a:stretch>
-            <a:fillRect/>
-          </a:stretch>
-        </p:blipFill>
-        <p:spPr>
-          <a:xfrm>
-            <a:off x="325237" y="2897000"/>
-            <a:ext cx="2295524" cy="1543050"/>
-          </a:xfrm>
-          <a:prstGeom prst="rect">
-            <a:avLst/>
-          </a:prstGeom>
-          <a:noFill/>
-          <a:ln>
-            <a:noFill/>
-          </a:ln>
-        </p:spPr>
-      </p:pic>
-      <p:pic>
-        <p:nvPicPr>
-          <p:cNvPr id="93" name="Shape 93"/>
-          <p:cNvPicPr preferRelativeResize="0"/>
-          <p:nvPr/>
-        </p:nvPicPr>
-        <p:blipFill>
-          <a:blip r:embed="rId7">
-            <a:alphaModFix/>
-          </a:blip>
-          <a:stretch>
-            <a:fillRect/>
-          </a:stretch>
-        </p:blipFill>
-        <p:spPr>
-          <a:xfrm>
-            <a:off x="2969900" y="3097025"/>
-            <a:ext cx="2143125" cy="952500"/>
-          </a:xfrm>
-          <a:prstGeom prst="rect">
-            <a:avLst/>
-          </a:prstGeom>
-          <a:noFill/>
-          <a:ln>
-            <a:noFill/>
-          </a:ln>
-        </p:spPr>
-      </p:pic>
-      <p:pic>
-        <p:nvPicPr>
-          <p:cNvPr id="94" name="Shape 94"/>
-          <p:cNvPicPr preferRelativeResize="0"/>
-          <p:nvPr/>
-        </p:nvPicPr>
-        <p:blipFill>
-          <a:blip r:embed="rId8">
-            <a:alphaModFix/>
-          </a:blip>
-          <a:stretch>
-            <a:fillRect/>
-          </a:stretch>
-        </p:blipFill>
-        <p:spPr>
-          <a:xfrm>
-            <a:off x="5610175" y="3287525"/>
-            <a:ext cx="3133725" cy="762000"/>
-          </a:xfrm>
-          <a:prstGeom prst="rect">
-            <a:avLst/>
-          </a:prstGeom>
-          <a:noFill/>
-          <a:ln>
-            <a:noFill/>
-          </a:ln>
-        </p:spPr>
-      </p:pic>
-      <p:sp>
-        <p:nvSpPr>
-          <p:cNvPr id="95" name="Shape 95"/>
-          <p:cNvSpPr txBox="1"/>
-          <p:nvPr/>
-        </p:nvSpPr>
-        <p:spPr>
-          <a:xfrm>
-            <a:off x="1690200" y="1347475"/>
-            <a:ext cx="1554599" cy="665099"/>
-          </a:xfrm>
-          <a:prstGeom prst="rect">
-            <a:avLst/>
-          </a:prstGeom>
-          <a:solidFill>
-            <a:srgbClr val="00FF00"/>
-          </a:solidFill>
-          <a:ln>
-            <a:noFill/>
-          </a:ln>
-        </p:spPr>
-        <p:txBody>
-          <a:bodyPr anchorCtr="0" anchor="t" bIns="91425" lIns="91425" rIns="91425" tIns="91425">
-            <a:noAutofit/>
-          </a:bodyPr>
-          <a:lstStyle/>
-          <a:p>
-            <a:pPr>
-              <a:spcBef>
-                <a:spcPts val="0"/>
-              </a:spcBef>
-              <a:buNone/>
-            </a:pPr>
-            <a:r>
-              <a:rPr b="1" lang="en">
-                <a:solidFill>
-                  <a:schemeClr val="dk1"/>
-                </a:solidFill>
-              </a:rPr>
-              <a:t>Document Store</a:t>
-            </a:r>
-          </a:p>
-        </p:txBody>
-      </p:sp>
-      <p:sp>
-        <p:nvSpPr>
-          <p:cNvPr id="96" name="Shape 96"/>
-          <p:cNvSpPr txBox="1"/>
-          <p:nvPr/>
-        </p:nvSpPr>
-        <p:spPr>
-          <a:xfrm>
-            <a:off x="7376200" y="2978300"/>
-            <a:ext cx="1367700" cy="548099"/>
-          </a:xfrm>
-          <a:prstGeom prst="rect">
-            <a:avLst/>
-          </a:prstGeom>
-          <a:solidFill>
-            <a:srgbClr val="00FF00"/>
-          </a:solidFill>
-          <a:ln>
-            <a:noFill/>
-          </a:ln>
-        </p:spPr>
-        <p:txBody>
-          <a:bodyPr anchorCtr="0" anchor="t" bIns="91425" lIns="91425" rIns="91425" tIns="91425">
-            <a:noAutofit/>
-          </a:bodyPr>
-          <a:lstStyle/>
-          <a:p>
-            <a:pPr lvl="0" rtl="0">
-              <a:spcBef>
-                <a:spcPts val="0"/>
-              </a:spcBef>
-              <a:buNone/>
-            </a:pPr>
-            <a:r>
-              <a:rPr b="1" lang="en">
-                <a:solidFill>
-                  <a:schemeClr val="dk1"/>
-                </a:solidFill>
-              </a:rPr>
-              <a:t>Document Store</a:t>
-            </a:r>
-          </a:p>
-        </p:txBody>
-      </p:sp>
-      <p:sp>
-        <p:nvSpPr>
-          <p:cNvPr id="97" name="Shape 97"/>
-          <p:cNvSpPr txBox="1"/>
-          <p:nvPr/>
-        </p:nvSpPr>
-        <p:spPr>
-          <a:xfrm>
-            <a:off x="3794700" y="2333600"/>
-            <a:ext cx="1554599" cy="665099"/>
-          </a:xfrm>
-          <a:prstGeom prst="rect">
-            <a:avLst/>
-          </a:prstGeom>
-          <a:solidFill>
-            <a:srgbClr val="00FF00"/>
-          </a:solidFill>
-          <a:ln>
-            <a:noFill/>
-          </a:ln>
-        </p:spPr>
-        <p:txBody>
-          <a:bodyPr anchorCtr="0" anchor="t" bIns="91425" lIns="91425" rIns="91425" tIns="91425">
-            <a:noAutofit/>
-          </a:bodyPr>
-          <a:lstStyle/>
-          <a:p>
-            <a:pPr lvl="0" rtl="0">
-              <a:spcBef>
-                <a:spcPts val="0"/>
-              </a:spcBef>
-              <a:buNone/>
-            </a:pPr>
-            <a:r>
-              <a:rPr b="1" lang="en">
-                <a:solidFill>
-                  <a:schemeClr val="dk1"/>
-                </a:solidFill>
-              </a:rPr>
-              <a:t>Key/Value Store</a:t>
-            </a:r>
-          </a:p>
-        </p:txBody>
-      </p:sp>
-      <p:sp>
-        <p:nvSpPr>
-          <p:cNvPr id="98" name="Shape 98"/>
-          <p:cNvSpPr txBox="1"/>
-          <p:nvPr/>
-        </p:nvSpPr>
-        <p:spPr>
-          <a:xfrm>
-            <a:off x="3460850" y="3984825"/>
-            <a:ext cx="1554599" cy="665099"/>
-          </a:xfrm>
-          <a:prstGeom prst="rect">
-            <a:avLst/>
-          </a:prstGeom>
-          <a:solidFill>
-            <a:srgbClr val="00FF00"/>
-          </a:solidFill>
-          <a:ln>
-            <a:noFill/>
-          </a:ln>
-        </p:spPr>
-        <p:txBody>
-          <a:bodyPr anchorCtr="0" anchor="t" bIns="91425" lIns="91425" rIns="91425" tIns="91425">
-            <a:noAutofit/>
-          </a:bodyPr>
-          <a:lstStyle/>
-          <a:p>
-            <a:pPr lvl="0" rtl="0">
-              <a:spcBef>
-                <a:spcPts val="0"/>
-              </a:spcBef>
-              <a:buNone/>
-            </a:pPr>
-            <a:r>
-              <a:rPr b="1" lang="en">
-                <a:solidFill>
-                  <a:schemeClr val="dk1"/>
-                </a:solidFill>
-              </a:rPr>
-              <a:t>Graph DB</a:t>
-            </a:r>
-          </a:p>
-        </p:txBody>
-      </p:sp>
-      <p:sp>
-        <p:nvSpPr>
-          <p:cNvPr id="99" name="Shape 99"/>
-          <p:cNvSpPr txBox="1"/>
-          <p:nvPr/>
-        </p:nvSpPr>
-        <p:spPr>
-          <a:xfrm>
-            <a:off x="1087000" y="4548825"/>
-            <a:ext cx="1489800" cy="417300"/>
-          </a:xfrm>
-          <a:prstGeom prst="rect">
-            <a:avLst/>
-          </a:prstGeom>
-          <a:solidFill>
-            <a:srgbClr val="00FF00"/>
-          </a:solidFill>
-          <a:ln>
-            <a:noFill/>
-          </a:ln>
-        </p:spPr>
-        <p:txBody>
-          <a:bodyPr anchorCtr="0" anchor="t" bIns="91425" lIns="91425" rIns="91425" tIns="91425">
-            <a:noAutofit/>
-          </a:bodyPr>
-          <a:lstStyle/>
-          <a:p>
-            <a:pPr rtl="0">
-              <a:spcBef>
-                <a:spcPts val="0"/>
-              </a:spcBef>
-              <a:buNone/>
-            </a:pPr>
-            <a:r>
-              <a:rPr b="1" lang="en">
-                <a:solidFill>
-                  <a:schemeClr val="dk1"/>
-                </a:solidFill>
-              </a:rPr>
-              <a:t>Column-Based</a:t>
-            </a:r>
-          </a:p>
-          <a:p>
-            <a:pPr lvl="0" rtl="0">
-              <a:spcBef>
-                <a:spcPts val="0"/>
-              </a:spcBef>
-              <a:buNone/>
-            </a:pPr>
-            <a:r>
-              <a:t/>
-            </a:r>
-            <a:endParaRPr b="1">
-              <a:solidFill>
-                <a:schemeClr val="dk1"/>
-              </a:solidFill>
-            </a:endParaRPr>
-          </a:p>
-        </p:txBody>
-      </p:sp>
     </p:spTree>
   </p:cSld>
   <p:clrMapOvr>
@@ -10911,283 +13774,6 @@
 </file>
 
 <file path=ppt/theme/theme1.xml><?xml version="1.0" encoding="utf-8"?>
-<a:theme xmlns:a="http://schemas.openxmlformats.org/drawingml/2006/main" xmlns:r="http://schemas.openxmlformats.org/officeDocument/2006/relationships" name="modern">
-  <a:themeElements>
-    <a:clrScheme name="Custom 348">
-      <a:dk1>
-        <a:srgbClr val="000000"/>
-      </a:dk1>
-      <a:lt1>
-        <a:srgbClr val="FFFFFF"/>
-      </a:lt1>
-      <a:dk2>
-        <a:srgbClr val="191919"/>
-      </a:dk2>
-      <a:lt2>
-        <a:srgbClr val="CCCCCC"/>
-      </a:lt2>
-      <a:accent1>
-        <a:srgbClr val="7E5554"/>
-      </a:accent1>
-      <a:accent2>
-        <a:srgbClr val="910A10"/>
-      </a:accent2>
-      <a:accent3>
-        <a:srgbClr val="84294D"/>
-      </a:accent3>
-      <a:accent4>
-        <a:srgbClr val="DA823B"/>
-      </a:accent4>
-      <a:accent5>
-        <a:srgbClr val="625D3C"/>
-      </a:accent5>
-      <a:accent6>
-        <a:srgbClr val="00384A"/>
-      </a:accent6>
-      <a:hlink>
-        <a:srgbClr val="227A78"/>
-      </a:hlink>
-      <a:folHlink>
-        <a:srgbClr val="394749"/>
-      </a:folHlink>
-    </a:clrScheme>
-    <a:fontScheme name="Office">
-      <a:majorFont>
-        <a:latin typeface="Arial"/>
-        <a:ea typeface=""/>
-        <a:cs typeface=""/>
-        <a:font script="Jpan" typeface="ＭＳ Ｐゴシック"/>
-        <a:font script="Hang" typeface="맑은 고딕"/>
-        <a:font script="Hans" typeface="宋体"/>
-        <a:font script="Hant" typeface="新細明體"/>
-        <a:font script="Arab" typeface="Times New Roman"/>
-        <a:font script="Hebr" typeface="Times New Roman"/>
-        <a:font script="Thai" typeface="Angsana New"/>
-        <a:font script="Ethi" typeface="Nyala"/>
-        <a:font script="Beng" typeface="Vrinda"/>
-        <a:font script="Gujr" typeface="Shruti"/>
-        <a:font script="Khmr" typeface="MoolBoran"/>
-        <a:font script="Knda" typeface="Tunga"/>
-        <a:font script="Guru" typeface="Raavi"/>
-        <a:font script="Cans" typeface="Euphemia"/>
-        <a:font script="Cher" typeface="Plantagenet Cherokee"/>
-        <a:font script="Yiii" typeface="Microsoft Yi Baiti"/>
-        <a:font script="Tibt" typeface="Microsoft Himalaya"/>
-        <a:font script="Thaa" typeface="MV Boli"/>
-        <a:font script="Deva" typeface="Mangal"/>
-        <a:font script="Telu" typeface="Gautami"/>
-        <a:font script="Taml" typeface="Latha"/>
-        <a:font script="Syrc" typeface="Estrangelo Edessa"/>
-        <a:font script="Orya" typeface="Kalinga"/>
-        <a:font script="Mlym" typeface="Kartika"/>
-        <a:font script="Laoo" typeface="DokChampa"/>
-        <a:font script="Sinh" typeface="Iskoola Pota"/>
-        <a:font script="Mong" typeface="Mongolian Baiti"/>
-        <a:font script="Viet" typeface="Times New Roman"/>
-        <a:font script="Uigh" typeface="Microsoft Uighur"/>
-      </a:majorFont>
-      <a:minorFont>
-        <a:latin typeface="Arial"/>
-        <a:ea typeface=""/>
-        <a:cs typeface=""/>
-        <a:font script="Jpan" typeface="ＭＳ Ｐゴシック"/>
-        <a:font script="Hang" typeface="맑은 고딕"/>
-        <a:font script="Hans" typeface="宋体"/>
-        <a:font script="Hant" typeface="新細明體"/>
-        <a:font script="Arab" typeface="Times New Roman"/>
-        <a:font script="Hebr" typeface="Times New Roman"/>
-        <a:font script="Thai" typeface="Angsana New"/>
-        <a:font script="Ethi" typeface="Nyala"/>
-        <a:font script="Beng" typeface="Vrinda"/>
-        <a:font script="Gujr" typeface="Shruti"/>
-        <a:font script="Khmr" typeface="MoolBoran"/>
-        <a:font script="Knda" typeface="Tunga"/>
-        <a:font script="Guru" typeface="Raavi"/>
-        <a:font script="Cans" typeface="Euphemia"/>
-        <a:font script="Cher" typeface="Plantagenet Cherokee"/>
-        <a:font script="Yiii" typeface="Microsoft Yi Baiti"/>
-        <a:font script="Tibt" typeface="Microsoft Himalaya"/>
-        <a:font script="Thaa" typeface="MV Boli"/>
-        <a:font script="Deva" typeface="Mangal"/>
-        <a:font script="Telu" typeface="Gautami"/>
-        <a:font script="Taml" typeface="Latha"/>
-        <a:font script="Syrc" typeface="Estrangelo Edessa"/>
-        <a:font script="Orya" typeface="Kalinga"/>
-        <a:font script="Mlym" typeface="Kartika"/>
-        <a:font script="Laoo" typeface="DokChampa"/>
-        <a:font script="Sinh" typeface="Iskoola Pota"/>
-        <a:font script="Mong" typeface="Mongolian Baiti"/>
-        <a:font script="Viet" typeface="Times New Roman"/>
-        <a:font script="Uigh" typeface="Microsoft Uighur"/>
-      </a:minorFont>
-    </a:fontScheme>
-    <a:fmtScheme name="Office">
-      <a:fillStyleLst>
-        <a:solidFill>
-          <a:schemeClr val="phClr"/>
-        </a:solidFill>
-        <a:gradFill rotWithShape="1">
-          <a:gsLst>
-            <a:gs pos="0">
-              <a:schemeClr val="phClr">
-                <a:tint val="50000"/>
-                <a:satMod val="300000"/>
-              </a:schemeClr>
-            </a:gs>
-            <a:gs pos="35000">
-              <a:schemeClr val="phClr">
-                <a:tint val="37000"/>
-                <a:satMod val="300000"/>
-              </a:schemeClr>
-            </a:gs>
-            <a:gs pos="100000">
-              <a:schemeClr val="phClr">
-                <a:tint val="15000"/>
-                <a:satMod val="350000"/>
-              </a:schemeClr>
-            </a:gs>
-          </a:gsLst>
-          <a:lin ang="16200000" scaled="1"/>
-        </a:gradFill>
-        <a:gradFill rotWithShape="1">
-          <a:gsLst>
-            <a:gs pos="0">
-              <a:schemeClr val="phClr">
-                <a:tint val="100000"/>
-                <a:shade val="100000"/>
-                <a:satMod val="130000"/>
-              </a:schemeClr>
-            </a:gs>
-            <a:gs pos="100000">
-              <a:schemeClr val="phClr">
-                <a:tint val="50000"/>
-                <a:shade val="100000"/>
-                <a:satMod val="350000"/>
-              </a:schemeClr>
-            </a:gs>
-          </a:gsLst>
-          <a:lin ang="16200000" scaled="0"/>
-        </a:gradFill>
-      </a:fillStyleLst>
-      <a:lnStyleLst>
-        <a:ln cap="flat" cmpd="sng" w="9525" algn="ctr">
-          <a:solidFill>
-            <a:schemeClr val="phClr">
-              <a:shade val="95000"/>
-              <a:satMod val="105000"/>
-            </a:schemeClr>
-          </a:solidFill>
-          <a:prstDash val="solid"/>
-        </a:ln>
-        <a:ln cap="flat" cmpd="sng" w="25400" algn="ctr">
-          <a:solidFill>
-            <a:schemeClr val="phClr"/>
-          </a:solidFill>
-          <a:prstDash val="solid"/>
-        </a:ln>
-        <a:ln cap="flat" cmpd="sng" w="38100" algn="ctr">
-          <a:solidFill>
-            <a:schemeClr val="phClr"/>
-          </a:solidFill>
-          <a:prstDash val="solid"/>
-        </a:ln>
-      </a:lnStyleLst>
-      <a:effectStyleLst>
-        <a:effectStyle>
-          <a:effectLst>
-            <a:outerShdw blurRad="40000" rotWithShape="0" dir="5400000" dist="20000">
-              <a:srgbClr val="000000">
-                <a:alpha val="38000"/>
-              </a:srgbClr>
-            </a:outerShdw>
-          </a:effectLst>
-        </a:effectStyle>
-        <a:effectStyle>
-          <a:effectLst>
-            <a:outerShdw blurRad="40000" rotWithShape="0" dir="5400000" dist="23000">
-              <a:srgbClr val="000000">
-                <a:alpha val="35000"/>
-              </a:srgbClr>
-            </a:outerShdw>
-          </a:effectLst>
-        </a:effectStyle>
-        <a:effectStyle>
-          <a:effectLst>
-            <a:outerShdw blurRad="40000" rotWithShape="0" dir="5400000" dist="23000">
-              <a:srgbClr val="000000">
-                <a:alpha val="35000"/>
-              </a:srgbClr>
-            </a:outerShdw>
-          </a:effectLst>
-          <a:scene3d>
-            <a:camera prst="orthographicFront">
-              <a:rot lat="0" lon="0" rev="0"/>
-            </a:camera>
-            <a:lightRig dir="t" rig="threePt">
-              <a:rot lat="0" lon="0" rev="1200000"/>
-            </a:lightRig>
-          </a:scene3d>
-          <a:sp3d>
-            <a:bevelT h="25400" w="63500"/>
-          </a:sp3d>
-        </a:effectStyle>
-      </a:effectStyleLst>
-      <a:bgFillStyleLst>
-        <a:solidFill>
-          <a:schemeClr val="phClr"/>
-        </a:solidFill>
-        <a:gradFill rotWithShape="1">
-          <a:gsLst>
-            <a:gs pos="0">
-              <a:schemeClr val="phClr">
-                <a:tint val="40000"/>
-                <a:satMod val="350000"/>
-              </a:schemeClr>
-            </a:gs>
-            <a:gs pos="40000">
-              <a:schemeClr val="phClr">
-                <a:tint val="45000"/>
-                <a:shade val="99000"/>
-                <a:satMod val="350000"/>
-              </a:schemeClr>
-            </a:gs>
-            <a:gs pos="100000">
-              <a:schemeClr val="phClr">
-                <a:shade val="20000"/>
-                <a:satMod val="255000"/>
-              </a:schemeClr>
-            </a:gs>
-          </a:gsLst>
-          <a:path path="circle">
-            <a:fillToRect b="180000" l="50000" r="50000" t="-80000"/>
-          </a:path>
-        </a:gradFill>
-        <a:gradFill rotWithShape="1">
-          <a:gsLst>
-            <a:gs pos="0">
-              <a:schemeClr val="phClr">
-                <a:tint val="80000"/>
-                <a:satMod val="300000"/>
-              </a:schemeClr>
-            </a:gs>
-            <a:gs pos="100000">
-              <a:schemeClr val="phClr">
-                <a:shade val="30000"/>
-                <a:satMod val="200000"/>
-              </a:schemeClr>
-            </a:gs>
-          </a:gsLst>
-          <a:path path="circle">
-            <a:fillToRect b="50000" l="50000" r="50000" t="50000"/>
-          </a:path>
-        </a:gradFill>
-      </a:bgFillStyleLst>
-    </a:fmtScheme>
-  </a:themeElements>
-</a:theme>
-</file>
-
-<file path=ppt/theme/theme2.xml><?xml version="1.0" encoding="utf-8"?>
 <a:theme xmlns:a="http://schemas.openxmlformats.org/drawingml/2006/main" xmlns:r="http://schemas.openxmlformats.org/officeDocument/2006/relationships" name="Custom Theme">
   <a:themeElements>
     <a:clrScheme name="Default">
@@ -11464,7 +14050,7 @@
 </a:theme>
 </file>
 
-<file path=ppt/theme/theme3.xml><?xml version="1.0" encoding="utf-8"?>
+<file path=ppt/theme/theme2.xml><?xml version="1.0" encoding="utf-8"?>
 <a:theme xmlns:a="http://schemas.openxmlformats.org/drawingml/2006/main" xmlns:r="http://schemas.openxmlformats.org/officeDocument/2006/relationships" name="Office Theme">
   <a:themeElements>
     <a:clrScheme name="Office">
@@ -11779,4 +14365,281 @@
     </a:lnDef>
   </a:objectDefaults>
 </a:theme>
+</file>
+
+<file path=ppt/theme/theme3.xml><?xml version="1.0" encoding="utf-8"?>
+<a:theme xmlns:a="http://schemas.openxmlformats.org/drawingml/2006/main" xmlns:r="http://schemas.openxmlformats.org/officeDocument/2006/relationships" name="modern">
+  <a:themeElements>
+    <a:clrScheme name="Custom 348">
+      <a:dk1>
+        <a:srgbClr val="000000"/>
+      </a:dk1>
+      <a:lt1>
+        <a:srgbClr val="FFFFFF"/>
+      </a:lt1>
+      <a:dk2>
+        <a:srgbClr val="191919"/>
+      </a:dk2>
+      <a:lt2>
+        <a:srgbClr val="CCCCCC"/>
+      </a:lt2>
+      <a:accent1>
+        <a:srgbClr val="7E5554"/>
+      </a:accent1>
+      <a:accent2>
+        <a:srgbClr val="910A10"/>
+      </a:accent2>
+      <a:accent3>
+        <a:srgbClr val="84294D"/>
+      </a:accent3>
+      <a:accent4>
+        <a:srgbClr val="DA823B"/>
+      </a:accent4>
+      <a:accent5>
+        <a:srgbClr val="625D3C"/>
+      </a:accent5>
+      <a:accent6>
+        <a:srgbClr val="00384A"/>
+      </a:accent6>
+      <a:hlink>
+        <a:srgbClr val="227A78"/>
+      </a:hlink>
+      <a:folHlink>
+        <a:srgbClr val="394749"/>
+      </a:folHlink>
+    </a:clrScheme>
+    <a:fontScheme name="Office">
+      <a:majorFont>
+        <a:latin typeface="Arial"/>
+        <a:ea typeface=""/>
+        <a:cs typeface=""/>
+        <a:font script="Jpan" typeface="ＭＳ Ｐゴシック"/>
+        <a:font script="Hang" typeface="맑은 고딕"/>
+        <a:font script="Hans" typeface="宋体"/>
+        <a:font script="Hant" typeface="新細明體"/>
+        <a:font script="Arab" typeface="Times New Roman"/>
+        <a:font script="Hebr" typeface="Times New Roman"/>
+        <a:font script="Thai" typeface="Angsana New"/>
+        <a:font script="Ethi" typeface="Nyala"/>
+        <a:font script="Beng" typeface="Vrinda"/>
+        <a:font script="Gujr" typeface="Shruti"/>
+        <a:font script="Khmr" typeface="MoolBoran"/>
+        <a:font script="Knda" typeface="Tunga"/>
+        <a:font script="Guru" typeface="Raavi"/>
+        <a:font script="Cans" typeface="Euphemia"/>
+        <a:font script="Cher" typeface="Plantagenet Cherokee"/>
+        <a:font script="Yiii" typeface="Microsoft Yi Baiti"/>
+        <a:font script="Tibt" typeface="Microsoft Himalaya"/>
+        <a:font script="Thaa" typeface="MV Boli"/>
+        <a:font script="Deva" typeface="Mangal"/>
+        <a:font script="Telu" typeface="Gautami"/>
+        <a:font script="Taml" typeface="Latha"/>
+        <a:font script="Syrc" typeface="Estrangelo Edessa"/>
+        <a:font script="Orya" typeface="Kalinga"/>
+        <a:font script="Mlym" typeface="Kartika"/>
+        <a:font script="Laoo" typeface="DokChampa"/>
+        <a:font script="Sinh" typeface="Iskoola Pota"/>
+        <a:font script="Mong" typeface="Mongolian Baiti"/>
+        <a:font script="Viet" typeface="Times New Roman"/>
+        <a:font script="Uigh" typeface="Microsoft Uighur"/>
+      </a:majorFont>
+      <a:minorFont>
+        <a:latin typeface="Arial"/>
+        <a:ea typeface=""/>
+        <a:cs typeface=""/>
+        <a:font script="Jpan" typeface="ＭＳ Ｐゴシック"/>
+        <a:font script="Hang" typeface="맑은 고딕"/>
+        <a:font script="Hans" typeface="宋体"/>
+        <a:font script="Hant" typeface="新細明體"/>
+        <a:font script="Arab" typeface="Times New Roman"/>
+        <a:font script="Hebr" typeface="Times New Roman"/>
+        <a:font script="Thai" typeface="Angsana New"/>
+        <a:font script="Ethi" typeface="Nyala"/>
+        <a:font script="Beng" typeface="Vrinda"/>
+        <a:font script="Gujr" typeface="Shruti"/>
+        <a:font script="Khmr" typeface="MoolBoran"/>
+        <a:font script="Knda" typeface="Tunga"/>
+        <a:font script="Guru" typeface="Raavi"/>
+        <a:font script="Cans" typeface="Euphemia"/>
+        <a:font script="Cher" typeface="Plantagenet Cherokee"/>
+        <a:font script="Yiii" typeface="Microsoft Yi Baiti"/>
+        <a:font script="Tibt" typeface="Microsoft Himalaya"/>
+        <a:font script="Thaa" typeface="MV Boli"/>
+        <a:font script="Deva" typeface="Mangal"/>
+        <a:font script="Telu" typeface="Gautami"/>
+        <a:font script="Taml" typeface="Latha"/>
+        <a:font script="Syrc" typeface="Estrangelo Edessa"/>
+        <a:font script="Orya" typeface="Kalinga"/>
+        <a:font script="Mlym" typeface="Kartika"/>
+        <a:font script="Laoo" typeface="DokChampa"/>
+        <a:font script="Sinh" typeface="Iskoola Pota"/>
+        <a:font script="Mong" typeface="Mongolian Baiti"/>
+        <a:font script="Viet" typeface="Times New Roman"/>
+        <a:font script="Uigh" typeface="Microsoft Uighur"/>
+      </a:minorFont>
+    </a:fontScheme>
+    <a:fmtScheme name="Office">
+      <a:fillStyleLst>
+        <a:solidFill>
+          <a:schemeClr val="phClr"/>
+        </a:solidFill>
+        <a:gradFill rotWithShape="1">
+          <a:gsLst>
+            <a:gs pos="0">
+              <a:schemeClr val="phClr">
+                <a:tint val="50000"/>
+                <a:satMod val="300000"/>
+              </a:schemeClr>
+            </a:gs>
+            <a:gs pos="35000">
+              <a:schemeClr val="phClr">
+                <a:tint val="37000"/>
+                <a:satMod val="300000"/>
+              </a:schemeClr>
+            </a:gs>
+            <a:gs pos="100000">
+              <a:schemeClr val="phClr">
+                <a:tint val="15000"/>
+                <a:satMod val="350000"/>
+              </a:schemeClr>
+            </a:gs>
+          </a:gsLst>
+          <a:lin ang="16200000" scaled="1"/>
+        </a:gradFill>
+        <a:gradFill rotWithShape="1">
+          <a:gsLst>
+            <a:gs pos="0">
+              <a:schemeClr val="phClr">
+                <a:tint val="100000"/>
+                <a:shade val="100000"/>
+                <a:satMod val="130000"/>
+              </a:schemeClr>
+            </a:gs>
+            <a:gs pos="100000">
+              <a:schemeClr val="phClr">
+                <a:tint val="50000"/>
+                <a:shade val="100000"/>
+                <a:satMod val="350000"/>
+              </a:schemeClr>
+            </a:gs>
+          </a:gsLst>
+          <a:lin ang="16200000" scaled="0"/>
+        </a:gradFill>
+      </a:fillStyleLst>
+      <a:lnStyleLst>
+        <a:ln cap="flat" cmpd="sng" w="9525" algn="ctr">
+          <a:solidFill>
+            <a:schemeClr val="phClr">
+              <a:shade val="95000"/>
+              <a:satMod val="105000"/>
+            </a:schemeClr>
+          </a:solidFill>
+          <a:prstDash val="solid"/>
+        </a:ln>
+        <a:ln cap="flat" cmpd="sng" w="25400" algn="ctr">
+          <a:solidFill>
+            <a:schemeClr val="phClr"/>
+          </a:solidFill>
+          <a:prstDash val="solid"/>
+        </a:ln>
+        <a:ln cap="flat" cmpd="sng" w="38100" algn="ctr">
+          <a:solidFill>
+            <a:schemeClr val="phClr"/>
+          </a:solidFill>
+          <a:prstDash val="solid"/>
+        </a:ln>
+      </a:lnStyleLst>
+      <a:effectStyleLst>
+        <a:effectStyle>
+          <a:effectLst>
+            <a:outerShdw blurRad="40000" rotWithShape="0" dir="5400000" dist="20000">
+              <a:srgbClr val="000000">
+                <a:alpha val="38000"/>
+              </a:srgbClr>
+            </a:outerShdw>
+          </a:effectLst>
+        </a:effectStyle>
+        <a:effectStyle>
+          <a:effectLst>
+            <a:outerShdw blurRad="40000" rotWithShape="0" dir="5400000" dist="23000">
+              <a:srgbClr val="000000">
+                <a:alpha val="35000"/>
+              </a:srgbClr>
+            </a:outerShdw>
+          </a:effectLst>
+        </a:effectStyle>
+        <a:effectStyle>
+          <a:effectLst>
+            <a:outerShdw blurRad="40000" rotWithShape="0" dir="5400000" dist="23000">
+              <a:srgbClr val="000000">
+                <a:alpha val="35000"/>
+              </a:srgbClr>
+            </a:outerShdw>
+          </a:effectLst>
+          <a:scene3d>
+            <a:camera prst="orthographicFront">
+              <a:rot lat="0" lon="0" rev="0"/>
+            </a:camera>
+            <a:lightRig dir="t" rig="threePt">
+              <a:rot lat="0" lon="0" rev="1200000"/>
+            </a:lightRig>
+          </a:scene3d>
+          <a:sp3d>
+            <a:bevelT h="25400" w="63500"/>
+          </a:sp3d>
+        </a:effectStyle>
+      </a:effectStyleLst>
+      <a:bgFillStyleLst>
+        <a:solidFill>
+          <a:schemeClr val="phClr"/>
+        </a:solidFill>
+        <a:gradFill rotWithShape="1">
+          <a:gsLst>
+            <a:gs pos="0">
+              <a:schemeClr val="phClr">
+                <a:tint val="40000"/>
+                <a:satMod val="350000"/>
+              </a:schemeClr>
+            </a:gs>
+            <a:gs pos="40000">
+              <a:schemeClr val="phClr">
+                <a:tint val="45000"/>
+                <a:shade val="99000"/>
+                <a:satMod val="350000"/>
+              </a:schemeClr>
+            </a:gs>
+            <a:gs pos="100000">
+              <a:schemeClr val="phClr">
+                <a:shade val="20000"/>
+                <a:satMod val="255000"/>
+              </a:schemeClr>
+            </a:gs>
+          </a:gsLst>
+          <a:path path="circle">
+            <a:fillToRect b="180000" l="50000" r="50000" t="-80000"/>
+          </a:path>
+        </a:gradFill>
+        <a:gradFill rotWithShape="1">
+          <a:gsLst>
+            <a:gs pos="0">
+              <a:schemeClr val="phClr">
+                <a:tint val="80000"/>
+                <a:satMod val="300000"/>
+              </a:schemeClr>
+            </a:gs>
+            <a:gs pos="100000">
+              <a:schemeClr val="phClr">
+                <a:shade val="30000"/>
+                <a:satMod val="200000"/>
+              </a:schemeClr>
+            </a:gs>
+          </a:gsLst>
+          <a:path path="circle">
+            <a:fillToRect b="50000" l="50000" r="50000" t="50000"/>
+          </a:path>
+        </a:gradFill>
+      </a:bgFillStyleLst>
+    </a:fmtScheme>
+  </a:themeElements>
+</a:theme>
 </file>
--- a/slides/slides.pptx
+++ b/slides/slides.pptx
@@ -8332,7 +8332,7 @@
             <a:tbl>
               <a:tblPr>
                 <a:noFill/>
-                <a:tableStyleId>{8AF4E31B-172E-4634-9BAC-9F9D754D02A7}</a:tableStyleId>
+                <a:tableStyleId>{BC57F939-7FA1-4A33-B994-DFA126A502E4}</a:tableStyleId>
               </a:tblPr>
               <a:tblGrid>
                 <a:gridCol w="628275"/>
@@ -11706,7 +11706,7 @@
             </a:pPr>
             <a:r>
               <a:rPr lang="en"/>
-              <a:t>count users per country</a:t>
+              <a:t>count users per country and send message to IL users</a:t>
             </a:r>
           </a:p>
           <a:p>
@@ -11791,24 +11791,7 @@
             </a:pPr>
             <a:r>
               <a:rPr lang="en"/>
-              <a:t>Send messages to all IL Users?</a:t>
-            </a:r>
-          </a:p>
-          <a:p>
-            <a:pPr indent="-419100" lvl="0" marL="457200" rtl="0">
-              <a:spcBef>
-                <a:spcPts val="0"/>
-              </a:spcBef>
-              <a:buClr>
-                <a:schemeClr val="dk2"/>
-              </a:buClr>
-              <a:buSzPct val="100000"/>
-              <a:buFont typeface="Arial"/>
-              <a:buChar char="●"/>
-            </a:pPr>
-            <a:r>
-              <a:rPr lang="en"/>
-              <a:t>Sort the users by name? Find users whose name start with B?</a:t>
+              <a:t>Find all chats of user?</a:t>
             </a:r>
           </a:p>
           <a:p>
@@ -11863,8 +11846,8 @@
         </p:nvSpPr>
         <p:spPr>
           <a:xfrm>
-            <a:off x="457200" y="205977"/>
-            <a:ext cx="8229600" cy="1141499"/>
+            <a:off x="457200" y="205976"/>
+            <a:ext cx="8229600" cy="440999"/>
           </a:xfrm>
           <a:prstGeom prst="rect">
             <a:avLst/>
@@ -11899,7 +11882,7 @@
         </p:nvSpPr>
         <p:spPr>
           <a:xfrm>
-            <a:off x="457200" y="1460499"/>
+            <a:off x="457200" y="839099"/>
             <a:ext cx="8229600" cy="3465299"/>
           </a:xfrm>
           <a:prstGeom prst="rect">
@@ -13774,6 +13757,283 @@
 </file>
 
 <file path=ppt/theme/theme1.xml><?xml version="1.0" encoding="utf-8"?>
+<a:theme xmlns:a="http://schemas.openxmlformats.org/drawingml/2006/main" xmlns:r="http://schemas.openxmlformats.org/officeDocument/2006/relationships" name="modern">
+  <a:themeElements>
+    <a:clrScheme name="Custom 348">
+      <a:dk1>
+        <a:srgbClr val="000000"/>
+      </a:dk1>
+      <a:lt1>
+        <a:srgbClr val="FFFFFF"/>
+      </a:lt1>
+      <a:dk2>
+        <a:srgbClr val="191919"/>
+      </a:dk2>
+      <a:lt2>
+        <a:srgbClr val="CCCCCC"/>
+      </a:lt2>
+      <a:accent1>
+        <a:srgbClr val="7E5554"/>
+      </a:accent1>
+      <a:accent2>
+        <a:srgbClr val="910A10"/>
+      </a:accent2>
+      <a:accent3>
+        <a:srgbClr val="84294D"/>
+      </a:accent3>
+      <a:accent4>
+        <a:srgbClr val="DA823B"/>
+      </a:accent4>
+      <a:accent5>
+        <a:srgbClr val="625D3C"/>
+      </a:accent5>
+      <a:accent6>
+        <a:srgbClr val="00384A"/>
+      </a:accent6>
+      <a:hlink>
+        <a:srgbClr val="227A78"/>
+      </a:hlink>
+      <a:folHlink>
+        <a:srgbClr val="394749"/>
+      </a:folHlink>
+    </a:clrScheme>
+    <a:fontScheme name="Office">
+      <a:majorFont>
+        <a:latin typeface="Arial"/>
+        <a:ea typeface=""/>
+        <a:cs typeface=""/>
+        <a:font script="Jpan" typeface="ＭＳ Ｐゴシック"/>
+        <a:font script="Hang" typeface="맑은 고딕"/>
+        <a:font script="Hans" typeface="宋体"/>
+        <a:font script="Hant" typeface="新細明體"/>
+        <a:font script="Arab" typeface="Times New Roman"/>
+        <a:font script="Hebr" typeface="Times New Roman"/>
+        <a:font script="Thai" typeface="Angsana New"/>
+        <a:font script="Ethi" typeface="Nyala"/>
+        <a:font script="Beng" typeface="Vrinda"/>
+        <a:font script="Gujr" typeface="Shruti"/>
+        <a:font script="Khmr" typeface="MoolBoran"/>
+        <a:font script="Knda" typeface="Tunga"/>
+        <a:font script="Guru" typeface="Raavi"/>
+        <a:font script="Cans" typeface="Euphemia"/>
+        <a:font script="Cher" typeface="Plantagenet Cherokee"/>
+        <a:font script="Yiii" typeface="Microsoft Yi Baiti"/>
+        <a:font script="Tibt" typeface="Microsoft Himalaya"/>
+        <a:font script="Thaa" typeface="MV Boli"/>
+        <a:font script="Deva" typeface="Mangal"/>
+        <a:font script="Telu" typeface="Gautami"/>
+        <a:font script="Taml" typeface="Latha"/>
+        <a:font script="Syrc" typeface="Estrangelo Edessa"/>
+        <a:font script="Orya" typeface="Kalinga"/>
+        <a:font script="Mlym" typeface="Kartika"/>
+        <a:font script="Laoo" typeface="DokChampa"/>
+        <a:font script="Sinh" typeface="Iskoola Pota"/>
+        <a:font script="Mong" typeface="Mongolian Baiti"/>
+        <a:font script="Viet" typeface="Times New Roman"/>
+        <a:font script="Uigh" typeface="Microsoft Uighur"/>
+      </a:majorFont>
+      <a:minorFont>
+        <a:latin typeface="Arial"/>
+        <a:ea typeface=""/>
+        <a:cs typeface=""/>
+        <a:font script="Jpan" typeface="ＭＳ Ｐゴシック"/>
+        <a:font script="Hang" typeface="맑은 고딕"/>
+        <a:font script="Hans" typeface="宋体"/>
+        <a:font script="Hant" typeface="新細明體"/>
+        <a:font script="Arab" typeface="Times New Roman"/>
+        <a:font script="Hebr" typeface="Times New Roman"/>
+        <a:font script="Thai" typeface="Angsana New"/>
+        <a:font script="Ethi" typeface="Nyala"/>
+        <a:font script="Beng" typeface="Vrinda"/>
+        <a:font script="Gujr" typeface="Shruti"/>
+        <a:font script="Khmr" typeface="MoolBoran"/>
+        <a:font script="Knda" typeface="Tunga"/>
+        <a:font script="Guru" typeface="Raavi"/>
+        <a:font script="Cans" typeface="Euphemia"/>
+        <a:font script="Cher" typeface="Plantagenet Cherokee"/>
+        <a:font script="Yiii" typeface="Microsoft Yi Baiti"/>
+        <a:font script="Tibt" typeface="Microsoft Himalaya"/>
+        <a:font script="Thaa" typeface="MV Boli"/>
+        <a:font script="Deva" typeface="Mangal"/>
+        <a:font script="Telu" typeface="Gautami"/>
+        <a:font script="Taml" typeface="Latha"/>
+        <a:font script="Syrc" typeface="Estrangelo Edessa"/>
+        <a:font script="Orya" typeface="Kalinga"/>
+        <a:font script="Mlym" typeface="Kartika"/>
+        <a:font script="Laoo" typeface="DokChampa"/>
+        <a:font script="Sinh" typeface="Iskoola Pota"/>
+        <a:font script="Mong" typeface="Mongolian Baiti"/>
+        <a:font script="Viet" typeface="Times New Roman"/>
+        <a:font script="Uigh" typeface="Microsoft Uighur"/>
+      </a:minorFont>
+    </a:fontScheme>
+    <a:fmtScheme name="Office">
+      <a:fillStyleLst>
+        <a:solidFill>
+          <a:schemeClr val="phClr"/>
+        </a:solidFill>
+        <a:gradFill rotWithShape="1">
+          <a:gsLst>
+            <a:gs pos="0">
+              <a:schemeClr val="phClr">
+                <a:tint val="50000"/>
+                <a:satMod val="300000"/>
+              </a:schemeClr>
+            </a:gs>
+            <a:gs pos="35000">
+              <a:schemeClr val="phClr">
+                <a:tint val="37000"/>
+                <a:satMod val="300000"/>
+              </a:schemeClr>
+            </a:gs>
+            <a:gs pos="100000">
+              <a:schemeClr val="phClr">
+                <a:tint val="15000"/>
+                <a:satMod val="350000"/>
+              </a:schemeClr>
+            </a:gs>
+          </a:gsLst>
+          <a:lin ang="16200000" scaled="1"/>
+        </a:gradFill>
+        <a:gradFill rotWithShape="1">
+          <a:gsLst>
+            <a:gs pos="0">
+              <a:schemeClr val="phClr">
+                <a:tint val="100000"/>
+                <a:shade val="100000"/>
+                <a:satMod val="130000"/>
+              </a:schemeClr>
+            </a:gs>
+            <a:gs pos="100000">
+              <a:schemeClr val="phClr">
+                <a:tint val="50000"/>
+                <a:shade val="100000"/>
+                <a:satMod val="350000"/>
+              </a:schemeClr>
+            </a:gs>
+          </a:gsLst>
+          <a:lin ang="16200000" scaled="0"/>
+        </a:gradFill>
+      </a:fillStyleLst>
+      <a:lnStyleLst>
+        <a:ln cap="flat" cmpd="sng" w="9525" algn="ctr">
+          <a:solidFill>
+            <a:schemeClr val="phClr">
+              <a:shade val="95000"/>
+              <a:satMod val="105000"/>
+            </a:schemeClr>
+          </a:solidFill>
+          <a:prstDash val="solid"/>
+        </a:ln>
+        <a:ln cap="flat" cmpd="sng" w="25400" algn="ctr">
+          <a:solidFill>
+            <a:schemeClr val="phClr"/>
+          </a:solidFill>
+          <a:prstDash val="solid"/>
+        </a:ln>
+        <a:ln cap="flat" cmpd="sng" w="38100" algn="ctr">
+          <a:solidFill>
+            <a:schemeClr val="phClr"/>
+          </a:solidFill>
+          <a:prstDash val="solid"/>
+        </a:ln>
+      </a:lnStyleLst>
+      <a:effectStyleLst>
+        <a:effectStyle>
+          <a:effectLst>
+            <a:outerShdw blurRad="40000" rotWithShape="0" dir="5400000" dist="20000">
+              <a:srgbClr val="000000">
+                <a:alpha val="38000"/>
+              </a:srgbClr>
+            </a:outerShdw>
+          </a:effectLst>
+        </a:effectStyle>
+        <a:effectStyle>
+          <a:effectLst>
+            <a:outerShdw blurRad="40000" rotWithShape="0" dir="5400000" dist="23000">
+              <a:srgbClr val="000000">
+                <a:alpha val="35000"/>
+              </a:srgbClr>
+            </a:outerShdw>
+          </a:effectLst>
+        </a:effectStyle>
+        <a:effectStyle>
+          <a:effectLst>
+            <a:outerShdw blurRad="40000" rotWithShape="0" dir="5400000" dist="23000">
+              <a:srgbClr val="000000">
+                <a:alpha val="35000"/>
+              </a:srgbClr>
+            </a:outerShdw>
+          </a:effectLst>
+          <a:scene3d>
+            <a:camera prst="orthographicFront">
+              <a:rot lat="0" lon="0" rev="0"/>
+            </a:camera>
+            <a:lightRig dir="t" rig="threePt">
+              <a:rot lat="0" lon="0" rev="1200000"/>
+            </a:lightRig>
+          </a:scene3d>
+          <a:sp3d>
+            <a:bevelT h="25400" w="63500"/>
+          </a:sp3d>
+        </a:effectStyle>
+      </a:effectStyleLst>
+      <a:bgFillStyleLst>
+        <a:solidFill>
+          <a:schemeClr val="phClr"/>
+        </a:solidFill>
+        <a:gradFill rotWithShape="1">
+          <a:gsLst>
+            <a:gs pos="0">
+              <a:schemeClr val="phClr">
+                <a:tint val="40000"/>
+                <a:satMod val="350000"/>
+              </a:schemeClr>
+            </a:gs>
+            <a:gs pos="40000">
+              <a:schemeClr val="phClr">
+                <a:tint val="45000"/>
+                <a:shade val="99000"/>
+                <a:satMod val="350000"/>
+              </a:schemeClr>
+            </a:gs>
+            <a:gs pos="100000">
+              <a:schemeClr val="phClr">
+                <a:shade val="20000"/>
+                <a:satMod val="255000"/>
+              </a:schemeClr>
+            </a:gs>
+          </a:gsLst>
+          <a:path path="circle">
+            <a:fillToRect b="180000" l="50000" r="50000" t="-80000"/>
+          </a:path>
+        </a:gradFill>
+        <a:gradFill rotWithShape="1">
+          <a:gsLst>
+            <a:gs pos="0">
+              <a:schemeClr val="phClr">
+                <a:tint val="80000"/>
+                <a:satMod val="300000"/>
+              </a:schemeClr>
+            </a:gs>
+            <a:gs pos="100000">
+              <a:schemeClr val="phClr">
+                <a:shade val="30000"/>
+                <a:satMod val="200000"/>
+              </a:schemeClr>
+            </a:gs>
+          </a:gsLst>
+          <a:path path="circle">
+            <a:fillToRect b="50000" l="50000" r="50000" t="50000"/>
+          </a:path>
+        </a:gradFill>
+      </a:bgFillStyleLst>
+    </a:fmtScheme>
+  </a:themeElements>
+</a:theme>
+</file>
+
+<file path=ppt/theme/theme2.xml><?xml version="1.0" encoding="utf-8"?>
 <a:theme xmlns:a="http://schemas.openxmlformats.org/drawingml/2006/main" xmlns:r="http://schemas.openxmlformats.org/officeDocument/2006/relationships" name="Custom Theme">
   <a:themeElements>
     <a:clrScheme name="Default">
@@ -14050,7 +14310,7 @@
 </a:theme>
 </file>
 
-<file path=ppt/theme/theme2.xml><?xml version="1.0" encoding="utf-8"?>
+<file path=ppt/theme/theme3.xml><?xml version="1.0" encoding="utf-8"?>
 <a:theme xmlns:a="http://schemas.openxmlformats.org/drawingml/2006/main" xmlns:r="http://schemas.openxmlformats.org/officeDocument/2006/relationships" name="Office Theme">
   <a:themeElements>
     <a:clrScheme name="Office">
@@ -14365,281 +14625,4 @@
     </a:lnDef>
   </a:objectDefaults>
 </a:theme>
-</file>
-
-<file path=ppt/theme/theme3.xml><?xml version="1.0" encoding="utf-8"?>
-<a:theme xmlns:a="http://schemas.openxmlformats.org/drawingml/2006/main" xmlns:r="http://schemas.openxmlformats.org/officeDocument/2006/relationships" name="modern">
-  <a:themeElements>
-    <a:clrScheme name="Custom 348">
-      <a:dk1>
-        <a:srgbClr val="000000"/>
-      </a:dk1>
-      <a:lt1>
-        <a:srgbClr val="FFFFFF"/>
-      </a:lt1>
-      <a:dk2>
-        <a:srgbClr val="191919"/>
-      </a:dk2>
-      <a:lt2>
-        <a:srgbClr val="CCCCCC"/>
-      </a:lt2>
-      <a:accent1>
-        <a:srgbClr val="7E5554"/>
-      </a:accent1>
-      <a:accent2>
-        <a:srgbClr val="910A10"/>
-      </a:accent2>
-      <a:accent3>
-        <a:srgbClr val="84294D"/>
-      </a:accent3>
-      <a:accent4>
-        <a:srgbClr val="DA823B"/>
-      </a:accent4>
-      <a:accent5>
-        <a:srgbClr val="625D3C"/>
-      </a:accent5>
-      <a:accent6>
-        <a:srgbClr val="00384A"/>
-      </a:accent6>
-      <a:hlink>
-        <a:srgbClr val="227A78"/>
-      </a:hlink>
-      <a:folHlink>
-        <a:srgbClr val="394749"/>
-      </a:folHlink>
-    </a:clrScheme>
-    <a:fontScheme name="Office">
-      <a:majorFont>
-        <a:latin typeface="Arial"/>
-        <a:ea typeface=""/>
-        <a:cs typeface=""/>
-        <a:font script="Jpan" typeface="ＭＳ Ｐゴシック"/>
-        <a:font script="Hang" typeface="맑은 고딕"/>
-        <a:font script="Hans" typeface="宋体"/>
-        <a:font script="Hant" typeface="新細明體"/>
-        <a:font script="Arab" typeface="Times New Roman"/>
-        <a:font script="Hebr" typeface="Times New Roman"/>
-        <a:font script="Thai" typeface="Angsana New"/>
-        <a:font script="Ethi" typeface="Nyala"/>
-        <a:font script="Beng" typeface="Vrinda"/>
-        <a:font script="Gujr" typeface="Shruti"/>
-        <a:font script="Khmr" typeface="MoolBoran"/>
-        <a:font script="Knda" typeface="Tunga"/>
-        <a:font script="Guru" typeface="Raavi"/>
-        <a:font script="Cans" typeface="Euphemia"/>
-        <a:font script="Cher" typeface="Plantagenet Cherokee"/>
-        <a:font script="Yiii" typeface="Microsoft Yi Baiti"/>
-        <a:font script="Tibt" typeface="Microsoft Himalaya"/>
-        <a:font script="Thaa" typeface="MV Boli"/>
-        <a:font script="Deva" typeface="Mangal"/>
-        <a:font script="Telu" typeface="Gautami"/>
-        <a:font script="Taml" typeface="Latha"/>
-        <a:font script="Syrc" typeface="Estrangelo Edessa"/>
-        <a:font script="Orya" typeface="Kalinga"/>
-        <a:font script="Mlym" typeface="Kartika"/>
-        <a:font script="Laoo" typeface="DokChampa"/>
-        <a:font script="Sinh" typeface="Iskoola Pota"/>
-        <a:font script="Mong" typeface="Mongolian Baiti"/>
-        <a:font script="Viet" typeface="Times New Roman"/>
-        <a:font script="Uigh" typeface="Microsoft Uighur"/>
-      </a:majorFont>
-      <a:minorFont>
-        <a:latin typeface="Arial"/>
-        <a:ea typeface=""/>
-        <a:cs typeface=""/>
-        <a:font script="Jpan" typeface="ＭＳ Ｐゴシック"/>
-        <a:font script="Hang" typeface="맑은 고딕"/>
-        <a:font script="Hans" typeface="宋体"/>
-        <a:font script="Hant" typeface="新細明體"/>
-        <a:font script="Arab" typeface="Times New Roman"/>
-        <a:font script="Hebr" typeface="Times New Roman"/>
-        <a:font script="Thai" typeface="Angsana New"/>
-        <a:font script="Ethi" typeface="Nyala"/>
-        <a:font script="Beng" typeface="Vrinda"/>
-        <a:font script="Gujr" typeface="Shruti"/>
-        <a:font script="Khmr" typeface="MoolBoran"/>
-        <a:font script="Knda" typeface="Tunga"/>
-        <a:font script="Guru" typeface="Raavi"/>
-        <a:font script="Cans" typeface="Euphemia"/>
-        <a:font script="Cher" typeface="Plantagenet Cherokee"/>
-        <a:font script="Yiii" typeface="Microsoft Yi Baiti"/>
-        <a:font script="Tibt" typeface="Microsoft Himalaya"/>
-        <a:font script="Thaa" typeface="MV Boli"/>
-        <a:font script="Deva" typeface="Mangal"/>
-        <a:font script="Telu" typeface="Gautami"/>
-        <a:font script="Taml" typeface="Latha"/>
-        <a:font script="Syrc" typeface="Estrangelo Edessa"/>
-        <a:font script="Orya" typeface="Kalinga"/>
-        <a:font script="Mlym" typeface="Kartika"/>
-        <a:font script="Laoo" typeface="DokChampa"/>
-        <a:font script="Sinh" typeface="Iskoola Pota"/>
-        <a:font script="Mong" typeface="Mongolian Baiti"/>
-        <a:font script="Viet" typeface="Times New Roman"/>
-        <a:font script="Uigh" typeface="Microsoft Uighur"/>
-      </a:minorFont>
-    </a:fontScheme>
-    <a:fmtScheme name="Office">
-      <a:fillStyleLst>
-        <a:solidFill>
-          <a:schemeClr val="phClr"/>
-        </a:solidFill>
-        <a:gradFill rotWithShape="1">
-          <a:gsLst>
-            <a:gs pos="0">
-              <a:schemeClr val="phClr">
-                <a:tint val="50000"/>
-                <a:satMod val="300000"/>
-              </a:schemeClr>
-            </a:gs>
-            <a:gs pos="35000">
-              <a:schemeClr val="phClr">
-                <a:tint val="37000"/>
-                <a:satMod val="300000"/>
-              </a:schemeClr>
-            </a:gs>
-            <a:gs pos="100000">
-              <a:schemeClr val="phClr">
-                <a:tint val="15000"/>
-                <a:satMod val="350000"/>
-              </a:schemeClr>
-            </a:gs>
-          </a:gsLst>
-          <a:lin ang="16200000" scaled="1"/>
-        </a:gradFill>
-        <a:gradFill rotWithShape="1">
-          <a:gsLst>
-            <a:gs pos="0">
-              <a:schemeClr val="phClr">
-                <a:tint val="100000"/>
-                <a:shade val="100000"/>
-                <a:satMod val="130000"/>
-              </a:schemeClr>
-            </a:gs>
-            <a:gs pos="100000">
-              <a:schemeClr val="phClr">
-                <a:tint val="50000"/>
-                <a:shade val="100000"/>
-                <a:satMod val="350000"/>
-              </a:schemeClr>
-            </a:gs>
-          </a:gsLst>
-          <a:lin ang="16200000" scaled="0"/>
-        </a:gradFill>
-      </a:fillStyleLst>
-      <a:lnStyleLst>
-        <a:ln cap="flat" cmpd="sng" w="9525" algn="ctr">
-          <a:solidFill>
-            <a:schemeClr val="phClr">
-              <a:shade val="95000"/>
-              <a:satMod val="105000"/>
-            </a:schemeClr>
-          </a:solidFill>
-          <a:prstDash val="solid"/>
-        </a:ln>
-        <a:ln cap="flat" cmpd="sng" w="25400" algn="ctr">
-          <a:solidFill>
-            <a:schemeClr val="phClr"/>
-          </a:solidFill>
-          <a:prstDash val="solid"/>
-        </a:ln>
-        <a:ln cap="flat" cmpd="sng" w="38100" algn="ctr">
-          <a:solidFill>
-            <a:schemeClr val="phClr"/>
-          </a:solidFill>
-          <a:prstDash val="solid"/>
-        </a:ln>
-      </a:lnStyleLst>
-      <a:effectStyleLst>
-        <a:effectStyle>
-          <a:effectLst>
-            <a:outerShdw blurRad="40000" rotWithShape="0" dir="5400000" dist="20000">
-              <a:srgbClr val="000000">
-                <a:alpha val="38000"/>
-              </a:srgbClr>
-            </a:outerShdw>
-          </a:effectLst>
-        </a:effectStyle>
-        <a:effectStyle>
-          <a:effectLst>
-            <a:outerShdw blurRad="40000" rotWithShape="0" dir="5400000" dist="23000">
-              <a:srgbClr val="000000">
-                <a:alpha val="35000"/>
-              </a:srgbClr>
-            </a:outerShdw>
-          </a:effectLst>
-        </a:effectStyle>
-        <a:effectStyle>
-          <a:effectLst>
-            <a:outerShdw blurRad="40000" rotWithShape="0" dir="5400000" dist="23000">
-              <a:srgbClr val="000000">
-                <a:alpha val="35000"/>
-              </a:srgbClr>
-            </a:outerShdw>
-          </a:effectLst>
-          <a:scene3d>
-            <a:camera prst="orthographicFront">
-              <a:rot lat="0" lon="0" rev="0"/>
-            </a:camera>
-            <a:lightRig dir="t" rig="threePt">
-              <a:rot lat="0" lon="0" rev="1200000"/>
-            </a:lightRig>
-          </a:scene3d>
-          <a:sp3d>
-            <a:bevelT h="25400" w="63500"/>
-          </a:sp3d>
-        </a:effectStyle>
-      </a:effectStyleLst>
-      <a:bgFillStyleLst>
-        <a:solidFill>
-          <a:schemeClr val="phClr"/>
-        </a:solidFill>
-        <a:gradFill rotWithShape="1">
-          <a:gsLst>
-            <a:gs pos="0">
-              <a:schemeClr val="phClr">
-                <a:tint val="40000"/>
-                <a:satMod val="350000"/>
-              </a:schemeClr>
-            </a:gs>
-            <a:gs pos="40000">
-              <a:schemeClr val="phClr">
-                <a:tint val="45000"/>
-                <a:shade val="99000"/>
-                <a:satMod val="350000"/>
-              </a:schemeClr>
-            </a:gs>
-            <a:gs pos="100000">
-              <a:schemeClr val="phClr">
-                <a:shade val="20000"/>
-                <a:satMod val="255000"/>
-              </a:schemeClr>
-            </a:gs>
-          </a:gsLst>
-          <a:path path="circle">
-            <a:fillToRect b="180000" l="50000" r="50000" t="-80000"/>
-          </a:path>
-        </a:gradFill>
-        <a:gradFill rotWithShape="1">
-          <a:gsLst>
-            <a:gs pos="0">
-              <a:schemeClr val="phClr">
-                <a:tint val="80000"/>
-                <a:satMod val="300000"/>
-              </a:schemeClr>
-            </a:gs>
-            <a:gs pos="100000">
-              <a:schemeClr val="phClr">
-                <a:shade val="30000"/>
-                <a:satMod val="200000"/>
-              </a:schemeClr>
-            </a:gs>
-          </a:gsLst>
-          <a:path path="circle">
-            <a:fillToRect b="50000" l="50000" r="50000" t="50000"/>
-          </a:path>
-        </a:gradFill>
-      </a:bgFillStyleLst>
-    </a:fmtScheme>
-  </a:themeElements>
-</a:theme>
 </file>